--- a/2023/02产品/SNC8x/01)竞品分析/00)竞品芯片分析/品牌产品路线分析/Realtek/Realtek产品线分析.pptx
+++ b/2023/02产品/SNC8x/01)竞品分析/00)竞品芯片分析/品牌产品路线分析/Realtek/Realtek产品线分析.pptx
@@ -5,20 +5,25 @@
     <p:sldMasterId id="2147483648" r:id="rId1"/>
   </p:sldMasterIdLst>
   <p:notesMasterIdLst>
-    <p:notesMasterId r:id="rId13"/>
+    <p:notesMasterId r:id="rId18"/>
   </p:notesMasterIdLst>
   <p:sldIdLst>
     <p:sldId id="256" r:id="rId2"/>
     <p:sldId id="265" r:id="rId3"/>
     <p:sldId id="266" r:id="rId4"/>
-    <p:sldId id="263" r:id="rId5"/>
-    <p:sldId id="258" r:id="rId6"/>
-    <p:sldId id="264" r:id="rId7"/>
-    <p:sldId id="259" r:id="rId8"/>
-    <p:sldId id="260" r:id="rId9"/>
-    <p:sldId id="261" r:id="rId10"/>
-    <p:sldId id="262" r:id="rId11"/>
-    <p:sldId id="267" r:id="rId12"/>
+    <p:sldId id="269" r:id="rId5"/>
+    <p:sldId id="268" r:id="rId6"/>
+    <p:sldId id="258" r:id="rId7"/>
+    <p:sldId id="270" r:id="rId8"/>
+    <p:sldId id="271" r:id="rId9"/>
+    <p:sldId id="272" r:id="rId10"/>
+    <p:sldId id="264" r:id="rId11"/>
+    <p:sldId id="260" r:id="rId12"/>
+    <p:sldId id="261" r:id="rId13"/>
+    <p:sldId id="262" r:id="rId14"/>
+    <p:sldId id="263" r:id="rId15"/>
+    <p:sldId id="259" r:id="rId16"/>
+    <p:sldId id="267" r:id="rId17"/>
   </p:sldIdLst>
   <p:sldSz cx="12192000" cy="6858000"/>
   <p:notesSz cx="6858000" cy="9144000"/>
@@ -117,6 +122,11 @@
       </a:defRPr>
     </a:lvl9pPr>
   </p:defaultTextStyle>
+  <p:extLst>
+    <p:ext uri="{EFAFB233-063F-42B5-8137-9DF3F51BA10A}">
+      <p15:sldGuideLst xmlns:p15="http://schemas.microsoft.com/office/powerpoint/2012/main"/>
+    </p:ext>
+  </p:extLst>
 </p:presentation>
 </file>
 
@@ -202,7 +212,7 @@
           <a:p>
             <a:fld id="{28EA0F69-1204-4BA0-B38F-9FCC649F2CF7}" type="datetimeFigureOut">
               <a:rPr lang="zh-CN" altLang="en-US" smtClean="0"/>
-              <a:t>2023/5/16</a:t>
+              <a:t>2023/5/17</a:t>
             </a:fld>
             <a:endParaRPr lang="zh-CN" altLang="en-US"/>
           </a:p>
@@ -1007,7 +1017,7 @@
           <a:p>
             <a:fld id="{3F04F934-21C7-4C57-A156-D36005DEA771}" type="slidenum">
               <a:rPr lang="zh-CN" altLang="en-US" smtClean="0"/>
-              <a:t>5</a:t>
+              <a:t>6</a:t>
             </a:fld>
             <a:endParaRPr lang="zh-CN" altLang="en-US"/>
           </a:p>
@@ -1173,7 +1183,7 @@
           <a:p>
             <a:fld id="{F0D76D53-A3B4-4B96-A8CF-9D3A30CCA9B8}" type="datetimeFigureOut">
               <a:rPr lang="zh-CN" altLang="en-US" smtClean="0"/>
-              <a:t>2023/5/16</a:t>
+              <a:t>2023/5/17</a:t>
             </a:fld>
             <a:endParaRPr lang="zh-CN" altLang="en-US"/>
           </a:p>
@@ -1371,7 +1381,7 @@
           <a:p>
             <a:fld id="{F0D76D53-A3B4-4B96-A8CF-9D3A30CCA9B8}" type="datetimeFigureOut">
               <a:rPr lang="zh-CN" altLang="en-US" smtClean="0"/>
-              <a:t>2023/5/16</a:t>
+              <a:t>2023/5/17</a:t>
             </a:fld>
             <a:endParaRPr lang="zh-CN" altLang="en-US"/>
           </a:p>
@@ -1579,7 +1589,7 @@
           <a:p>
             <a:fld id="{F0D76D53-A3B4-4B96-A8CF-9D3A30CCA9B8}" type="datetimeFigureOut">
               <a:rPr lang="zh-CN" altLang="en-US" smtClean="0"/>
-              <a:t>2023/5/16</a:t>
+              <a:t>2023/5/17</a:t>
             </a:fld>
             <a:endParaRPr lang="zh-CN" altLang="en-US"/>
           </a:p>
@@ -1777,7 +1787,7 @@
           <a:p>
             <a:fld id="{F0D76D53-A3B4-4B96-A8CF-9D3A30CCA9B8}" type="datetimeFigureOut">
               <a:rPr lang="zh-CN" altLang="en-US" smtClean="0"/>
-              <a:t>2023/5/16</a:t>
+              <a:t>2023/5/17</a:t>
             </a:fld>
             <a:endParaRPr lang="zh-CN" altLang="en-US"/>
           </a:p>
@@ -2052,7 +2062,7 @@
           <a:p>
             <a:fld id="{F0D76D53-A3B4-4B96-A8CF-9D3A30CCA9B8}" type="datetimeFigureOut">
               <a:rPr lang="zh-CN" altLang="en-US" smtClean="0"/>
-              <a:t>2023/5/16</a:t>
+              <a:t>2023/5/17</a:t>
             </a:fld>
             <a:endParaRPr lang="zh-CN" altLang="en-US"/>
           </a:p>
@@ -2317,7 +2327,7 @@
           <a:p>
             <a:fld id="{F0D76D53-A3B4-4B96-A8CF-9D3A30CCA9B8}" type="datetimeFigureOut">
               <a:rPr lang="zh-CN" altLang="en-US" smtClean="0"/>
-              <a:t>2023/5/16</a:t>
+              <a:t>2023/5/17</a:t>
             </a:fld>
             <a:endParaRPr lang="zh-CN" altLang="en-US"/>
           </a:p>
@@ -2729,7 +2739,7 @@
           <a:p>
             <a:fld id="{F0D76D53-A3B4-4B96-A8CF-9D3A30CCA9B8}" type="datetimeFigureOut">
               <a:rPr lang="zh-CN" altLang="en-US" smtClean="0"/>
-              <a:t>2023/5/16</a:t>
+              <a:t>2023/5/17</a:t>
             </a:fld>
             <a:endParaRPr lang="zh-CN" altLang="en-US"/>
           </a:p>
@@ -2870,7 +2880,7 @@
           <a:p>
             <a:fld id="{F0D76D53-A3B4-4B96-A8CF-9D3A30CCA9B8}" type="datetimeFigureOut">
               <a:rPr lang="zh-CN" altLang="en-US" smtClean="0"/>
-              <a:t>2023/5/16</a:t>
+              <a:t>2023/5/17</a:t>
             </a:fld>
             <a:endParaRPr lang="zh-CN" altLang="en-US"/>
           </a:p>
@@ -2983,7 +2993,7 @@
           <a:p>
             <a:fld id="{F0D76D53-A3B4-4B96-A8CF-9D3A30CCA9B8}" type="datetimeFigureOut">
               <a:rPr lang="zh-CN" altLang="en-US" smtClean="0"/>
-              <a:t>2023/5/16</a:t>
+              <a:t>2023/5/17</a:t>
             </a:fld>
             <a:endParaRPr lang="zh-CN" altLang="en-US"/>
           </a:p>
@@ -3294,7 +3304,7 @@
           <a:p>
             <a:fld id="{F0D76D53-A3B4-4B96-A8CF-9D3A30CCA9B8}" type="datetimeFigureOut">
               <a:rPr lang="zh-CN" altLang="en-US" smtClean="0"/>
-              <a:t>2023/5/16</a:t>
+              <a:t>2023/5/17</a:t>
             </a:fld>
             <a:endParaRPr lang="zh-CN" altLang="en-US"/>
           </a:p>
@@ -3582,7 +3592,7 @@
           <a:p>
             <a:fld id="{F0D76D53-A3B4-4B96-A8CF-9D3A30CCA9B8}" type="datetimeFigureOut">
               <a:rPr lang="zh-CN" altLang="en-US" smtClean="0"/>
-              <a:t>2023/5/16</a:t>
+              <a:t>2023/5/17</a:t>
             </a:fld>
             <a:endParaRPr lang="zh-CN" altLang="en-US"/>
           </a:p>
@@ -3823,7 +3833,7 @@
           <a:p>
             <a:fld id="{F0D76D53-A3B4-4B96-A8CF-9D3A30CCA9B8}" type="datetimeFigureOut">
               <a:rPr lang="zh-CN" altLang="en-US" smtClean="0"/>
-              <a:t>2023/5/16</a:t>
+              <a:t>2023/5/17</a:t>
             </a:fld>
             <a:endParaRPr lang="zh-CN" altLang="en-US"/>
           </a:p>
@@ -4325,6 +4335,412 @@
           <p:cNvPr id="2" name="标题 1">
             <a:extLst>
               <a:ext uri="{FF2B5EF4-FFF2-40B4-BE49-F238E27FC236}">
+                <a16:creationId xmlns:a16="http://schemas.microsoft.com/office/drawing/2014/main" id="{5D91B373-4DA1-3F20-B3B7-5C29897E4235}"/>
+              </a:ext>
+            </a:extLst>
+          </p:cNvPr>
+          <p:cNvSpPr>
+            <a:spLocks noGrp="1"/>
+          </p:cNvSpPr>
+          <p:nvPr>
+            <p:ph type="title"/>
+          </p:nvPr>
+        </p:nvSpPr>
+        <p:spPr/>
+        <p:txBody>
+          <a:bodyPr/>
+          <a:lstStyle/>
+          <a:p>
+            <a:r>
+              <a:rPr lang="en-US" altLang="zh-CN" dirty="0"/>
+              <a:t>TWS </a:t>
+            </a:r>
+            <a:r>
+              <a:rPr lang="zh-CN" altLang="en-US" dirty="0"/>
+              <a:t>产品线</a:t>
+            </a:r>
+          </a:p>
+        </p:txBody>
+      </p:sp>
+      <p:pic>
+        <p:nvPicPr>
+          <p:cNvPr id="10" name="内容占位符 9">
+            <a:extLst>
+              <a:ext uri="{FF2B5EF4-FFF2-40B4-BE49-F238E27FC236}">
+                <a16:creationId xmlns:a16="http://schemas.microsoft.com/office/drawing/2014/main" id="{65A4E38E-591E-3114-91B5-3C11F3CE4816}"/>
+              </a:ext>
+            </a:extLst>
+          </p:cNvPr>
+          <p:cNvPicPr>
+            <a:picLocks noGrp="1" noChangeAspect="1"/>
+          </p:cNvPicPr>
+          <p:nvPr>
+            <p:ph idx="1"/>
+          </p:nvPr>
+        </p:nvPicPr>
+        <p:blipFill>
+          <a:blip r:embed="rId2">
+            <a:extLst>
+              <a:ext uri="{28A0092B-C50C-407E-A947-70E740481C1C}">
+                <a14:useLocalDpi xmlns:a14="http://schemas.microsoft.com/office/drawing/2010/main" val="0"/>
+              </a:ext>
+            </a:extLst>
+          </a:blip>
+          <a:stretch>
+            <a:fillRect/>
+          </a:stretch>
+        </p:blipFill>
+        <p:spPr>
+          <a:xfrm>
+            <a:off x="7484571" y="2994662"/>
+            <a:ext cx="4707429" cy="3863338"/>
+          </a:xfrm>
+        </p:spPr>
+      </p:pic>
+      <p:grpSp>
+        <p:nvGrpSpPr>
+          <p:cNvPr id="7" name="组合 6">
+            <a:extLst>
+              <a:ext uri="{FF2B5EF4-FFF2-40B4-BE49-F238E27FC236}">
+                <a16:creationId xmlns:a16="http://schemas.microsoft.com/office/drawing/2014/main" id="{A6011B77-515C-D91E-A597-D97F210696CC}"/>
+              </a:ext>
+            </a:extLst>
+          </p:cNvPr>
+          <p:cNvGrpSpPr/>
+          <p:nvPr/>
+        </p:nvGrpSpPr>
+        <p:grpSpPr>
+          <a:xfrm>
+            <a:off x="8010161" y="0"/>
+            <a:ext cx="4181839" cy="2920416"/>
+            <a:chOff x="8010161" y="0"/>
+            <a:chExt cx="4181839" cy="2920416"/>
+          </a:xfrm>
+        </p:grpSpPr>
+        <p:pic>
+          <p:nvPicPr>
+            <p:cNvPr id="5" name="图片 4">
+              <a:extLst>
+                <a:ext uri="{FF2B5EF4-FFF2-40B4-BE49-F238E27FC236}">
+                  <a16:creationId xmlns:a16="http://schemas.microsoft.com/office/drawing/2014/main" id="{E67B22C9-2271-A175-18A0-73AEC5BDF838}"/>
+                </a:ext>
+              </a:extLst>
+            </p:cNvPr>
+            <p:cNvPicPr>
+              <a:picLocks noChangeAspect="1"/>
+            </p:cNvPicPr>
+            <p:nvPr/>
+          </p:nvPicPr>
+          <p:blipFill>
+            <a:blip r:embed="rId3"/>
+            <a:stretch>
+              <a:fillRect/>
+            </a:stretch>
+          </p:blipFill>
+          <p:spPr>
+            <a:xfrm>
+              <a:off x="8010161" y="0"/>
+              <a:ext cx="4181839" cy="2920416"/>
+            </a:xfrm>
+            <a:prstGeom prst="rect">
+              <a:avLst/>
+            </a:prstGeom>
+          </p:spPr>
+        </p:pic>
+        <p:sp>
+          <p:nvSpPr>
+            <p:cNvPr id="6" name="文本框 5">
+              <a:extLst>
+                <a:ext uri="{FF2B5EF4-FFF2-40B4-BE49-F238E27FC236}">
+                  <a16:creationId xmlns:a16="http://schemas.microsoft.com/office/drawing/2014/main" id="{8690658D-582E-6C77-8BB3-5B921AD620A1}"/>
+                </a:ext>
+              </a:extLst>
+            </p:cNvPr>
+            <p:cNvSpPr txBox="1"/>
+            <p:nvPr/>
+          </p:nvSpPr>
+          <p:spPr>
+            <a:xfrm>
+              <a:off x="8010161" y="2612639"/>
+              <a:ext cx="1452642" cy="307777"/>
+            </a:xfrm>
+            <a:prstGeom prst="rect">
+              <a:avLst/>
+            </a:prstGeom>
+            <a:noFill/>
+          </p:spPr>
+          <p:txBody>
+            <a:bodyPr wrap="none" rtlCol="0">
+              <a:spAutoFit/>
+            </a:bodyPr>
+            <a:lstStyle/>
+            <a:p>
+              <a:r>
+                <a:rPr lang="en-US" altLang="zh-CN" sz="1400" b="1" dirty="0"/>
+                <a:t>TWS</a:t>
+              </a:r>
+              <a:r>
+                <a:rPr lang="zh-CN" altLang="en-US" sz="1400" b="1" dirty="0"/>
+                <a:t>出货量对比</a:t>
+              </a:r>
+            </a:p>
+          </p:txBody>
+        </p:sp>
+      </p:grpSp>
+    </p:spTree>
+    <p:extLst>
+      <p:ext uri="{BB962C8B-B14F-4D97-AF65-F5344CB8AC3E}">
+        <p14:creationId xmlns:p14="http://schemas.microsoft.com/office/powerpoint/2010/main" val="4057805692"/>
+      </p:ext>
+    </p:extLst>
+  </p:cSld>
+  <p:clrMapOvr>
+    <a:masterClrMapping/>
+  </p:clrMapOvr>
+</p:sld>
+</file>
+
+<file path=ppt/slides/slide11.xml><?xml version="1.0" encoding="utf-8"?>
+<p:sld xmlns:a="http://schemas.openxmlformats.org/drawingml/2006/main" xmlns:r="http://schemas.openxmlformats.org/officeDocument/2006/relationships" xmlns:p="http://schemas.openxmlformats.org/presentationml/2006/main">
+  <p:cSld>
+    <p:spTree>
+      <p:nvGrpSpPr>
+        <p:cNvPr id="1" name=""/>
+        <p:cNvGrpSpPr/>
+        <p:nvPr/>
+      </p:nvGrpSpPr>
+      <p:grpSpPr>
+        <a:xfrm>
+          <a:off x="0" y="0"/>
+          <a:ext cx="0" cy="0"/>
+          <a:chOff x="0" y="0"/>
+          <a:chExt cx="0" cy="0"/>
+        </a:xfrm>
+      </p:grpSpPr>
+      <p:sp>
+        <p:nvSpPr>
+          <p:cNvPr id="2" name="标题 1">
+            <a:extLst>
+              <a:ext uri="{FF2B5EF4-FFF2-40B4-BE49-F238E27FC236}">
+                <a16:creationId xmlns:a16="http://schemas.microsoft.com/office/drawing/2014/main" id="{8A7501C0-3D6B-8495-D49A-985EB7CA47D6}"/>
+              </a:ext>
+            </a:extLst>
+          </p:cNvPr>
+          <p:cNvSpPr>
+            <a:spLocks noGrp="1"/>
+          </p:cNvSpPr>
+          <p:nvPr>
+            <p:ph type="title"/>
+          </p:nvPr>
+        </p:nvSpPr>
+        <p:spPr/>
+        <p:txBody>
+          <a:bodyPr/>
+          <a:lstStyle/>
+          <a:p>
+            <a:r>
+              <a:rPr lang="zh-CN" altLang="en-US" dirty="0"/>
+              <a:t>中国台湾电子公司月度营收情况 </a:t>
+            </a:r>
+            <a:r>
+              <a:rPr lang="en-US" altLang="zh-CN" dirty="0"/>
+              <a:t>– </a:t>
+            </a:r>
+            <a:r>
+              <a:rPr lang="zh-CN" altLang="en-US" dirty="0"/>
+              <a:t>数字</a:t>
+            </a:r>
+            <a:r>
+              <a:rPr lang="en-US" altLang="zh-CN" dirty="0"/>
+              <a:t>IC</a:t>
+            </a:r>
+            <a:endParaRPr lang="zh-CN" altLang="en-US" dirty="0"/>
+          </a:p>
+        </p:txBody>
+      </p:sp>
+      <p:sp>
+        <p:nvSpPr>
+          <p:cNvPr id="3" name="内容占位符 2">
+            <a:extLst>
+              <a:ext uri="{FF2B5EF4-FFF2-40B4-BE49-F238E27FC236}">
+                <a16:creationId xmlns:a16="http://schemas.microsoft.com/office/drawing/2014/main" id="{8D83EA51-B487-ABE6-E9E1-DE33DE38B765}"/>
+              </a:ext>
+            </a:extLst>
+          </p:cNvPr>
+          <p:cNvSpPr>
+            <a:spLocks noGrp="1"/>
+          </p:cNvSpPr>
+          <p:nvPr>
+            <p:ph idx="1"/>
+          </p:nvPr>
+        </p:nvSpPr>
+        <p:spPr/>
+        <p:txBody>
+          <a:bodyPr/>
+          <a:lstStyle/>
+          <a:p>
+            <a:endParaRPr lang="zh-CN" altLang="en-US"/>
+          </a:p>
+        </p:txBody>
+      </p:sp>
+      <p:pic>
+        <p:nvPicPr>
+          <p:cNvPr id="5" name="图片 4">
+            <a:extLst>
+              <a:ext uri="{FF2B5EF4-FFF2-40B4-BE49-F238E27FC236}">
+                <a16:creationId xmlns:a16="http://schemas.microsoft.com/office/drawing/2014/main" id="{ABCE41C1-DA3F-57D9-53FB-01C05847E7D6}"/>
+              </a:ext>
+            </a:extLst>
+          </p:cNvPr>
+          <p:cNvPicPr>
+            <a:picLocks noChangeAspect="1"/>
+          </p:cNvPicPr>
+          <p:nvPr/>
+        </p:nvPicPr>
+        <p:blipFill>
+          <a:blip r:embed="rId2"/>
+          <a:stretch>
+            <a:fillRect/>
+          </a:stretch>
+        </p:blipFill>
+        <p:spPr>
+          <a:xfrm>
+            <a:off x="838200" y="1825625"/>
+            <a:ext cx="7125694" cy="2962688"/>
+          </a:xfrm>
+          <a:prstGeom prst="rect">
+            <a:avLst/>
+          </a:prstGeom>
+        </p:spPr>
+      </p:pic>
+    </p:spTree>
+    <p:extLst>
+      <p:ext uri="{BB962C8B-B14F-4D97-AF65-F5344CB8AC3E}">
+        <p14:creationId xmlns:p14="http://schemas.microsoft.com/office/powerpoint/2010/main" val="3921843933"/>
+      </p:ext>
+    </p:extLst>
+  </p:cSld>
+  <p:clrMapOvr>
+    <a:masterClrMapping/>
+  </p:clrMapOvr>
+</p:sld>
+</file>
+
+<file path=ppt/slides/slide12.xml><?xml version="1.0" encoding="utf-8"?>
+<p:sld xmlns:a="http://schemas.openxmlformats.org/drawingml/2006/main" xmlns:r="http://schemas.openxmlformats.org/officeDocument/2006/relationships" xmlns:p="http://schemas.openxmlformats.org/presentationml/2006/main">
+  <p:cSld>
+    <p:spTree>
+      <p:nvGrpSpPr>
+        <p:cNvPr id="1" name=""/>
+        <p:cNvGrpSpPr/>
+        <p:nvPr/>
+      </p:nvGrpSpPr>
+      <p:grpSpPr>
+        <a:xfrm>
+          <a:off x="0" y="0"/>
+          <a:ext cx="0" cy="0"/>
+          <a:chOff x="0" y="0"/>
+          <a:chExt cx="0" cy="0"/>
+        </a:xfrm>
+      </p:grpSpPr>
+      <p:sp>
+        <p:nvSpPr>
+          <p:cNvPr id="2" name="标题 1">
+            <a:extLst>
+              <a:ext uri="{FF2B5EF4-FFF2-40B4-BE49-F238E27FC236}">
+                <a16:creationId xmlns:a16="http://schemas.microsoft.com/office/drawing/2014/main" id="{D401DBA5-853A-8BC1-075D-BB031ECEB4C0}"/>
+              </a:ext>
+            </a:extLst>
+          </p:cNvPr>
+          <p:cNvSpPr>
+            <a:spLocks noGrp="1"/>
+          </p:cNvSpPr>
+          <p:nvPr>
+            <p:ph type="title"/>
+          </p:nvPr>
+        </p:nvSpPr>
+        <p:spPr/>
+        <p:txBody>
+          <a:bodyPr/>
+          <a:lstStyle/>
+          <a:p>
+            <a:r>
+              <a:rPr lang="zh-CN" altLang="en-US" dirty="0"/>
+              <a:t>小米是国内使用瑞昱较多的品牌</a:t>
+            </a:r>
+          </a:p>
+        </p:txBody>
+      </p:sp>
+      <p:pic>
+        <p:nvPicPr>
+          <p:cNvPr id="5" name="内容占位符 4">
+            <a:extLst>
+              <a:ext uri="{FF2B5EF4-FFF2-40B4-BE49-F238E27FC236}">
+                <a16:creationId xmlns:a16="http://schemas.microsoft.com/office/drawing/2014/main" id="{02456E23-CF2F-651A-36F9-4CF156E73FEB}"/>
+              </a:ext>
+            </a:extLst>
+          </p:cNvPr>
+          <p:cNvPicPr>
+            <a:picLocks noGrp="1" noChangeAspect="1"/>
+          </p:cNvPicPr>
+          <p:nvPr>
+            <p:ph idx="1"/>
+          </p:nvPr>
+        </p:nvPicPr>
+        <p:blipFill>
+          <a:blip r:embed="rId2">
+            <a:extLst>
+              <a:ext uri="{28A0092B-C50C-407E-A947-70E740481C1C}">
+                <a14:useLocalDpi xmlns:a14="http://schemas.microsoft.com/office/drawing/2010/main" val="0"/>
+              </a:ext>
+            </a:extLst>
+          </a:blip>
+          <a:stretch>
+            <a:fillRect/>
+          </a:stretch>
+        </p:blipFill>
+        <p:spPr>
+          <a:xfrm>
+            <a:off x="2558383" y="1825625"/>
+            <a:ext cx="7075234" cy="4351338"/>
+          </a:xfrm>
+        </p:spPr>
+      </p:pic>
+    </p:spTree>
+    <p:extLst>
+      <p:ext uri="{BB962C8B-B14F-4D97-AF65-F5344CB8AC3E}">
+        <p14:creationId xmlns:p14="http://schemas.microsoft.com/office/powerpoint/2010/main" val="2613768486"/>
+      </p:ext>
+    </p:extLst>
+  </p:cSld>
+  <p:clrMapOvr>
+    <a:masterClrMapping/>
+  </p:clrMapOvr>
+</p:sld>
+</file>
+
+<file path=ppt/slides/slide13.xml><?xml version="1.0" encoding="utf-8"?>
+<p:sld xmlns:a="http://schemas.openxmlformats.org/drawingml/2006/main" xmlns:r="http://schemas.openxmlformats.org/officeDocument/2006/relationships" xmlns:p="http://schemas.openxmlformats.org/presentationml/2006/main">
+  <p:cSld>
+    <p:spTree>
+      <p:nvGrpSpPr>
+        <p:cNvPr id="1" name=""/>
+        <p:cNvGrpSpPr/>
+        <p:nvPr/>
+      </p:nvGrpSpPr>
+      <p:grpSpPr>
+        <a:xfrm>
+          <a:off x="0" y="0"/>
+          <a:ext cx="0" cy="0"/>
+          <a:chOff x="0" y="0"/>
+          <a:chExt cx="0" cy="0"/>
+        </a:xfrm>
+      </p:grpSpPr>
+      <p:sp>
+        <p:nvSpPr>
+          <p:cNvPr id="2" name="标题 1">
+            <a:extLst>
+              <a:ext uri="{FF2B5EF4-FFF2-40B4-BE49-F238E27FC236}">
                 <a16:creationId xmlns:a16="http://schemas.microsoft.com/office/drawing/2014/main" id="{D31F25CB-930E-A67A-1833-D50C47409F1D}"/>
               </a:ext>
             </a:extLst>
@@ -4400,7 +4816,1255 @@
 </p:sld>
 </file>
 
-<file path=ppt/slides/slide11.xml><?xml version="1.0" encoding="utf-8"?>
+<file path=ppt/slides/slide14.xml><?xml version="1.0" encoding="utf-8"?>
+<p:sld xmlns:a="http://schemas.openxmlformats.org/drawingml/2006/main" xmlns:r="http://schemas.openxmlformats.org/officeDocument/2006/relationships" xmlns:p="http://schemas.openxmlformats.org/presentationml/2006/main">
+  <p:cSld>
+    <p:spTree>
+      <p:nvGrpSpPr>
+        <p:cNvPr id="1" name=""/>
+        <p:cNvGrpSpPr/>
+        <p:nvPr/>
+      </p:nvGrpSpPr>
+      <p:grpSpPr>
+        <a:xfrm>
+          <a:off x="0" y="0"/>
+          <a:ext cx="0" cy="0"/>
+          <a:chOff x="0" y="0"/>
+          <a:chExt cx="0" cy="0"/>
+        </a:xfrm>
+      </p:grpSpPr>
+      <p:sp>
+        <p:nvSpPr>
+          <p:cNvPr id="2" name="标题 1">
+            <a:extLst>
+              <a:ext uri="{FF2B5EF4-FFF2-40B4-BE49-F238E27FC236}">
+                <a16:creationId xmlns:a16="http://schemas.microsoft.com/office/drawing/2014/main" id="{58B0690B-3B15-62A2-FDFA-C44039EDE883}"/>
+              </a:ext>
+            </a:extLst>
+          </p:cNvPr>
+          <p:cNvSpPr>
+            <a:spLocks noGrp="1"/>
+          </p:cNvSpPr>
+          <p:nvPr>
+            <p:ph type="title"/>
+          </p:nvPr>
+        </p:nvSpPr>
+        <p:spPr>
+          <a:xfrm>
+            <a:off x="114631" y="86830"/>
+            <a:ext cx="10515600" cy="1325563"/>
+          </a:xfrm>
+        </p:spPr>
+        <p:txBody>
+          <a:bodyPr/>
+          <a:lstStyle/>
+          <a:p>
+            <a:r>
+              <a:rPr lang="en-US" altLang="zh-CN" dirty="0"/>
+              <a:t>20~21</a:t>
+            </a:r>
+            <a:r>
+              <a:rPr lang="zh-CN" altLang="en-US" dirty="0"/>
+              <a:t>年供应链中断次数</a:t>
+            </a:r>
+          </a:p>
+        </p:txBody>
+      </p:sp>
+      <p:pic>
+        <p:nvPicPr>
+          <p:cNvPr id="5" name="内容占位符 4">
+            <a:extLst>
+              <a:ext uri="{FF2B5EF4-FFF2-40B4-BE49-F238E27FC236}">
+                <a16:creationId xmlns:a16="http://schemas.microsoft.com/office/drawing/2014/main" id="{B2539918-CEA2-A9F2-3874-AD58E46C3297}"/>
+              </a:ext>
+            </a:extLst>
+          </p:cNvPr>
+          <p:cNvPicPr>
+            <a:picLocks noGrp="1" noChangeAspect="1"/>
+          </p:cNvPicPr>
+          <p:nvPr>
+            <p:ph idx="1"/>
+          </p:nvPr>
+        </p:nvPicPr>
+        <p:blipFill>
+          <a:blip r:embed="rId2">
+            <a:extLst>
+              <a:ext uri="{28A0092B-C50C-407E-A947-70E740481C1C}">
+                <a14:useLocalDpi xmlns:a14="http://schemas.microsoft.com/office/drawing/2010/main" val="0"/>
+              </a:ext>
+            </a:extLst>
+          </a:blip>
+          <a:stretch>
+            <a:fillRect/>
+          </a:stretch>
+        </p:blipFill>
+        <p:spPr>
+          <a:xfrm>
+            <a:off x="0" y="1346915"/>
+            <a:ext cx="6758609" cy="5495043"/>
+          </a:xfrm>
+        </p:spPr>
+      </p:pic>
+      <p:sp>
+        <p:nvSpPr>
+          <p:cNvPr id="6" name="内容占位符 2">
+            <a:extLst>
+              <a:ext uri="{FF2B5EF4-FFF2-40B4-BE49-F238E27FC236}">
+                <a16:creationId xmlns:a16="http://schemas.microsoft.com/office/drawing/2014/main" id="{CAE1FFA1-79AD-5F04-40D0-E4ADC46C85A2}"/>
+              </a:ext>
+            </a:extLst>
+          </p:cNvPr>
+          <p:cNvSpPr txBox="1">
+            <a:spLocks/>
+          </p:cNvSpPr>
+          <p:nvPr/>
+        </p:nvSpPr>
+        <p:spPr>
+          <a:xfrm>
+            <a:off x="6917636" y="1825625"/>
+            <a:ext cx="4436164" cy="2802034"/>
+          </a:xfrm>
+          <a:prstGeom prst="rect">
+            <a:avLst/>
+          </a:prstGeom>
+        </p:spPr>
+        <p:txBody>
+          <a:bodyPr vert="horz" lIns="91440" tIns="45720" rIns="91440" bIns="45720" rtlCol="0">
+            <a:normAutofit fontScale="85000" lnSpcReduction="10000"/>
+          </a:bodyPr>
+          <a:lstStyle>
+            <a:lvl1pPr marL="228600" indent="-228600" algn="l" defTabSz="914400" rtl="0" eaLnBrk="1" latinLnBrk="0" hangingPunct="1">
+              <a:lnSpc>
+                <a:spcPct val="90000"/>
+              </a:lnSpc>
+              <a:spcBef>
+                <a:spcPts val="1000"/>
+              </a:spcBef>
+              <a:buFont typeface="Arial" panose="020B0604020202020204" pitchFamily="34" charset="0"/>
+              <a:buChar char="•"/>
+              <a:defRPr sz="2800" kern="1200">
+                <a:solidFill>
+                  <a:schemeClr val="tx1"/>
+                </a:solidFill>
+                <a:latin typeface="+mn-lt"/>
+                <a:ea typeface="+mn-ea"/>
+                <a:cs typeface="+mn-cs"/>
+              </a:defRPr>
+            </a:lvl1pPr>
+            <a:lvl2pPr marL="685800" indent="-228600" algn="l" defTabSz="914400" rtl="0" eaLnBrk="1" latinLnBrk="0" hangingPunct="1">
+              <a:lnSpc>
+                <a:spcPct val="90000"/>
+              </a:lnSpc>
+              <a:spcBef>
+                <a:spcPts val="500"/>
+              </a:spcBef>
+              <a:buFont typeface="Arial" panose="020B0604020202020204" pitchFamily="34" charset="0"/>
+              <a:buChar char="•"/>
+              <a:defRPr sz="2400" kern="1200">
+                <a:solidFill>
+                  <a:schemeClr val="tx1"/>
+                </a:solidFill>
+                <a:latin typeface="+mn-lt"/>
+                <a:ea typeface="+mn-ea"/>
+                <a:cs typeface="+mn-cs"/>
+              </a:defRPr>
+            </a:lvl2pPr>
+            <a:lvl3pPr marL="1143000" indent="-228600" algn="l" defTabSz="914400" rtl="0" eaLnBrk="1" latinLnBrk="0" hangingPunct="1">
+              <a:lnSpc>
+                <a:spcPct val="90000"/>
+              </a:lnSpc>
+              <a:spcBef>
+                <a:spcPts val="500"/>
+              </a:spcBef>
+              <a:buFont typeface="Arial" panose="020B0604020202020204" pitchFamily="34" charset="0"/>
+              <a:buChar char="•"/>
+              <a:defRPr sz="2000" kern="1200">
+                <a:solidFill>
+                  <a:schemeClr val="tx1"/>
+                </a:solidFill>
+                <a:latin typeface="+mn-lt"/>
+                <a:ea typeface="+mn-ea"/>
+                <a:cs typeface="+mn-cs"/>
+              </a:defRPr>
+            </a:lvl3pPr>
+            <a:lvl4pPr marL="1600200" indent="-228600" algn="l" defTabSz="914400" rtl="0" eaLnBrk="1" latinLnBrk="0" hangingPunct="1">
+              <a:lnSpc>
+                <a:spcPct val="90000"/>
+              </a:lnSpc>
+              <a:spcBef>
+                <a:spcPts val="500"/>
+              </a:spcBef>
+              <a:buFont typeface="Arial" panose="020B0604020202020204" pitchFamily="34" charset="0"/>
+              <a:buChar char="•"/>
+              <a:defRPr sz="1800" kern="1200">
+                <a:solidFill>
+                  <a:schemeClr val="tx1"/>
+                </a:solidFill>
+                <a:latin typeface="+mn-lt"/>
+                <a:ea typeface="+mn-ea"/>
+                <a:cs typeface="+mn-cs"/>
+              </a:defRPr>
+            </a:lvl4pPr>
+            <a:lvl5pPr marL="2057400" indent="-228600" algn="l" defTabSz="914400" rtl="0" eaLnBrk="1" latinLnBrk="0" hangingPunct="1">
+              <a:lnSpc>
+                <a:spcPct val="90000"/>
+              </a:lnSpc>
+              <a:spcBef>
+                <a:spcPts val="500"/>
+              </a:spcBef>
+              <a:buFont typeface="Arial" panose="020B0604020202020204" pitchFamily="34" charset="0"/>
+              <a:buChar char="•"/>
+              <a:defRPr sz="1800" kern="1200">
+                <a:solidFill>
+                  <a:schemeClr val="tx1"/>
+                </a:solidFill>
+                <a:latin typeface="+mn-lt"/>
+                <a:ea typeface="+mn-ea"/>
+                <a:cs typeface="+mn-cs"/>
+              </a:defRPr>
+            </a:lvl5pPr>
+            <a:lvl6pPr marL="2514600" indent="-228600" algn="l" defTabSz="914400" rtl="0" eaLnBrk="1" latinLnBrk="0" hangingPunct="1">
+              <a:lnSpc>
+                <a:spcPct val="90000"/>
+              </a:lnSpc>
+              <a:spcBef>
+                <a:spcPts val="500"/>
+              </a:spcBef>
+              <a:buFont typeface="Arial" panose="020B0604020202020204" pitchFamily="34" charset="0"/>
+              <a:buChar char="•"/>
+              <a:defRPr sz="1800" kern="1200">
+                <a:solidFill>
+                  <a:schemeClr val="tx1"/>
+                </a:solidFill>
+                <a:latin typeface="+mn-lt"/>
+                <a:ea typeface="+mn-ea"/>
+                <a:cs typeface="+mn-cs"/>
+              </a:defRPr>
+            </a:lvl6pPr>
+            <a:lvl7pPr marL="2971800" indent="-228600" algn="l" defTabSz="914400" rtl="0" eaLnBrk="1" latinLnBrk="0" hangingPunct="1">
+              <a:lnSpc>
+                <a:spcPct val="90000"/>
+              </a:lnSpc>
+              <a:spcBef>
+                <a:spcPts val="500"/>
+              </a:spcBef>
+              <a:buFont typeface="Arial" panose="020B0604020202020204" pitchFamily="34" charset="0"/>
+              <a:buChar char="•"/>
+              <a:defRPr sz="1800" kern="1200">
+                <a:solidFill>
+                  <a:schemeClr val="tx1"/>
+                </a:solidFill>
+                <a:latin typeface="+mn-lt"/>
+                <a:ea typeface="+mn-ea"/>
+                <a:cs typeface="+mn-cs"/>
+              </a:defRPr>
+            </a:lvl7pPr>
+            <a:lvl8pPr marL="3429000" indent="-228600" algn="l" defTabSz="914400" rtl="0" eaLnBrk="1" latinLnBrk="0" hangingPunct="1">
+              <a:lnSpc>
+                <a:spcPct val="90000"/>
+              </a:lnSpc>
+              <a:spcBef>
+                <a:spcPts val="500"/>
+              </a:spcBef>
+              <a:buFont typeface="Arial" panose="020B0604020202020204" pitchFamily="34" charset="0"/>
+              <a:buChar char="•"/>
+              <a:defRPr sz="1800" kern="1200">
+                <a:solidFill>
+                  <a:schemeClr val="tx1"/>
+                </a:solidFill>
+                <a:latin typeface="+mn-lt"/>
+                <a:ea typeface="+mn-ea"/>
+                <a:cs typeface="+mn-cs"/>
+              </a:defRPr>
+            </a:lvl8pPr>
+            <a:lvl9pPr marL="3886200" indent="-228600" algn="l" defTabSz="914400" rtl="0" eaLnBrk="1" latinLnBrk="0" hangingPunct="1">
+              <a:lnSpc>
+                <a:spcPct val="90000"/>
+              </a:lnSpc>
+              <a:spcBef>
+                <a:spcPts val="500"/>
+              </a:spcBef>
+              <a:buFont typeface="Arial" panose="020B0604020202020204" pitchFamily="34" charset="0"/>
+              <a:buChar char="•"/>
+              <a:defRPr sz="1800" kern="1200">
+                <a:solidFill>
+                  <a:schemeClr val="tx1"/>
+                </a:solidFill>
+                <a:latin typeface="+mn-lt"/>
+                <a:ea typeface="+mn-ea"/>
+                <a:cs typeface="+mn-cs"/>
+              </a:defRPr>
+            </a:lvl9pPr>
+          </a:lstStyle>
+          <a:p>
+            <a:r>
+              <a:rPr lang="zh-CN" altLang="en-US" dirty="0">
+                <a:solidFill>
+                  <a:srgbClr val="121212"/>
+                </a:solidFill>
+                <a:latin typeface="-apple-system"/>
+              </a:rPr>
+              <a:t>美国的芯片禁售令，</a:t>
+            </a:r>
+            <a:r>
+              <a:rPr lang="zh-CN" altLang="en-US" b="0" i="0" dirty="0">
+                <a:solidFill>
+                  <a:srgbClr val="121212"/>
+                </a:solidFill>
+                <a:effectLst/>
+                <a:latin typeface="-apple-system"/>
+              </a:rPr>
+              <a:t>对我国的芯片制造行业主要有几点影响：</a:t>
+            </a:r>
+            <a:endParaRPr lang="en-US" altLang="zh-CN" dirty="0">
+              <a:solidFill>
+                <a:srgbClr val="121212"/>
+              </a:solidFill>
+              <a:latin typeface="-apple-system"/>
+            </a:endParaRPr>
+          </a:p>
+          <a:p>
+            <a:pPr lvl="1"/>
+            <a:r>
+              <a:rPr lang="zh-CN" altLang="en-US" dirty="0">
+                <a:solidFill>
+                  <a:srgbClr val="121212"/>
+                </a:solidFill>
+                <a:latin typeface="-apple-system"/>
+              </a:rPr>
+              <a:t>我国芯片制造类公司如</a:t>
+            </a:r>
+            <a:r>
+              <a:rPr lang="zh-CN" altLang="en-US" dirty="0">
+                <a:latin typeface="-apple-system"/>
+                <a:hlinkClick r:id="rId3"/>
+              </a:rPr>
+              <a:t>中芯国际</a:t>
+            </a:r>
+            <a:r>
+              <a:rPr lang="zh-CN" altLang="en-US" dirty="0">
+                <a:solidFill>
+                  <a:srgbClr val="121212"/>
+                </a:solidFill>
+                <a:latin typeface="-apple-system"/>
+              </a:rPr>
+              <a:t>等，如要用到生产</a:t>
+            </a:r>
+            <a:r>
+              <a:rPr lang="en-US" altLang="zh-CN" dirty="0">
+                <a:solidFill>
+                  <a:srgbClr val="121212"/>
+                </a:solidFill>
+                <a:latin typeface="-apple-system"/>
+              </a:rPr>
+              <a:t>16nm</a:t>
+            </a:r>
+            <a:r>
+              <a:rPr lang="zh-CN" altLang="en-US" dirty="0">
+                <a:solidFill>
+                  <a:srgbClr val="121212"/>
+                </a:solidFill>
+                <a:latin typeface="-apple-system"/>
+              </a:rPr>
+              <a:t>制程及以下的芯片，购买的芯片制造设备中含有美国技术的，需要向美国申请许可证。</a:t>
+            </a:r>
+            <a:endParaRPr lang="en-US" altLang="zh-CN" dirty="0">
+              <a:solidFill>
+                <a:srgbClr val="121212"/>
+              </a:solidFill>
+              <a:latin typeface="-apple-system"/>
+            </a:endParaRPr>
+          </a:p>
+          <a:p>
+            <a:pPr lvl="1"/>
+            <a:r>
+              <a:rPr lang="en-US" altLang="zh-CN" dirty="0">
+                <a:solidFill>
+                  <a:srgbClr val="121212"/>
+                </a:solidFill>
+                <a:latin typeface="-apple-system"/>
+              </a:rPr>
+              <a:t>16nm</a:t>
+            </a:r>
+            <a:r>
+              <a:rPr lang="zh-CN" altLang="en-US" dirty="0">
+                <a:solidFill>
+                  <a:srgbClr val="121212"/>
+                </a:solidFill>
+                <a:latin typeface="-apple-system"/>
+              </a:rPr>
+              <a:t>以上及</a:t>
+            </a:r>
+            <a:r>
+              <a:rPr lang="en-US" altLang="zh-CN" dirty="0">
+                <a:solidFill>
+                  <a:srgbClr val="121212"/>
+                </a:solidFill>
+                <a:latin typeface="-apple-system"/>
+              </a:rPr>
+              <a:t>28nm</a:t>
+            </a:r>
+            <a:r>
+              <a:rPr lang="zh-CN" altLang="en-US" dirty="0">
+                <a:solidFill>
+                  <a:srgbClr val="121212"/>
+                </a:solidFill>
+                <a:latin typeface="-apple-system"/>
+              </a:rPr>
+              <a:t>芯片生产，设计，都无什么影响</a:t>
+            </a:r>
+            <a:endParaRPr lang="en-US" altLang="zh-CN" dirty="0">
+              <a:solidFill>
+                <a:srgbClr val="121212"/>
+              </a:solidFill>
+              <a:latin typeface="-apple-system"/>
+            </a:endParaRPr>
+          </a:p>
+          <a:p>
+            <a:pPr lvl="1"/>
+            <a:endParaRPr lang="zh-CN" altLang="en-US" dirty="0"/>
+          </a:p>
+        </p:txBody>
+      </p:sp>
+    </p:spTree>
+    <p:extLst>
+      <p:ext uri="{BB962C8B-B14F-4D97-AF65-F5344CB8AC3E}">
+        <p14:creationId xmlns:p14="http://schemas.microsoft.com/office/powerpoint/2010/main" val="2297320895"/>
+      </p:ext>
+    </p:extLst>
+  </p:cSld>
+  <p:clrMapOvr>
+    <a:masterClrMapping/>
+  </p:clrMapOvr>
+</p:sld>
+</file>
+
+<file path=ppt/slides/slide15.xml><?xml version="1.0" encoding="utf-8"?>
+<p:sld xmlns:a="http://schemas.openxmlformats.org/drawingml/2006/main" xmlns:r="http://schemas.openxmlformats.org/officeDocument/2006/relationships" xmlns:p="http://schemas.openxmlformats.org/presentationml/2006/main">
+  <p:cSld>
+    <p:spTree>
+      <p:nvGrpSpPr>
+        <p:cNvPr id="1" name=""/>
+        <p:cNvGrpSpPr/>
+        <p:nvPr/>
+      </p:nvGrpSpPr>
+      <p:grpSpPr>
+        <a:xfrm>
+          <a:off x="0" y="0"/>
+          <a:ext cx="0" cy="0"/>
+          <a:chOff x="0" y="0"/>
+          <a:chExt cx="0" cy="0"/>
+        </a:xfrm>
+      </p:grpSpPr>
+      <p:sp>
+        <p:nvSpPr>
+          <p:cNvPr id="2" name="标题 1">
+            <a:extLst>
+              <a:ext uri="{FF2B5EF4-FFF2-40B4-BE49-F238E27FC236}">
+                <a16:creationId xmlns:a16="http://schemas.microsoft.com/office/drawing/2014/main" id="{44E17A92-7DFE-AE61-0EAC-74B408C896D5}"/>
+              </a:ext>
+            </a:extLst>
+          </p:cNvPr>
+          <p:cNvSpPr>
+            <a:spLocks noGrp="1"/>
+          </p:cNvSpPr>
+          <p:nvPr>
+            <p:ph type="title"/>
+          </p:nvPr>
+        </p:nvSpPr>
+        <p:spPr/>
+        <p:txBody>
+          <a:bodyPr/>
+          <a:lstStyle/>
+          <a:p>
+            <a:r>
+              <a:rPr lang="zh-CN" altLang="en-US" dirty="0"/>
+              <a:t>零散信息</a:t>
+            </a:r>
+          </a:p>
+        </p:txBody>
+      </p:sp>
+      <p:sp>
+        <p:nvSpPr>
+          <p:cNvPr id="3" name="内容占位符 2">
+            <a:extLst>
+              <a:ext uri="{FF2B5EF4-FFF2-40B4-BE49-F238E27FC236}">
+                <a16:creationId xmlns:a16="http://schemas.microsoft.com/office/drawing/2014/main" id="{EF88DD60-AB20-4D76-39B7-7B1C8BF99697}"/>
+              </a:ext>
+            </a:extLst>
+          </p:cNvPr>
+          <p:cNvSpPr>
+            <a:spLocks noGrp="1"/>
+          </p:cNvSpPr>
+          <p:nvPr>
+            <p:ph idx="1"/>
+          </p:nvPr>
+        </p:nvSpPr>
+        <p:spPr/>
+        <p:txBody>
+          <a:bodyPr>
+            <a:normAutofit/>
+          </a:bodyPr>
+          <a:lstStyle/>
+          <a:p>
+            <a:r>
+              <a:rPr lang="en-US" altLang="zh-CN" sz="1400" dirty="0">
+                <a:solidFill>
+                  <a:srgbClr val="333333"/>
+                </a:solidFill>
+                <a:latin typeface="Microsoft yahei" panose="020B0503020204020204" pitchFamily="34" charset="-122"/>
+                <a:ea typeface="Microsoft yahei" panose="020B0503020204020204" pitchFamily="34" charset="-122"/>
+              </a:rPr>
+              <a:t>18</a:t>
+            </a:r>
+            <a:r>
+              <a:rPr lang="zh-CN" altLang="en-US" sz="1400" dirty="0">
+                <a:solidFill>
+                  <a:srgbClr val="333333"/>
+                </a:solidFill>
+                <a:latin typeface="Microsoft yahei" panose="020B0503020204020204" pitchFamily="34" charset="-122"/>
+                <a:ea typeface="Microsoft yahei" panose="020B0503020204020204" pitchFamily="34" charset="-122"/>
+              </a:rPr>
+              <a:t>年：瑞昱为国内网通芯片大厂，若依去年产品营收比重而言，</a:t>
+            </a:r>
+            <a:r>
+              <a:rPr lang="en-US" altLang="zh-CN" sz="1400" dirty="0">
+                <a:solidFill>
+                  <a:srgbClr val="333333"/>
+                </a:solidFill>
+                <a:latin typeface="Microsoft yahei" panose="020B0503020204020204" pitchFamily="34" charset="-122"/>
+                <a:ea typeface="Microsoft yahei" panose="020B0503020204020204" pitchFamily="34" charset="-122"/>
+              </a:rPr>
+              <a:t>PC</a:t>
+            </a:r>
+            <a:r>
+              <a:rPr lang="zh-CN" altLang="en-US" sz="1400" dirty="0">
+                <a:solidFill>
+                  <a:srgbClr val="333333"/>
+                </a:solidFill>
+                <a:latin typeface="Microsoft yahei" panose="020B0503020204020204" pitchFamily="34" charset="-122"/>
+                <a:ea typeface="Microsoft yahei" panose="020B0503020204020204" pitchFamily="34" charset="-122"/>
+              </a:rPr>
+              <a:t>相关约占</a:t>
+            </a:r>
+            <a:r>
+              <a:rPr lang="en-US" altLang="zh-CN" sz="1400" dirty="0">
+                <a:solidFill>
+                  <a:srgbClr val="333333"/>
+                </a:solidFill>
+                <a:latin typeface="Microsoft yahei" panose="020B0503020204020204" pitchFamily="34" charset="-122"/>
+                <a:ea typeface="Microsoft yahei" panose="020B0503020204020204" pitchFamily="34" charset="-122"/>
+              </a:rPr>
+              <a:t>30~35%</a:t>
+            </a:r>
+            <a:r>
+              <a:rPr lang="zh-CN" altLang="en-US" sz="1400" dirty="0">
+                <a:solidFill>
+                  <a:srgbClr val="333333"/>
+                </a:solidFill>
+                <a:latin typeface="Microsoft yahei" panose="020B0503020204020204" pitchFamily="34" charset="-122"/>
+                <a:ea typeface="Microsoft yahei" panose="020B0503020204020204" pitchFamily="34" charset="-122"/>
+              </a:rPr>
+              <a:t>、非</a:t>
+            </a:r>
+            <a:r>
+              <a:rPr lang="en-US" altLang="zh-CN" sz="1400" dirty="0">
+                <a:solidFill>
+                  <a:srgbClr val="333333"/>
+                </a:solidFill>
+                <a:latin typeface="Microsoft yahei" panose="020B0503020204020204" pitchFamily="34" charset="-122"/>
+                <a:ea typeface="Microsoft yahei" panose="020B0503020204020204" pitchFamily="34" charset="-122"/>
+              </a:rPr>
+              <a:t>PC</a:t>
+            </a:r>
+            <a:r>
+              <a:rPr lang="zh-CN" altLang="en-US" sz="1400" dirty="0">
+                <a:solidFill>
+                  <a:srgbClr val="333333"/>
+                </a:solidFill>
+                <a:latin typeface="Microsoft yahei" panose="020B0503020204020204" pitchFamily="34" charset="-122"/>
+                <a:ea typeface="Microsoft yahei" panose="020B0503020204020204" pitchFamily="34" charset="-122"/>
+              </a:rPr>
+              <a:t>相关约占</a:t>
+            </a:r>
+            <a:r>
+              <a:rPr lang="en-US" altLang="zh-CN" sz="1400" dirty="0">
+                <a:solidFill>
+                  <a:srgbClr val="333333"/>
+                </a:solidFill>
+                <a:latin typeface="Microsoft yahei" panose="020B0503020204020204" pitchFamily="34" charset="-122"/>
+                <a:ea typeface="Microsoft yahei" panose="020B0503020204020204" pitchFamily="34" charset="-122"/>
+              </a:rPr>
+              <a:t>65~70%</a:t>
+            </a:r>
+            <a:r>
+              <a:rPr lang="zh-CN" altLang="en-US" sz="1400" dirty="0">
+                <a:solidFill>
+                  <a:srgbClr val="333333"/>
+                </a:solidFill>
+                <a:latin typeface="Microsoft yahei" panose="020B0503020204020204" pitchFamily="34" charset="-122"/>
+                <a:ea typeface="Microsoft yahei" panose="020B0503020204020204" pitchFamily="34" charset="-122"/>
+              </a:rPr>
+              <a:t>。</a:t>
+            </a:r>
+            <a:endParaRPr lang="en-US" altLang="zh-CN" sz="1400" dirty="0">
+              <a:solidFill>
+                <a:srgbClr val="333333"/>
+              </a:solidFill>
+              <a:latin typeface="Microsoft yahei" panose="020B0503020204020204" pitchFamily="34" charset="-122"/>
+              <a:ea typeface="Microsoft yahei" panose="020B0503020204020204" pitchFamily="34" charset="-122"/>
+            </a:endParaRPr>
+          </a:p>
+          <a:p>
+            <a:r>
+              <a:rPr lang="zh-CN" altLang="en-US" sz="1400" dirty="0">
+                <a:solidFill>
+                  <a:srgbClr val="333333"/>
+                </a:solidFill>
+                <a:latin typeface="Microsoft yahei" panose="020B0503020204020204" pitchFamily="34" charset="-122"/>
+                <a:ea typeface="Microsoft yahei" panose="020B0503020204020204" pitchFamily="34" charset="-122"/>
+              </a:rPr>
+              <a:t>非</a:t>
+            </a:r>
+            <a:r>
+              <a:rPr lang="en-US" altLang="zh-CN" sz="1400" dirty="0">
+                <a:solidFill>
+                  <a:srgbClr val="333333"/>
+                </a:solidFill>
+                <a:latin typeface="Microsoft yahei" panose="020B0503020204020204" pitchFamily="34" charset="-122"/>
+                <a:ea typeface="Microsoft yahei" panose="020B0503020204020204" pitchFamily="34" charset="-122"/>
+              </a:rPr>
+              <a:t>PC</a:t>
+            </a:r>
+            <a:r>
+              <a:rPr lang="zh-CN" altLang="en-US" sz="1400" dirty="0">
+                <a:solidFill>
+                  <a:srgbClr val="333333"/>
+                </a:solidFill>
+                <a:latin typeface="Microsoft yahei" panose="020B0503020204020204" pitchFamily="34" charset="-122"/>
+                <a:ea typeface="Microsoft yahei" panose="020B0503020204020204" pitchFamily="34" charset="-122"/>
+              </a:rPr>
+              <a:t>相关，主要包含网通与多媒体产品。网通产品包含</a:t>
+            </a:r>
+            <a:r>
+              <a:rPr lang="en-US" altLang="zh-CN" sz="1400" dirty="0" err="1">
+                <a:solidFill>
+                  <a:srgbClr val="333333"/>
+                </a:solidFill>
+                <a:latin typeface="Microsoft yahei" panose="020B0503020204020204" pitchFamily="34" charset="-122"/>
+                <a:ea typeface="Microsoft yahei" panose="020B0503020204020204" pitchFamily="34" charset="-122"/>
+              </a:rPr>
+              <a:t>WiFi</a:t>
+            </a:r>
+            <a:r>
+              <a:rPr lang="zh-CN" altLang="en-US" sz="1400" dirty="0">
+                <a:solidFill>
+                  <a:srgbClr val="333333"/>
+                </a:solidFill>
+                <a:latin typeface="Microsoft yahei" panose="020B0503020204020204" pitchFamily="34" charset="-122"/>
+                <a:ea typeface="Microsoft yahei" panose="020B0503020204020204" pitchFamily="34" charset="-122"/>
+              </a:rPr>
+              <a:t>芯片、以太网络 </a:t>
+            </a:r>
+            <a:r>
+              <a:rPr lang="en-US" altLang="zh-CN" sz="1400" dirty="0">
+                <a:solidFill>
+                  <a:srgbClr val="333333"/>
+                </a:solidFill>
+                <a:latin typeface="Microsoft yahei" panose="020B0503020204020204" pitchFamily="34" charset="-122"/>
+                <a:ea typeface="Microsoft yahei" panose="020B0503020204020204" pitchFamily="34" charset="-122"/>
+              </a:rPr>
+              <a:t>(Ethernet)</a:t>
+            </a:r>
+            <a:r>
+              <a:rPr lang="zh-CN" altLang="en-US" sz="1400" dirty="0">
+                <a:solidFill>
+                  <a:srgbClr val="333333"/>
+                </a:solidFill>
+                <a:latin typeface="Microsoft yahei" panose="020B0503020204020204" pitchFamily="34" charset="-122"/>
+                <a:ea typeface="Microsoft yahei" panose="020B0503020204020204" pitchFamily="34" charset="-122"/>
+              </a:rPr>
+              <a:t>芯片、宽频接取设备芯片、</a:t>
+            </a:r>
+            <a:r>
+              <a:rPr lang="en-US" altLang="zh-CN" sz="1400" dirty="0">
+                <a:solidFill>
+                  <a:srgbClr val="333333"/>
+                </a:solidFill>
+                <a:latin typeface="Microsoft yahei" panose="020B0503020204020204" pitchFamily="34" charset="-122"/>
+                <a:ea typeface="Microsoft yahei" panose="020B0503020204020204" pitchFamily="34" charset="-122"/>
+              </a:rPr>
+              <a:t>Gateway</a:t>
+            </a:r>
+            <a:r>
+              <a:rPr lang="zh-CN" altLang="en-US" sz="1400" dirty="0">
+                <a:solidFill>
+                  <a:srgbClr val="333333"/>
+                </a:solidFill>
+                <a:latin typeface="Microsoft yahei" panose="020B0503020204020204" pitchFamily="34" charset="-122"/>
+                <a:ea typeface="Microsoft yahei" panose="020B0503020204020204" pitchFamily="34" charset="-122"/>
+              </a:rPr>
+              <a:t>控制芯片、</a:t>
+            </a:r>
+            <a:r>
+              <a:rPr lang="en-US" altLang="zh-CN" sz="1400" dirty="0">
+                <a:solidFill>
+                  <a:srgbClr val="333333"/>
+                </a:solidFill>
+                <a:latin typeface="Microsoft yahei" panose="020B0503020204020204" pitchFamily="34" charset="-122"/>
+                <a:ea typeface="Microsoft yahei" panose="020B0503020204020204" pitchFamily="34" charset="-122"/>
+              </a:rPr>
+              <a:t>Switch</a:t>
+            </a:r>
+            <a:r>
+              <a:rPr lang="zh-CN" altLang="en-US" sz="1400" dirty="0">
+                <a:solidFill>
+                  <a:srgbClr val="333333"/>
+                </a:solidFill>
+                <a:latin typeface="Microsoft yahei" panose="020B0503020204020204" pitchFamily="34" charset="-122"/>
+                <a:ea typeface="Microsoft yahei" panose="020B0503020204020204" pitchFamily="34" charset="-122"/>
+              </a:rPr>
+              <a:t>控制芯片等，占瑞昱整体营收比重逾半。</a:t>
+            </a:r>
+            <a:endParaRPr lang="en-US" altLang="zh-CN" sz="1400" dirty="0">
+              <a:solidFill>
+                <a:srgbClr val="333333"/>
+              </a:solidFill>
+              <a:latin typeface="Microsoft yahei" panose="020B0503020204020204" pitchFamily="34" charset="-122"/>
+              <a:ea typeface="Microsoft yahei" panose="020B0503020204020204" pitchFamily="34" charset="-122"/>
+            </a:endParaRPr>
+          </a:p>
+          <a:p>
+            <a:endParaRPr lang="en-US" altLang="zh-CN" sz="1400" dirty="0">
+              <a:solidFill>
+                <a:srgbClr val="333333"/>
+              </a:solidFill>
+              <a:latin typeface="Microsoft yahei" panose="020B0503020204020204" pitchFamily="34" charset="-122"/>
+              <a:ea typeface="Microsoft yahei" panose="020B0503020204020204" pitchFamily="34" charset="-122"/>
+            </a:endParaRPr>
+          </a:p>
+          <a:p>
+            <a:r>
+              <a:rPr lang="zh-CN" altLang="en-US" sz="1400" dirty="0">
+                <a:solidFill>
+                  <a:srgbClr val="333333"/>
+                </a:solidFill>
+                <a:latin typeface="Microsoft yahei" panose="020B0503020204020204" pitchFamily="34" charset="-122"/>
+                <a:ea typeface="Microsoft yahei" panose="020B0503020204020204" pitchFamily="34" charset="-122"/>
+              </a:rPr>
+              <a:t>由于瑞昱部分</a:t>
+            </a:r>
+            <a:r>
+              <a:rPr lang="en-US" altLang="zh-CN" sz="1400" dirty="0" err="1">
+                <a:solidFill>
+                  <a:srgbClr val="333333"/>
+                </a:solidFill>
+                <a:latin typeface="Microsoft yahei" panose="020B0503020204020204" pitchFamily="34" charset="-122"/>
+                <a:ea typeface="Microsoft yahei" panose="020B0503020204020204" pitchFamily="34" charset="-122"/>
+              </a:rPr>
+              <a:t>WiFi</a:t>
+            </a:r>
+            <a:r>
+              <a:rPr lang="zh-CN" altLang="en-US" sz="1400" dirty="0">
+                <a:solidFill>
+                  <a:srgbClr val="333333"/>
+                </a:solidFill>
+                <a:latin typeface="Microsoft yahei" panose="020B0503020204020204" pitchFamily="34" charset="-122"/>
+                <a:ea typeface="Microsoft yahei" panose="020B0503020204020204" pitchFamily="34" charset="-122"/>
+              </a:rPr>
+              <a:t>芯片</a:t>
+            </a:r>
+            <a:r>
+              <a:rPr lang="zh-CN" altLang="en-US" sz="1400" dirty="0">
+                <a:solidFill>
+                  <a:srgbClr val="FF0000"/>
+                </a:solidFill>
+                <a:latin typeface="Microsoft yahei" panose="020B0503020204020204" pitchFamily="34" charset="-122"/>
+                <a:ea typeface="Microsoft yahei" panose="020B0503020204020204" pitchFamily="34" charset="-122"/>
+              </a:rPr>
+              <a:t>有用到美国厂商的</a:t>
+            </a:r>
+            <a:r>
+              <a:rPr lang="en-US" altLang="zh-CN" sz="1400" dirty="0">
+                <a:solidFill>
+                  <a:srgbClr val="FF0000"/>
+                </a:solidFill>
+                <a:latin typeface="Microsoft yahei" panose="020B0503020204020204" pitchFamily="34" charset="-122"/>
+                <a:ea typeface="Microsoft yahei" panose="020B0503020204020204" pitchFamily="34" charset="-122"/>
+              </a:rPr>
+              <a:t>IP</a:t>
+            </a:r>
+            <a:r>
+              <a:rPr lang="zh-CN" altLang="en-US" sz="1400" dirty="0">
+                <a:solidFill>
+                  <a:srgbClr val="333333"/>
+                </a:solidFill>
+                <a:latin typeface="Microsoft yahei" panose="020B0503020204020204" pitchFamily="34" charset="-122"/>
+                <a:ea typeface="Microsoft yahei" panose="020B0503020204020204" pitchFamily="34" charset="-122"/>
+              </a:rPr>
+              <a:t>，因此客户中兴可能在美国禁售令延烧下，影响到瑞昱的芯片出货量，对此瑞昱表示，目前</a:t>
+            </a:r>
+            <a:r>
+              <a:rPr lang="en-US" altLang="zh-CN" sz="1400" dirty="0">
+                <a:solidFill>
+                  <a:srgbClr val="333333"/>
+                </a:solidFill>
+                <a:latin typeface="Microsoft yahei" panose="020B0503020204020204" pitchFamily="34" charset="-122"/>
+                <a:ea typeface="Microsoft yahei" panose="020B0503020204020204" pitchFamily="34" charset="-122"/>
+              </a:rPr>
+              <a:t>4</a:t>
+            </a:r>
+            <a:r>
+              <a:rPr lang="zh-CN" altLang="en-US" sz="1400" dirty="0">
+                <a:solidFill>
+                  <a:srgbClr val="333333"/>
+                </a:solidFill>
+                <a:latin typeface="Microsoft yahei" panose="020B0503020204020204" pitchFamily="34" charset="-122"/>
+                <a:ea typeface="Microsoft yahei" panose="020B0503020204020204" pitchFamily="34" charset="-122"/>
+              </a:rPr>
+              <a:t>、 </a:t>
+            </a:r>
+            <a:r>
+              <a:rPr lang="en-US" altLang="zh-CN" sz="1400" dirty="0">
+                <a:solidFill>
+                  <a:srgbClr val="333333"/>
+                </a:solidFill>
+                <a:latin typeface="Microsoft yahei" panose="020B0503020204020204" pitchFamily="34" charset="-122"/>
+                <a:ea typeface="Microsoft yahei" panose="020B0503020204020204" pitchFamily="34" charset="-122"/>
+              </a:rPr>
+              <a:t>5</a:t>
+            </a:r>
+            <a:r>
+              <a:rPr lang="zh-CN" altLang="en-US" sz="1400" dirty="0">
+                <a:solidFill>
+                  <a:srgbClr val="333333"/>
+                </a:solidFill>
+                <a:latin typeface="Microsoft yahei" panose="020B0503020204020204" pitchFamily="34" charset="-122"/>
+                <a:ea typeface="Microsoft yahei" panose="020B0503020204020204" pitchFamily="34" charset="-122"/>
+              </a:rPr>
+              <a:t>月看起来第</a:t>
+            </a:r>
+            <a:r>
+              <a:rPr lang="en-US" altLang="zh-CN" sz="1400" dirty="0">
+                <a:solidFill>
+                  <a:srgbClr val="333333"/>
+                </a:solidFill>
+                <a:latin typeface="Microsoft yahei" panose="020B0503020204020204" pitchFamily="34" charset="-122"/>
+                <a:ea typeface="Microsoft yahei" panose="020B0503020204020204" pitchFamily="34" charset="-122"/>
+              </a:rPr>
+              <a:t>1</a:t>
+            </a:r>
+            <a:r>
+              <a:rPr lang="zh-CN" altLang="en-US" sz="1400" dirty="0">
+                <a:solidFill>
+                  <a:srgbClr val="333333"/>
+                </a:solidFill>
+                <a:latin typeface="Microsoft yahei" panose="020B0503020204020204" pitchFamily="34" charset="-122"/>
+                <a:ea typeface="Microsoft yahei" panose="020B0503020204020204" pitchFamily="34" charset="-122"/>
+              </a:rPr>
+              <a:t>季动能仍延续，</a:t>
+            </a:r>
+            <a:r>
+              <a:rPr lang="en-US" altLang="zh-CN" sz="1400" dirty="0">
+                <a:solidFill>
+                  <a:srgbClr val="333333"/>
+                </a:solidFill>
+                <a:latin typeface="Microsoft yahei" panose="020B0503020204020204" pitchFamily="34" charset="-122"/>
+                <a:ea typeface="Microsoft yahei" panose="020B0503020204020204" pitchFamily="34" charset="-122"/>
+              </a:rPr>
+              <a:t>6</a:t>
+            </a:r>
+            <a:r>
+              <a:rPr lang="zh-CN" altLang="en-US" sz="1400" dirty="0">
+                <a:solidFill>
+                  <a:srgbClr val="333333"/>
+                </a:solidFill>
+                <a:latin typeface="Microsoft yahei" panose="020B0503020204020204" pitchFamily="34" charset="-122"/>
+                <a:ea typeface="Microsoft yahei" panose="020B0503020204020204" pitchFamily="34" charset="-122"/>
+              </a:rPr>
+              <a:t>月须持续观察禁售令的政策。</a:t>
+            </a:r>
+            <a:endParaRPr lang="en-US" altLang="zh-CN" sz="1400" dirty="0">
+              <a:solidFill>
+                <a:srgbClr val="333333"/>
+              </a:solidFill>
+              <a:latin typeface="Microsoft yahei" panose="020B0503020204020204" pitchFamily="34" charset="-122"/>
+              <a:ea typeface="Microsoft yahei" panose="020B0503020204020204" pitchFamily="34" charset="-122"/>
+            </a:endParaRPr>
+          </a:p>
+          <a:p>
+            <a:endParaRPr lang="en-US" altLang="zh-CN" sz="1400" dirty="0">
+              <a:solidFill>
+                <a:srgbClr val="333333"/>
+              </a:solidFill>
+              <a:latin typeface="Microsoft yahei" panose="020B0503020204020204" pitchFamily="34" charset="-122"/>
+              <a:ea typeface="Microsoft yahei" panose="020B0503020204020204" pitchFamily="34" charset="-122"/>
+            </a:endParaRPr>
+          </a:p>
+          <a:p>
+            <a:r>
+              <a:rPr lang="en-US" altLang="zh-CN" sz="1400" dirty="0">
+                <a:solidFill>
+                  <a:srgbClr val="333333"/>
+                </a:solidFill>
+                <a:latin typeface="Microsoft yahei" panose="020B0503020204020204" pitchFamily="34" charset="-122"/>
+                <a:ea typeface="Microsoft yahei" panose="020B0503020204020204" pitchFamily="34" charset="-122"/>
+              </a:rPr>
+              <a:t>2018:</a:t>
+            </a:r>
+            <a:r>
+              <a:rPr lang="zh-CN" altLang="en-US" sz="1400" dirty="0">
+                <a:solidFill>
+                  <a:srgbClr val="333333"/>
+                </a:solidFill>
+                <a:latin typeface="Microsoft yahei" panose="020B0503020204020204" pitchFamily="34" charset="-122"/>
+                <a:ea typeface="Microsoft yahei" panose="020B0503020204020204" pitchFamily="34" charset="-122"/>
+              </a:rPr>
+              <a:t>在</a:t>
+            </a:r>
+            <a:r>
+              <a:rPr lang="en-US" altLang="zh-CN" sz="1400" dirty="0">
+                <a:solidFill>
+                  <a:srgbClr val="333333"/>
+                </a:solidFill>
+                <a:latin typeface="Microsoft yahei" panose="020B0503020204020204" pitchFamily="34" charset="-122"/>
+                <a:ea typeface="Microsoft yahei" panose="020B0503020204020204" pitchFamily="34" charset="-122"/>
+              </a:rPr>
+              <a:t>PC</a:t>
+            </a:r>
+            <a:r>
+              <a:rPr lang="zh-CN" altLang="en-US" sz="1400" dirty="0">
+                <a:solidFill>
+                  <a:srgbClr val="333333"/>
+                </a:solidFill>
+                <a:latin typeface="Microsoft yahei" panose="020B0503020204020204" pitchFamily="34" charset="-122"/>
+                <a:ea typeface="Microsoft yahei" panose="020B0503020204020204" pitchFamily="34" charset="-122"/>
+              </a:rPr>
+              <a:t>相关产品部分，主要包含</a:t>
+            </a:r>
+            <a:r>
+              <a:rPr lang="en-US" altLang="zh-CN" sz="1400" dirty="0">
+                <a:solidFill>
+                  <a:srgbClr val="333333"/>
+                </a:solidFill>
+                <a:latin typeface="Microsoft yahei" panose="020B0503020204020204" pitchFamily="34" charset="-122"/>
+                <a:ea typeface="Microsoft yahei" panose="020B0503020204020204" pitchFamily="34" charset="-122"/>
+              </a:rPr>
+              <a:t>Audio codec (</a:t>
+            </a:r>
+            <a:r>
+              <a:rPr lang="zh-CN" altLang="en-US" sz="1400" dirty="0">
+                <a:solidFill>
+                  <a:srgbClr val="333333"/>
+                </a:solidFill>
+                <a:latin typeface="Microsoft yahei" panose="020B0503020204020204" pitchFamily="34" charset="-122"/>
+                <a:ea typeface="Microsoft yahei" panose="020B0503020204020204" pitchFamily="34" charset="-122"/>
+              </a:rPr>
+              <a:t>音频编解码器</a:t>
+            </a:r>
+            <a:r>
+              <a:rPr lang="en-US" altLang="zh-CN" sz="1400" dirty="0">
+                <a:solidFill>
+                  <a:srgbClr val="333333"/>
+                </a:solidFill>
+                <a:latin typeface="Microsoft yahei" panose="020B0503020204020204" pitchFamily="34" charset="-122"/>
+                <a:ea typeface="Microsoft yahei" panose="020B0503020204020204" pitchFamily="34" charset="-122"/>
+              </a:rPr>
+              <a:t>)</a:t>
+            </a:r>
+            <a:r>
+              <a:rPr lang="zh-CN" altLang="en-US" sz="1400" dirty="0">
+                <a:solidFill>
+                  <a:srgbClr val="333333"/>
+                </a:solidFill>
+                <a:latin typeface="Microsoft yahei" panose="020B0503020204020204" pitchFamily="34" charset="-122"/>
+                <a:ea typeface="Microsoft yahei" panose="020B0503020204020204" pitchFamily="34" charset="-122"/>
+              </a:rPr>
+              <a:t>、</a:t>
+            </a:r>
+            <a:r>
+              <a:rPr lang="en-US" altLang="zh-CN" sz="1400" dirty="0">
+                <a:solidFill>
+                  <a:srgbClr val="333333"/>
+                </a:solidFill>
+                <a:latin typeface="Microsoft yahei" panose="020B0503020204020204" pitchFamily="34" charset="-122"/>
+                <a:ea typeface="Microsoft yahei" panose="020B0503020204020204" pitchFamily="34" charset="-122"/>
+              </a:rPr>
+              <a:t>PC cam</a:t>
+            </a:r>
+            <a:r>
+              <a:rPr lang="zh-CN" altLang="en-US" sz="1400" dirty="0">
+                <a:solidFill>
+                  <a:srgbClr val="333333"/>
+                </a:solidFill>
+                <a:latin typeface="Microsoft yahei" panose="020B0503020204020204" pitchFamily="34" charset="-122"/>
+                <a:ea typeface="Microsoft yahei" panose="020B0503020204020204" pitchFamily="34" charset="-122"/>
+              </a:rPr>
+              <a:t>等相关芯片。去年</a:t>
+            </a:r>
+            <a:r>
+              <a:rPr lang="en-US" altLang="zh-CN" sz="1400" dirty="0">
+                <a:solidFill>
+                  <a:srgbClr val="333333"/>
+                </a:solidFill>
+                <a:latin typeface="Microsoft yahei" panose="020B0503020204020204" pitchFamily="34" charset="-122"/>
+                <a:ea typeface="Microsoft yahei" panose="020B0503020204020204" pitchFamily="34" charset="-122"/>
+              </a:rPr>
+              <a:t>Audio</a:t>
+            </a:r>
+            <a:r>
+              <a:rPr lang="zh-CN" altLang="en-US" sz="1400" dirty="0">
+                <a:solidFill>
+                  <a:srgbClr val="333333"/>
+                </a:solidFill>
+                <a:latin typeface="Microsoft yahei" panose="020B0503020204020204" pitchFamily="34" charset="-122"/>
+                <a:ea typeface="Microsoft yahei" panose="020B0503020204020204" pitchFamily="34" charset="-122"/>
+              </a:rPr>
+              <a:t>产品线于蓝牙耳机应用明显成长，而今年新产品</a:t>
+            </a:r>
+            <a:r>
+              <a:rPr lang="en-US" altLang="zh-CN" sz="1400" dirty="0">
+                <a:solidFill>
+                  <a:srgbClr val="333333"/>
+                </a:solidFill>
+                <a:latin typeface="Microsoft yahei" panose="020B0503020204020204" pitchFamily="34" charset="-122"/>
+                <a:ea typeface="Microsoft yahei" panose="020B0503020204020204" pitchFamily="34" charset="-122"/>
+              </a:rPr>
+              <a:t>USB Type-c</a:t>
+            </a:r>
+            <a:r>
+              <a:rPr lang="zh-CN" altLang="en-US" sz="1400" dirty="0">
+                <a:solidFill>
+                  <a:srgbClr val="333333"/>
+                </a:solidFill>
+                <a:latin typeface="Microsoft yahei" panose="020B0503020204020204" pitchFamily="34" charset="-122"/>
+                <a:ea typeface="Microsoft yahei" panose="020B0503020204020204" pitchFamily="34" charset="-122"/>
+              </a:rPr>
+              <a:t>也望开始贡献营收，今年底可望倍数成长，但</a:t>
+            </a:r>
+            <a:r>
+              <a:rPr lang="en-US" altLang="zh-CN" sz="1400" dirty="0">
+                <a:solidFill>
+                  <a:srgbClr val="333333"/>
+                </a:solidFill>
+                <a:latin typeface="Microsoft yahei" panose="020B0503020204020204" pitchFamily="34" charset="-122"/>
+                <a:ea typeface="Microsoft yahei" panose="020B0503020204020204" pitchFamily="34" charset="-122"/>
+              </a:rPr>
+              <a:t>ASP</a:t>
+            </a:r>
+            <a:r>
+              <a:rPr lang="zh-CN" altLang="en-US" sz="1400" dirty="0">
+                <a:solidFill>
+                  <a:srgbClr val="333333"/>
+                </a:solidFill>
+                <a:latin typeface="Microsoft yahei" panose="020B0503020204020204" pitchFamily="34" charset="-122"/>
+                <a:ea typeface="Microsoft yahei" panose="020B0503020204020204" pitchFamily="34" charset="-122"/>
+              </a:rPr>
+              <a:t>也受到竞争者压力明显。</a:t>
+            </a:r>
+            <a:endParaRPr lang="en-US" altLang="zh-CN" sz="1400" dirty="0">
+              <a:solidFill>
+                <a:srgbClr val="333333"/>
+              </a:solidFill>
+              <a:latin typeface="Microsoft yahei" panose="020B0503020204020204" pitchFamily="34" charset="-122"/>
+              <a:ea typeface="Microsoft yahei" panose="020B0503020204020204" pitchFamily="34" charset="-122"/>
+            </a:endParaRPr>
+          </a:p>
+          <a:p>
+            <a:endParaRPr lang="en-US" altLang="zh-CN" sz="1400" dirty="0">
+              <a:solidFill>
+                <a:srgbClr val="333333"/>
+              </a:solidFill>
+              <a:latin typeface="Microsoft yahei" panose="020B0503020204020204" pitchFamily="34" charset="-122"/>
+              <a:ea typeface="Microsoft yahei" panose="020B0503020204020204" pitchFamily="34" charset="-122"/>
+            </a:endParaRPr>
+          </a:p>
+          <a:p>
+            <a:r>
+              <a:rPr lang="en-US" altLang="zh-CN" sz="1400" dirty="0">
+                <a:solidFill>
+                  <a:srgbClr val="333333"/>
+                </a:solidFill>
+                <a:latin typeface="Microsoft yahei" panose="020B0503020204020204" pitchFamily="34" charset="-122"/>
+                <a:ea typeface="Microsoft yahei" panose="020B0503020204020204" pitchFamily="34" charset="-122"/>
+              </a:rPr>
+              <a:t>2020</a:t>
+            </a:r>
+            <a:r>
+              <a:rPr lang="zh-CN" altLang="en-US" sz="1400" dirty="0">
+                <a:solidFill>
+                  <a:srgbClr val="333333"/>
+                </a:solidFill>
+                <a:latin typeface="Microsoft yahei" panose="020B0503020204020204" pitchFamily="34" charset="-122"/>
+                <a:ea typeface="Microsoft yahei" panose="020B0503020204020204" pitchFamily="34" charset="-122"/>
+              </a:rPr>
+              <a:t>：</a:t>
+            </a:r>
+            <a:r>
+              <a:rPr lang="zh-CN" altLang="en-US" sz="1050" b="0" i="0" dirty="0">
+                <a:solidFill>
+                  <a:srgbClr val="31424E"/>
+                </a:solidFill>
+                <a:effectLst/>
+                <a:latin typeface="PingFangSC-Regular"/>
+              </a:rPr>
+              <a:t>钜亨网消息</a:t>
+            </a:r>
+            <a:r>
+              <a:rPr lang="en-US" altLang="zh-CN" sz="1050" b="0" i="0" dirty="0">
+                <a:solidFill>
+                  <a:srgbClr val="31424E"/>
+                </a:solidFill>
+                <a:effectLst/>
+                <a:latin typeface="PingFangSC-Regular"/>
+              </a:rPr>
+              <a:t>,</a:t>
+            </a:r>
+            <a:r>
+              <a:rPr lang="zh-CN" altLang="en-US" sz="1050" b="0" i="0" dirty="0">
+                <a:solidFill>
+                  <a:srgbClr val="31424E"/>
+                </a:solidFill>
+                <a:effectLst/>
+                <a:latin typeface="PingFangSC-Regular"/>
+              </a:rPr>
+              <a:t>近日</a:t>
+            </a:r>
+            <a:r>
+              <a:rPr lang="en-US" altLang="zh-CN" sz="1050" b="0" i="0" dirty="0">
+                <a:solidFill>
+                  <a:srgbClr val="31424E"/>
+                </a:solidFill>
+                <a:effectLst/>
+                <a:latin typeface="PingFangSC-Regular"/>
+              </a:rPr>
+              <a:t>,</a:t>
+            </a:r>
+            <a:r>
+              <a:rPr lang="en-US" altLang="zh-CN" sz="1050" b="0" i="0" u="none" strike="noStrike" dirty="0">
+                <a:solidFill>
+                  <a:srgbClr val="085AAD"/>
+                </a:solidFill>
+                <a:effectLst/>
+                <a:latin typeface="PingFangSC-Regular"/>
+                <a:hlinkClick r:id="rId2" tooltip="IC设计"/>
+              </a:rPr>
+              <a:t>IC</a:t>
+            </a:r>
+            <a:r>
+              <a:rPr lang="zh-CN" altLang="en-US" sz="1050" b="0" i="0" u="none" strike="noStrike" dirty="0">
+                <a:solidFill>
+                  <a:srgbClr val="085AAD"/>
+                </a:solidFill>
+                <a:effectLst/>
+                <a:latin typeface="PingFangSC-Regular"/>
+                <a:hlinkClick r:id="rId2" tooltip="IC设计"/>
+              </a:rPr>
+              <a:t>设计</a:t>
+            </a:r>
+            <a:r>
+              <a:rPr lang="zh-CN" altLang="en-US" sz="1050" b="0" i="0" dirty="0">
+                <a:solidFill>
+                  <a:srgbClr val="31424E"/>
+                </a:solidFill>
+                <a:effectLst/>
+                <a:latin typeface="PingFangSC-Regular"/>
+              </a:rPr>
+              <a:t>大厂瑞昱传出其音频编解码芯片</a:t>
+            </a:r>
+            <a:r>
+              <a:rPr lang="en-US" altLang="zh-CN" sz="1050" b="0" i="0" dirty="0">
+                <a:solidFill>
+                  <a:srgbClr val="31424E"/>
+                </a:solidFill>
+                <a:effectLst/>
+                <a:latin typeface="PingFangSC-Regular"/>
+              </a:rPr>
+              <a:t>(Audio Codec)</a:t>
+            </a:r>
+            <a:r>
+              <a:rPr lang="zh-CN" altLang="en-US" sz="1050" b="0" i="0" dirty="0">
+                <a:solidFill>
+                  <a:srgbClr val="31424E"/>
+                </a:solidFill>
+                <a:effectLst/>
+                <a:latin typeface="PingFangSC-Regular"/>
+              </a:rPr>
+              <a:t>遭某美系笔电大厂砍单</a:t>
+            </a:r>
+            <a:r>
+              <a:rPr lang="en-US" altLang="zh-CN" sz="1050" b="0" i="0" dirty="0">
+                <a:solidFill>
+                  <a:srgbClr val="31424E"/>
+                </a:solidFill>
+                <a:effectLst/>
+                <a:latin typeface="PingFangSC-Regular"/>
+              </a:rPr>
+              <a:t>,</a:t>
+            </a:r>
+            <a:r>
+              <a:rPr lang="zh-CN" altLang="en-US" sz="1050" b="0" i="0" dirty="0">
+                <a:solidFill>
+                  <a:srgbClr val="31424E"/>
+                </a:solidFill>
+                <a:effectLst/>
+                <a:latin typeface="PingFangSC-Regular"/>
+              </a:rPr>
+              <a:t>供货比重从八成降至二成</a:t>
+            </a:r>
+            <a:r>
+              <a:rPr lang="en-US" altLang="zh-CN" sz="1050" b="0" i="0" dirty="0">
+                <a:solidFill>
+                  <a:srgbClr val="31424E"/>
+                </a:solidFill>
+                <a:effectLst/>
+                <a:latin typeface="PingFangSC-Regular"/>
+              </a:rPr>
+              <a:t>,</a:t>
+            </a:r>
+            <a:r>
+              <a:rPr lang="zh-CN" altLang="en-US" sz="1050" b="0" i="0" dirty="0">
+                <a:solidFill>
+                  <a:srgbClr val="31424E"/>
+                </a:solidFill>
+                <a:effectLst/>
+                <a:latin typeface="PingFangSC-Regular"/>
+              </a:rPr>
+              <a:t>订单几乎腰斩。</a:t>
+            </a:r>
+            <a:endParaRPr lang="en-US" altLang="zh-CN" sz="1050" b="0" i="0" dirty="0">
+              <a:solidFill>
+                <a:srgbClr val="31424E"/>
+              </a:solidFill>
+              <a:effectLst/>
+              <a:latin typeface="PingFangSC-Regular"/>
+            </a:endParaRPr>
+          </a:p>
+          <a:p>
+            <a:endParaRPr lang="zh-CN" altLang="en-US" sz="1400" dirty="0">
+              <a:solidFill>
+                <a:srgbClr val="333333"/>
+              </a:solidFill>
+              <a:latin typeface="Microsoft yahei" panose="020B0503020204020204" pitchFamily="34" charset="-122"/>
+              <a:ea typeface="Microsoft yahei" panose="020B0503020204020204" pitchFamily="34" charset="-122"/>
+            </a:endParaRPr>
+          </a:p>
+        </p:txBody>
+      </p:sp>
+    </p:spTree>
+    <p:extLst>
+      <p:ext uri="{BB962C8B-B14F-4D97-AF65-F5344CB8AC3E}">
+        <p14:creationId xmlns:p14="http://schemas.microsoft.com/office/powerpoint/2010/main" val="2316473608"/>
+      </p:ext>
+    </p:extLst>
+  </p:cSld>
+  <p:clrMapOvr>
+    <a:masterClrMapping/>
+  </p:clrMapOvr>
+</p:sld>
+</file>
+
+<file path=ppt/slides/slide16.xml><?xml version="1.0" encoding="utf-8"?>
 <p:sld xmlns:a="http://schemas.openxmlformats.org/drawingml/2006/main" xmlns:r="http://schemas.openxmlformats.org/officeDocument/2006/relationships" xmlns:p="http://schemas.openxmlformats.org/presentationml/2006/main">
   <p:cSld>
     <p:spTree>
@@ -4793,7 +6457,12 @@
             <p:ph type="title"/>
           </p:nvPr>
         </p:nvSpPr>
-        <p:spPr/>
+        <p:spPr>
+          <a:xfrm>
+            <a:off x="7285679" y="162893"/>
+            <a:ext cx="4679343" cy="1325563"/>
+          </a:xfrm>
+        </p:spPr>
         <p:txBody>
           <a:bodyPr/>
           <a:lstStyle/>
@@ -5162,7 +6831,7 @@
           <p:cNvPr id="2" name="标题 1">
             <a:extLst>
               <a:ext uri="{FF2B5EF4-FFF2-40B4-BE49-F238E27FC236}">
-                <a16:creationId xmlns:a16="http://schemas.microsoft.com/office/drawing/2014/main" id="{58B0690B-3B15-62A2-FDFA-C44039EDE883}"/>
+                <a16:creationId xmlns:a16="http://schemas.microsoft.com/office/drawing/2014/main" id="{869C2500-CA49-0C4F-293E-E8F863E92FEA}"/>
               </a:ext>
             </a:extLst>
           </p:cNvPr>
@@ -5179,376 +6848,546 @@
           <a:lstStyle/>
           <a:p>
             <a:r>
-              <a:rPr lang="en-US" altLang="zh-CN" dirty="0"/>
-              <a:t>20~21</a:t>
-            </a:r>
-            <a:r>
-              <a:rPr lang="zh-CN" altLang="en-US" dirty="0"/>
-              <a:t>年供应链中断次数</a:t>
-            </a:r>
-          </a:p>
-        </p:txBody>
-      </p:sp>
-      <p:pic>
-        <p:nvPicPr>
-          <p:cNvPr id="5" name="内容占位符 4">
-            <a:extLst>
-              <a:ext uri="{FF2B5EF4-FFF2-40B4-BE49-F238E27FC236}">
-                <a16:creationId xmlns:a16="http://schemas.microsoft.com/office/drawing/2014/main" id="{B2539918-CEA2-A9F2-3874-AD58E46C3297}"/>
-              </a:ext>
-            </a:extLst>
-          </p:cNvPr>
-          <p:cNvPicPr>
-            <a:picLocks noGrp="1" noChangeAspect="1"/>
-          </p:cNvPicPr>
+              <a:rPr lang="zh-CN" altLang="en-US" i="0" dirty="0">
+                <a:solidFill>
+                  <a:srgbClr val="333333"/>
+                </a:solidFill>
+                <a:effectLst/>
+                <a:latin typeface="Microsoft Yahei" panose="020B0503020204020204" pitchFamily="34" charset="-122"/>
+                <a:ea typeface="Microsoft Yahei" panose="020B0503020204020204" pitchFamily="34" charset="-122"/>
+              </a:rPr>
+              <a:t>台湾</a:t>
+            </a:r>
+            <a:r>
+              <a:rPr lang="en-US" altLang="zh-CN" i="0" dirty="0">
+                <a:solidFill>
+                  <a:srgbClr val="333333"/>
+                </a:solidFill>
+                <a:effectLst/>
+                <a:latin typeface="Microsoft Yahei" panose="020B0503020204020204" pitchFamily="34" charset="-122"/>
+                <a:ea typeface="Microsoft Yahei" panose="020B0503020204020204" pitchFamily="34" charset="-122"/>
+              </a:rPr>
+              <a:t>IC</a:t>
+            </a:r>
+            <a:r>
+              <a:rPr lang="zh-CN" altLang="en-US" i="0" dirty="0">
+                <a:solidFill>
+                  <a:srgbClr val="333333"/>
+                </a:solidFill>
+                <a:effectLst/>
+                <a:latin typeface="Microsoft Yahei" panose="020B0503020204020204" pitchFamily="34" charset="-122"/>
+                <a:ea typeface="Microsoft Yahei" panose="020B0503020204020204" pitchFamily="34" charset="-122"/>
+              </a:rPr>
+              <a:t>设计业全球市场占有率与竞争优势</a:t>
+            </a:r>
+            <a:endParaRPr lang="zh-CN" altLang="en-US" dirty="0"/>
+          </a:p>
+        </p:txBody>
+      </p:sp>
+      <p:sp>
+        <p:nvSpPr>
+          <p:cNvPr id="3" name="内容占位符 2">
+            <a:extLst>
+              <a:ext uri="{FF2B5EF4-FFF2-40B4-BE49-F238E27FC236}">
+                <a16:creationId xmlns:a16="http://schemas.microsoft.com/office/drawing/2014/main" id="{DE7D2BB0-A5EC-7AFE-82A6-4F23A1005B67}"/>
+              </a:ext>
+            </a:extLst>
+          </p:cNvPr>
+          <p:cNvSpPr>
+            <a:spLocks noGrp="1"/>
+          </p:cNvSpPr>
           <p:nvPr>
             <p:ph idx="1"/>
           </p:nvPr>
-        </p:nvPicPr>
-        <p:blipFill>
-          <a:blip r:embed="rId2">
-            <a:extLst>
-              <a:ext uri="{28A0092B-C50C-407E-A947-70E740481C1C}">
-                <a14:useLocalDpi xmlns:a14="http://schemas.microsoft.com/office/drawing/2010/main" val="0"/>
-              </a:ext>
-            </a:extLst>
-          </a:blip>
-          <a:stretch>
-            <a:fillRect/>
-          </a:stretch>
-        </p:blipFill>
-        <p:spPr>
-          <a:xfrm>
-            <a:off x="744087" y="1841667"/>
-            <a:ext cx="5351913" cy="4351338"/>
-          </a:xfrm>
-        </p:spPr>
-      </p:pic>
-      <p:sp>
-        <p:nvSpPr>
-          <p:cNvPr id="6" name="内容占位符 2">
-            <a:extLst>
-              <a:ext uri="{FF2B5EF4-FFF2-40B4-BE49-F238E27FC236}">
-                <a16:creationId xmlns:a16="http://schemas.microsoft.com/office/drawing/2014/main" id="{CAE1FFA1-79AD-5F04-40D0-E4ADC46C85A2}"/>
-              </a:ext>
-            </a:extLst>
-          </p:cNvPr>
-          <p:cNvSpPr txBox="1">
-            <a:spLocks/>
-          </p:cNvSpPr>
-          <p:nvPr/>
-        </p:nvSpPr>
-        <p:spPr>
-          <a:xfrm>
-            <a:off x="6281530" y="1825625"/>
-            <a:ext cx="5072270" cy="4351338"/>
-          </a:xfrm>
-          <a:prstGeom prst="rect">
-            <a:avLst/>
-          </a:prstGeom>
-        </p:spPr>
-        <p:txBody>
-          <a:bodyPr vert="horz" lIns="91440" tIns="45720" rIns="91440" bIns="45720" rtlCol="0">
+        </p:nvSpPr>
+        <p:spPr/>
+        <p:txBody>
+          <a:bodyPr>
             <a:normAutofit/>
           </a:bodyPr>
-          <a:lstStyle>
-            <a:lvl1pPr marL="228600" indent="-228600" algn="l" defTabSz="914400" rtl="0" eaLnBrk="1" latinLnBrk="0" hangingPunct="1">
-              <a:lnSpc>
-                <a:spcPct val="90000"/>
-              </a:lnSpc>
-              <a:spcBef>
-                <a:spcPts val="1000"/>
-              </a:spcBef>
-              <a:buFont typeface="Arial" panose="020B0604020202020204" pitchFamily="34" charset="0"/>
-              <a:buChar char="•"/>
-              <a:defRPr sz="2800" kern="1200">
-                <a:solidFill>
-                  <a:schemeClr val="tx1"/>
-                </a:solidFill>
-                <a:latin typeface="+mn-lt"/>
-                <a:ea typeface="+mn-ea"/>
-                <a:cs typeface="+mn-cs"/>
-              </a:defRPr>
-            </a:lvl1pPr>
-            <a:lvl2pPr marL="685800" indent="-228600" algn="l" defTabSz="914400" rtl="0" eaLnBrk="1" latinLnBrk="0" hangingPunct="1">
-              <a:lnSpc>
-                <a:spcPct val="90000"/>
-              </a:lnSpc>
-              <a:spcBef>
-                <a:spcPts val="500"/>
-              </a:spcBef>
-              <a:buFont typeface="Arial" panose="020B0604020202020204" pitchFamily="34" charset="0"/>
-              <a:buChar char="•"/>
-              <a:defRPr sz="2400" kern="1200">
-                <a:solidFill>
-                  <a:schemeClr val="tx1"/>
-                </a:solidFill>
-                <a:latin typeface="+mn-lt"/>
-                <a:ea typeface="+mn-ea"/>
-                <a:cs typeface="+mn-cs"/>
-              </a:defRPr>
-            </a:lvl2pPr>
-            <a:lvl3pPr marL="1143000" indent="-228600" algn="l" defTabSz="914400" rtl="0" eaLnBrk="1" latinLnBrk="0" hangingPunct="1">
-              <a:lnSpc>
-                <a:spcPct val="90000"/>
-              </a:lnSpc>
-              <a:spcBef>
-                <a:spcPts val="500"/>
-              </a:spcBef>
-              <a:buFont typeface="Arial" panose="020B0604020202020204" pitchFamily="34" charset="0"/>
-              <a:buChar char="•"/>
-              <a:defRPr sz="2000" kern="1200">
-                <a:solidFill>
-                  <a:schemeClr val="tx1"/>
-                </a:solidFill>
-                <a:latin typeface="+mn-lt"/>
-                <a:ea typeface="+mn-ea"/>
-                <a:cs typeface="+mn-cs"/>
-              </a:defRPr>
-            </a:lvl3pPr>
-            <a:lvl4pPr marL="1600200" indent="-228600" algn="l" defTabSz="914400" rtl="0" eaLnBrk="1" latinLnBrk="0" hangingPunct="1">
-              <a:lnSpc>
-                <a:spcPct val="90000"/>
-              </a:lnSpc>
-              <a:spcBef>
-                <a:spcPts val="500"/>
-              </a:spcBef>
-              <a:buFont typeface="Arial" panose="020B0604020202020204" pitchFamily="34" charset="0"/>
-              <a:buChar char="•"/>
-              <a:defRPr sz="1800" kern="1200">
-                <a:solidFill>
-                  <a:schemeClr val="tx1"/>
-                </a:solidFill>
-                <a:latin typeface="+mn-lt"/>
-                <a:ea typeface="+mn-ea"/>
-                <a:cs typeface="+mn-cs"/>
-              </a:defRPr>
-            </a:lvl4pPr>
-            <a:lvl5pPr marL="2057400" indent="-228600" algn="l" defTabSz="914400" rtl="0" eaLnBrk="1" latinLnBrk="0" hangingPunct="1">
-              <a:lnSpc>
-                <a:spcPct val="90000"/>
-              </a:lnSpc>
-              <a:spcBef>
-                <a:spcPts val="500"/>
-              </a:spcBef>
-              <a:buFont typeface="Arial" panose="020B0604020202020204" pitchFamily="34" charset="0"/>
-              <a:buChar char="•"/>
-              <a:defRPr sz="1800" kern="1200">
-                <a:solidFill>
-                  <a:schemeClr val="tx1"/>
-                </a:solidFill>
-                <a:latin typeface="+mn-lt"/>
-                <a:ea typeface="+mn-ea"/>
-                <a:cs typeface="+mn-cs"/>
-              </a:defRPr>
-            </a:lvl5pPr>
-            <a:lvl6pPr marL="2514600" indent="-228600" algn="l" defTabSz="914400" rtl="0" eaLnBrk="1" latinLnBrk="0" hangingPunct="1">
-              <a:lnSpc>
-                <a:spcPct val="90000"/>
-              </a:lnSpc>
-              <a:spcBef>
-                <a:spcPts val="500"/>
-              </a:spcBef>
-              <a:buFont typeface="Arial" panose="020B0604020202020204" pitchFamily="34" charset="0"/>
-              <a:buChar char="•"/>
-              <a:defRPr sz="1800" kern="1200">
-                <a:solidFill>
-                  <a:schemeClr val="tx1"/>
-                </a:solidFill>
-                <a:latin typeface="+mn-lt"/>
-                <a:ea typeface="+mn-ea"/>
-                <a:cs typeface="+mn-cs"/>
-              </a:defRPr>
-            </a:lvl6pPr>
-            <a:lvl7pPr marL="2971800" indent="-228600" algn="l" defTabSz="914400" rtl="0" eaLnBrk="1" latinLnBrk="0" hangingPunct="1">
-              <a:lnSpc>
-                <a:spcPct val="90000"/>
-              </a:lnSpc>
-              <a:spcBef>
-                <a:spcPts val="500"/>
-              </a:spcBef>
-              <a:buFont typeface="Arial" panose="020B0604020202020204" pitchFamily="34" charset="0"/>
-              <a:buChar char="•"/>
-              <a:defRPr sz="1800" kern="1200">
-                <a:solidFill>
-                  <a:schemeClr val="tx1"/>
-                </a:solidFill>
-                <a:latin typeface="+mn-lt"/>
-                <a:ea typeface="+mn-ea"/>
-                <a:cs typeface="+mn-cs"/>
-              </a:defRPr>
-            </a:lvl7pPr>
-            <a:lvl8pPr marL="3429000" indent="-228600" algn="l" defTabSz="914400" rtl="0" eaLnBrk="1" latinLnBrk="0" hangingPunct="1">
-              <a:lnSpc>
-                <a:spcPct val="90000"/>
-              </a:lnSpc>
-              <a:spcBef>
-                <a:spcPts val="500"/>
-              </a:spcBef>
-              <a:buFont typeface="Arial" panose="020B0604020202020204" pitchFamily="34" charset="0"/>
-              <a:buChar char="•"/>
-              <a:defRPr sz="1800" kern="1200">
-                <a:solidFill>
-                  <a:schemeClr val="tx1"/>
-                </a:solidFill>
-                <a:latin typeface="+mn-lt"/>
-                <a:ea typeface="+mn-ea"/>
-                <a:cs typeface="+mn-cs"/>
-              </a:defRPr>
-            </a:lvl8pPr>
-            <a:lvl9pPr marL="3886200" indent="-228600" algn="l" defTabSz="914400" rtl="0" eaLnBrk="1" latinLnBrk="0" hangingPunct="1">
-              <a:lnSpc>
-                <a:spcPct val="90000"/>
-              </a:lnSpc>
-              <a:spcBef>
-                <a:spcPts val="500"/>
-              </a:spcBef>
-              <a:buFont typeface="Arial" panose="020B0604020202020204" pitchFamily="34" charset="0"/>
-              <a:buChar char="•"/>
-              <a:defRPr sz="1800" kern="1200">
-                <a:solidFill>
-                  <a:schemeClr val="tx1"/>
-                </a:solidFill>
-                <a:latin typeface="+mn-lt"/>
-                <a:ea typeface="+mn-ea"/>
-                <a:cs typeface="+mn-cs"/>
-              </a:defRPr>
-            </a:lvl9pPr>
-          </a:lstStyle>
-          <a:p>
-            <a:r>
-              <a:rPr lang="zh-CN" altLang="en-US" dirty="0">
-                <a:solidFill>
-                  <a:srgbClr val="121212"/>
-                </a:solidFill>
-                <a:latin typeface="-apple-system"/>
-              </a:rPr>
-              <a:t>美国的芯片禁售令，</a:t>
-            </a:r>
-            <a:r>
-              <a:rPr lang="zh-CN" altLang="en-US" b="0" i="0" dirty="0">
-                <a:solidFill>
-                  <a:srgbClr val="121212"/>
-                </a:solidFill>
-                <a:effectLst/>
-                <a:latin typeface="-apple-system"/>
-              </a:rPr>
-              <a:t>对我国的芯片制造行业主要有几点影响：</a:t>
-            </a:r>
-            <a:endParaRPr lang="en-US" altLang="zh-CN" dirty="0">
+          <a:lstStyle/>
+          <a:p>
+            <a:r>
+              <a:rPr lang="en-US" altLang="zh-CN" sz="2000" i="0" dirty="0">
+                <a:solidFill>
+                  <a:srgbClr val="000000"/>
+                </a:solidFill>
+                <a:effectLst/>
+                <a:ea typeface="等线" panose="02010600030101010101" pitchFamily="2" charset="-122"/>
+              </a:rPr>
+              <a:t>2022</a:t>
+            </a:r>
+            <a:r>
+              <a:rPr lang="zh-CN" altLang="en-US" sz="2000" i="0" dirty="0">
+                <a:solidFill>
+                  <a:srgbClr val="000000"/>
+                </a:solidFill>
+                <a:effectLst/>
+                <a:ea typeface="等线" panose="02010600030101010101" pitchFamily="2" charset="-122"/>
+              </a:rPr>
+              <a:t>年全球</a:t>
+            </a:r>
+            <a:r>
+              <a:rPr lang="en-US" altLang="zh-CN" sz="2000" i="0" dirty="0">
+                <a:solidFill>
+                  <a:srgbClr val="000000"/>
+                </a:solidFill>
+                <a:effectLst/>
+                <a:ea typeface="等线" panose="02010600030101010101" pitchFamily="2" charset="-122"/>
+              </a:rPr>
+              <a:t>IC</a:t>
+            </a:r>
+            <a:r>
+              <a:rPr lang="zh-CN" altLang="en-US" sz="2000" i="0" dirty="0">
+                <a:solidFill>
+                  <a:srgbClr val="000000"/>
+                </a:solidFill>
+                <a:effectLst/>
+                <a:ea typeface="等线" panose="02010600030101010101" pitchFamily="2" charset="-122"/>
+              </a:rPr>
+              <a:t>设计行业整体营收达到</a:t>
+            </a:r>
+            <a:r>
+              <a:rPr lang="en-US" altLang="zh-CN" sz="2000" i="0" dirty="0">
+                <a:solidFill>
+                  <a:srgbClr val="000000"/>
+                </a:solidFill>
+                <a:effectLst/>
+                <a:ea typeface="等线" panose="02010600030101010101" pitchFamily="2" charset="-122"/>
+              </a:rPr>
+              <a:t>2154</a:t>
+            </a:r>
+            <a:r>
+              <a:rPr lang="zh-CN" altLang="en-US" sz="2000" i="0" dirty="0">
+                <a:solidFill>
+                  <a:srgbClr val="000000"/>
+                </a:solidFill>
+                <a:effectLst/>
+                <a:ea typeface="等线" panose="02010600030101010101" pitchFamily="2" charset="-122"/>
+              </a:rPr>
+              <a:t>亿美元。其中，美国</a:t>
+            </a:r>
+            <a:r>
+              <a:rPr lang="en-US" altLang="zh-CN" sz="2000" i="0" dirty="0">
+                <a:solidFill>
+                  <a:srgbClr val="000000"/>
+                </a:solidFill>
+                <a:effectLst/>
+                <a:ea typeface="等线" panose="02010600030101010101" pitchFamily="2" charset="-122"/>
+              </a:rPr>
+              <a:t>IC</a:t>
+            </a:r>
+            <a:r>
+              <a:rPr lang="zh-CN" altLang="en-US" sz="2000" i="0" dirty="0">
+                <a:solidFill>
+                  <a:srgbClr val="000000"/>
+                </a:solidFill>
+                <a:effectLst/>
+                <a:ea typeface="等线" panose="02010600030101010101" pitchFamily="2" charset="-122"/>
+              </a:rPr>
+              <a:t>设计领域规模最大，市场份额达</a:t>
+            </a:r>
+            <a:r>
+              <a:rPr lang="en-US" altLang="zh-CN" sz="2000" i="0" dirty="0">
+                <a:solidFill>
+                  <a:srgbClr val="000000"/>
+                </a:solidFill>
+                <a:effectLst/>
+                <a:ea typeface="等线" panose="02010600030101010101" pitchFamily="2" charset="-122"/>
+              </a:rPr>
+              <a:t>63%</a:t>
+            </a:r>
+            <a:r>
+              <a:rPr lang="zh-CN" altLang="en-US" sz="2000" i="0" dirty="0">
+                <a:solidFill>
+                  <a:srgbClr val="000000"/>
+                </a:solidFill>
+                <a:effectLst/>
+                <a:ea typeface="等线" panose="02010600030101010101" pitchFamily="2" charset="-122"/>
+              </a:rPr>
+              <a:t>，营收超过</a:t>
+            </a:r>
+            <a:r>
+              <a:rPr lang="en-US" altLang="zh-CN" sz="2000" i="0" dirty="0">
+                <a:solidFill>
+                  <a:srgbClr val="000000"/>
+                </a:solidFill>
+                <a:effectLst/>
+                <a:ea typeface="等线" panose="02010600030101010101" pitchFamily="2" charset="-122"/>
+              </a:rPr>
+              <a:t>1300</a:t>
+            </a:r>
+            <a:r>
+              <a:rPr lang="zh-CN" altLang="en-US" sz="2000" i="0" dirty="0">
+                <a:solidFill>
+                  <a:srgbClr val="000000"/>
+                </a:solidFill>
+                <a:effectLst/>
+                <a:ea typeface="等线" panose="02010600030101010101" pitchFamily="2" charset="-122"/>
+              </a:rPr>
+              <a:t>亿美元。中国台湾的集成电路设计业为全球第二大，市场占有率达</a:t>
+            </a:r>
+            <a:r>
+              <a:rPr lang="en-US" altLang="zh-CN" sz="2000" i="0" dirty="0">
+                <a:solidFill>
+                  <a:srgbClr val="000000"/>
+                </a:solidFill>
+                <a:effectLst/>
+                <a:ea typeface="等线" panose="02010600030101010101" pitchFamily="2" charset="-122"/>
+              </a:rPr>
+              <a:t>18%</a:t>
+            </a:r>
+            <a:r>
+              <a:rPr lang="zh-CN" altLang="en-US" sz="2000" i="0" dirty="0">
+                <a:solidFill>
+                  <a:srgbClr val="000000"/>
+                </a:solidFill>
+                <a:effectLst/>
+                <a:ea typeface="等线" panose="02010600030101010101" pitchFamily="2" charset="-122"/>
+              </a:rPr>
+              <a:t>，营收接近</a:t>
+            </a:r>
+            <a:r>
+              <a:rPr lang="en-US" altLang="zh-CN" sz="2000" i="0" dirty="0">
+                <a:solidFill>
+                  <a:srgbClr val="000000"/>
+                </a:solidFill>
+                <a:effectLst/>
+                <a:ea typeface="等线" panose="02010600030101010101" pitchFamily="2" charset="-122"/>
+              </a:rPr>
+              <a:t>400</a:t>
+            </a:r>
+            <a:r>
+              <a:rPr lang="zh-CN" altLang="en-US" sz="2000" i="0" dirty="0">
+                <a:solidFill>
+                  <a:srgbClr val="000000"/>
+                </a:solidFill>
+                <a:effectLst/>
+                <a:ea typeface="等线" panose="02010600030101010101" pitchFamily="2" charset="-122"/>
+              </a:rPr>
+              <a:t>亿美元。中国大陆位居第三，市场份额接近</a:t>
+            </a:r>
+            <a:r>
+              <a:rPr lang="en-US" altLang="zh-CN" sz="2000" i="0" dirty="0">
+                <a:solidFill>
+                  <a:srgbClr val="000000"/>
+                </a:solidFill>
+                <a:effectLst/>
+                <a:ea typeface="等线" panose="02010600030101010101" pitchFamily="2" charset="-122"/>
+              </a:rPr>
+              <a:t>15%</a:t>
+            </a:r>
+            <a:r>
+              <a:rPr lang="zh-CN" altLang="en-US" sz="2000" i="0" dirty="0">
+                <a:solidFill>
+                  <a:srgbClr val="000000"/>
+                </a:solidFill>
+                <a:effectLst/>
+                <a:ea typeface="等线" panose="02010600030101010101" pitchFamily="2" charset="-122"/>
+              </a:rPr>
+              <a:t>。</a:t>
+            </a:r>
+            <a:endParaRPr lang="en-US" altLang="zh-CN" sz="2000" i="0" dirty="0">
               <a:solidFill>
-                <a:srgbClr val="121212"/>
+                <a:srgbClr val="000000"/>
               </a:solidFill>
-              <a:latin typeface="-apple-system"/>
+              <a:effectLst/>
+              <a:ea typeface="等线" panose="02010600030101010101" pitchFamily="2" charset="-122"/>
             </a:endParaRPr>
           </a:p>
           <a:p>
-            <a:pPr lvl="1"/>
-            <a:r>
-              <a:rPr lang="zh-CN" altLang="en-US" dirty="0">
-                <a:solidFill>
-                  <a:srgbClr val="121212"/>
-                </a:solidFill>
-                <a:latin typeface="-apple-system"/>
-              </a:rPr>
-              <a:t>我国芯片制造类公司如</a:t>
-            </a:r>
-            <a:r>
-              <a:rPr lang="zh-CN" altLang="en-US" dirty="0">
-                <a:latin typeface="-apple-system"/>
-                <a:hlinkClick r:id="rId3"/>
-              </a:rPr>
-              <a:t>中芯国际</a:t>
-            </a:r>
-            <a:r>
-              <a:rPr lang="zh-CN" altLang="en-US" dirty="0">
-                <a:solidFill>
-                  <a:srgbClr val="121212"/>
-                </a:solidFill>
-                <a:latin typeface="-apple-system"/>
-              </a:rPr>
-              <a:t>等，如要用到生产</a:t>
-            </a:r>
-            <a:r>
-              <a:rPr lang="en-US" altLang="zh-CN" dirty="0">
-                <a:solidFill>
-                  <a:srgbClr val="121212"/>
-                </a:solidFill>
-                <a:latin typeface="-apple-system"/>
-              </a:rPr>
-              <a:t>16nm</a:t>
-            </a:r>
-            <a:r>
-              <a:rPr lang="zh-CN" altLang="en-US" dirty="0">
-                <a:solidFill>
-                  <a:srgbClr val="121212"/>
-                </a:solidFill>
-                <a:latin typeface="-apple-system"/>
-              </a:rPr>
-              <a:t>制程及以下的芯片，购买的芯片制造设备中含有美国技术的，需要向美国申请许可证。</a:t>
-            </a:r>
-            <a:endParaRPr lang="en-US" altLang="zh-CN" dirty="0">
+            <a:r>
+              <a:rPr lang="zh-CN" altLang="en-US" sz="2000" b="0" i="0" dirty="0">
+                <a:solidFill>
+                  <a:srgbClr val="000000"/>
+                </a:solidFill>
+                <a:effectLst/>
+                <a:latin typeface="+mn-ea"/>
+              </a:rPr>
+              <a:t>中国台湾</a:t>
+            </a:r>
+            <a:r>
+              <a:rPr lang="en-US" altLang="zh-CN" sz="2000" b="0" i="0" dirty="0">
+                <a:solidFill>
+                  <a:srgbClr val="000000"/>
+                </a:solidFill>
+                <a:effectLst/>
+                <a:latin typeface="+mn-ea"/>
+              </a:rPr>
+              <a:t>IC</a:t>
+            </a:r>
+            <a:r>
+              <a:rPr lang="zh-CN" altLang="en-US" sz="2000" b="0" i="0" dirty="0">
+                <a:solidFill>
+                  <a:srgbClr val="000000"/>
+                </a:solidFill>
+                <a:effectLst/>
+                <a:latin typeface="+mn-ea"/>
+              </a:rPr>
+              <a:t>设计业以数字</a:t>
+            </a:r>
+            <a:r>
+              <a:rPr lang="en-US" altLang="zh-CN" sz="2000" b="0" i="0" dirty="0">
+                <a:solidFill>
+                  <a:srgbClr val="000000"/>
+                </a:solidFill>
+                <a:effectLst/>
+                <a:latin typeface="+mn-ea"/>
+              </a:rPr>
+              <a:t>IC</a:t>
+            </a:r>
+            <a:r>
+              <a:rPr lang="zh-CN" altLang="en-US" sz="2000" b="0" i="0" dirty="0">
+                <a:solidFill>
+                  <a:srgbClr val="000000"/>
+                </a:solidFill>
+                <a:effectLst/>
+                <a:latin typeface="+mn-ea"/>
+              </a:rPr>
+              <a:t>为主，全球市场占有率达</a:t>
+            </a:r>
+            <a:r>
+              <a:rPr lang="en-US" altLang="zh-CN" sz="2000" b="0" i="0" dirty="0">
+                <a:solidFill>
+                  <a:srgbClr val="000000"/>
+                </a:solidFill>
+                <a:effectLst/>
+                <a:latin typeface="+mn-ea"/>
+              </a:rPr>
+              <a:t>12%</a:t>
+            </a:r>
+            <a:r>
+              <a:rPr lang="zh-CN" altLang="en-US" sz="2000" b="0" i="0" dirty="0">
+                <a:solidFill>
+                  <a:srgbClr val="000000"/>
+                </a:solidFill>
+                <a:effectLst/>
+                <a:latin typeface="+mn-ea"/>
+              </a:rPr>
+              <a:t>。相比之下，中国台湾的模拟</a:t>
+            </a:r>
+            <a:r>
+              <a:rPr lang="en-US" altLang="zh-CN" sz="2000" b="0" i="0" dirty="0">
+                <a:solidFill>
+                  <a:srgbClr val="000000"/>
+                </a:solidFill>
+                <a:effectLst/>
+                <a:latin typeface="+mn-ea"/>
+              </a:rPr>
+              <a:t>IC</a:t>
+            </a:r>
+            <a:r>
+              <a:rPr lang="zh-CN" altLang="en-US" sz="2000" b="0" i="0" dirty="0">
+                <a:solidFill>
+                  <a:srgbClr val="000000"/>
+                </a:solidFill>
+                <a:effectLst/>
+                <a:latin typeface="+mn-ea"/>
+              </a:rPr>
+              <a:t>估计占全球市场的</a:t>
+            </a:r>
+            <a:r>
+              <a:rPr lang="en-US" altLang="zh-CN" sz="2000" b="0" i="0" dirty="0">
+                <a:solidFill>
+                  <a:srgbClr val="000000"/>
+                </a:solidFill>
+                <a:effectLst/>
+                <a:latin typeface="+mn-ea"/>
+              </a:rPr>
+              <a:t>5%</a:t>
+            </a:r>
+            <a:r>
+              <a:rPr lang="zh-CN" altLang="en-US" sz="2000" b="0" i="0" dirty="0">
+                <a:solidFill>
+                  <a:srgbClr val="000000"/>
+                </a:solidFill>
+                <a:effectLst/>
+                <a:latin typeface="+mn-ea"/>
+              </a:rPr>
+              <a:t>左右。与内存和分立元件一样，台湾地区在全球市场上的份额有限，份额不到 </a:t>
+            </a:r>
+            <a:r>
+              <a:rPr lang="en-US" altLang="zh-CN" sz="2000" b="0" i="0" dirty="0">
+                <a:solidFill>
+                  <a:srgbClr val="000000"/>
+                </a:solidFill>
+                <a:effectLst/>
+                <a:latin typeface="+mn-ea"/>
+              </a:rPr>
+              <a:t>2%</a:t>
+            </a:r>
+            <a:r>
+              <a:rPr lang="zh-CN" altLang="en-US" sz="2000" b="0" i="0" dirty="0">
+                <a:solidFill>
+                  <a:srgbClr val="000000"/>
+                </a:solidFill>
+                <a:effectLst/>
+                <a:latin typeface="+mn-ea"/>
+              </a:rPr>
+              <a:t>。</a:t>
+            </a:r>
+            <a:endParaRPr lang="en-US" altLang="zh-CN" sz="2000" b="0" i="0" dirty="0">
               <a:solidFill>
-                <a:srgbClr val="121212"/>
+                <a:srgbClr val="000000"/>
               </a:solidFill>
-              <a:latin typeface="-apple-system"/>
+              <a:effectLst/>
+              <a:latin typeface="+mn-ea"/>
             </a:endParaRPr>
           </a:p>
           <a:p>
-            <a:pPr lvl="1"/>
-            <a:r>
-              <a:rPr lang="en-US" altLang="zh-CN" dirty="0">
-                <a:solidFill>
-                  <a:srgbClr val="121212"/>
-                </a:solidFill>
-                <a:latin typeface="-apple-system"/>
-              </a:rPr>
-              <a:t>16nm</a:t>
-            </a:r>
-            <a:r>
-              <a:rPr lang="zh-CN" altLang="en-US" dirty="0">
-                <a:solidFill>
-                  <a:srgbClr val="121212"/>
-                </a:solidFill>
-                <a:latin typeface="-apple-system"/>
-              </a:rPr>
-              <a:t>以上及</a:t>
-            </a:r>
-            <a:r>
-              <a:rPr lang="en-US" altLang="zh-CN" dirty="0">
-                <a:solidFill>
-                  <a:srgbClr val="121212"/>
-                </a:solidFill>
-                <a:latin typeface="-apple-system"/>
-              </a:rPr>
-              <a:t>28nm</a:t>
-            </a:r>
-            <a:r>
-              <a:rPr lang="zh-CN" altLang="en-US" dirty="0">
-                <a:solidFill>
-                  <a:srgbClr val="121212"/>
-                </a:solidFill>
-                <a:latin typeface="-apple-system"/>
-              </a:rPr>
-              <a:t>芯片生产，设计，都无什么影响</a:t>
-            </a:r>
-            <a:endParaRPr lang="en-US" altLang="zh-CN" dirty="0">
-              <a:solidFill>
-                <a:srgbClr val="121212"/>
-              </a:solidFill>
-              <a:latin typeface="-apple-system"/>
+            <a:r>
+              <a:rPr lang="zh-CN" altLang="en-US" sz="1400" b="0" i="0" dirty="0">
+                <a:solidFill>
+                  <a:srgbClr val="000000"/>
+                </a:solidFill>
+                <a:effectLst/>
+                <a:latin typeface="Microsoft Yahei" panose="020B0503020204020204" pitchFamily="34" charset="-122"/>
+                <a:ea typeface="Microsoft Yahei" panose="020B0503020204020204" pitchFamily="34" charset="-122"/>
+              </a:rPr>
+              <a:t>从半导体产品的不同细分市场来看，美国在几个主要市场的市场份额仍然领先。高通、</a:t>
+            </a:r>
+            <a:r>
+              <a:rPr lang="en-US" altLang="zh-CN" sz="1400" b="0" i="0" dirty="0">
+                <a:solidFill>
+                  <a:srgbClr val="000000"/>
+                </a:solidFill>
+                <a:effectLst/>
+                <a:latin typeface="Microsoft Yahei" panose="020B0503020204020204" pitchFamily="34" charset="-122"/>
+                <a:ea typeface="Microsoft Yahei" panose="020B0503020204020204" pitchFamily="34" charset="-122"/>
+              </a:rPr>
+              <a:t>AMD</a:t>
+            </a:r>
+            <a:r>
+              <a:rPr lang="zh-CN" altLang="en-US" sz="1400" b="0" i="0" dirty="0">
+                <a:solidFill>
+                  <a:srgbClr val="000000"/>
+                </a:solidFill>
+                <a:effectLst/>
+                <a:latin typeface="Microsoft Yahei" panose="020B0503020204020204" pitchFamily="34" charset="-122"/>
+                <a:ea typeface="Microsoft Yahei" panose="020B0503020204020204" pitchFamily="34" charset="-122"/>
+              </a:rPr>
+              <a:t>、博通、英伟达和 </a:t>
+            </a:r>
+            <a:r>
+              <a:rPr lang="en-US" altLang="zh-CN" sz="1400" b="0" i="0" dirty="0">
+                <a:solidFill>
+                  <a:srgbClr val="000000"/>
+                </a:solidFill>
+                <a:effectLst/>
+                <a:latin typeface="Microsoft Yahei" panose="020B0503020204020204" pitchFamily="34" charset="-122"/>
+                <a:ea typeface="Microsoft Yahei" panose="020B0503020204020204" pitchFamily="34" charset="-122"/>
+              </a:rPr>
+              <a:t>Marvell </a:t>
+            </a:r>
+            <a:r>
+              <a:rPr lang="zh-CN" altLang="en-US" sz="1400" b="0" i="0" dirty="0">
+                <a:solidFill>
+                  <a:srgbClr val="000000"/>
+                </a:solidFill>
+                <a:effectLst/>
+                <a:latin typeface="Microsoft Yahei" panose="020B0503020204020204" pitchFamily="34" charset="-122"/>
+                <a:ea typeface="Microsoft Yahei" panose="020B0503020204020204" pitchFamily="34" charset="-122"/>
+              </a:rPr>
+              <a:t>等美国主要 </a:t>
+            </a:r>
+            <a:r>
+              <a:rPr lang="en-US" altLang="zh-CN" sz="1400" b="0" i="0" dirty="0">
+                <a:solidFill>
+                  <a:srgbClr val="000000"/>
+                </a:solidFill>
+                <a:effectLst/>
+                <a:latin typeface="Microsoft Yahei" panose="020B0503020204020204" pitchFamily="34" charset="-122"/>
+                <a:ea typeface="Microsoft Yahei" panose="020B0503020204020204" pitchFamily="34" charset="-122"/>
+              </a:rPr>
+              <a:t>IC </a:t>
+            </a:r>
+            <a:r>
+              <a:rPr lang="zh-CN" altLang="en-US" sz="1400" b="0" i="0" dirty="0">
+                <a:solidFill>
+                  <a:srgbClr val="000000"/>
+                </a:solidFill>
+                <a:effectLst/>
+                <a:latin typeface="Microsoft Yahei" panose="020B0503020204020204" pitchFamily="34" charset="-122"/>
+                <a:ea typeface="Microsoft Yahei" panose="020B0503020204020204" pitchFamily="34" charset="-122"/>
+              </a:rPr>
+              <a:t>设计公司是智能手机芯片、</a:t>
+            </a:r>
+            <a:r>
+              <a:rPr lang="en-US" altLang="zh-CN" sz="1400" b="0" i="0" dirty="0">
+                <a:solidFill>
+                  <a:srgbClr val="000000"/>
+                </a:solidFill>
+                <a:effectLst/>
+                <a:latin typeface="Microsoft Yahei" panose="020B0503020204020204" pitchFamily="34" charset="-122"/>
+                <a:ea typeface="Microsoft Yahei" panose="020B0503020204020204" pitchFamily="34" charset="-122"/>
+              </a:rPr>
+              <a:t>CPU</a:t>
+            </a:r>
+            <a:r>
+              <a:rPr lang="zh-CN" altLang="en-US" sz="1400" b="0" i="0" dirty="0">
+                <a:solidFill>
+                  <a:srgbClr val="000000"/>
+                </a:solidFill>
+                <a:effectLst/>
+                <a:latin typeface="Microsoft Yahei" panose="020B0503020204020204" pitchFamily="34" charset="-122"/>
+                <a:ea typeface="Microsoft Yahei" panose="020B0503020204020204" pitchFamily="34" charset="-122"/>
+              </a:rPr>
+              <a:t>、</a:t>
+            </a:r>
+            <a:r>
+              <a:rPr lang="en-US" altLang="zh-CN" sz="1400" b="0" i="0" dirty="0">
+                <a:solidFill>
+                  <a:srgbClr val="000000"/>
+                </a:solidFill>
+                <a:effectLst/>
+                <a:latin typeface="Microsoft Yahei" panose="020B0503020204020204" pitchFamily="34" charset="-122"/>
+                <a:ea typeface="Microsoft Yahei" panose="020B0503020204020204" pitchFamily="34" charset="-122"/>
+              </a:rPr>
+              <a:t>GPU </a:t>
+            </a:r>
+            <a:r>
+              <a:rPr lang="zh-CN" altLang="en-US" sz="1400" b="0" i="0" dirty="0">
+                <a:solidFill>
+                  <a:srgbClr val="000000"/>
+                </a:solidFill>
+                <a:effectLst/>
+                <a:latin typeface="Microsoft Yahei" panose="020B0503020204020204" pitchFamily="34" charset="-122"/>
+                <a:ea typeface="Microsoft Yahei" panose="020B0503020204020204" pitchFamily="34" charset="-122"/>
+              </a:rPr>
+              <a:t>和网络芯片领域的全球领导者。这使他们在与系统架构相关的微处理器</a:t>
+            </a:r>
+            <a:r>
+              <a:rPr lang="en-US" altLang="zh-CN" sz="1400" b="0" i="0" dirty="0">
+                <a:solidFill>
+                  <a:srgbClr val="000000"/>
+                </a:solidFill>
+                <a:effectLst/>
+                <a:latin typeface="Microsoft Yahei" panose="020B0503020204020204" pitchFamily="34" charset="-122"/>
+                <a:ea typeface="Microsoft Yahei" panose="020B0503020204020204" pitchFamily="34" charset="-122"/>
+              </a:rPr>
+              <a:t>/SoC </a:t>
+            </a:r>
+            <a:r>
+              <a:rPr lang="zh-CN" altLang="en-US" sz="1400" b="0" i="0" dirty="0">
+                <a:solidFill>
+                  <a:srgbClr val="000000"/>
+                </a:solidFill>
+                <a:effectLst/>
+                <a:latin typeface="Microsoft Yahei" panose="020B0503020204020204" pitchFamily="34" charset="-122"/>
+                <a:ea typeface="Microsoft Yahei" panose="020B0503020204020204" pitchFamily="34" charset="-122"/>
+              </a:rPr>
+              <a:t>中占据了主导地位。</a:t>
+            </a:r>
+            <a:endParaRPr lang="zh-CN" altLang="en-US" sz="2000" dirty="0">
+              <a:latin typeface="+mn-ea"/>
             </a:endParaRPr>
-          </a:p>
-          <a:p>
-            <a:pPr lvl="1"/>
-            <a:endParaRPr lang="zh-CN" altLang="en-US" dirty="0"/>
           </a:p>
         </p:txBody>
       </p:sp>
     </p:spTree>
     <p:extLst>
       <p:ext uri="{BB962C8B-B14F-4D97-AF65-F5344CB8AC3E}">
-        <p14:creationId xmlns:p14="http://schemas.microsoft.com/office/powerpoint/2010/main" val="2297320895"/>
+        <p14:creationId xmlns:p14="http://schemas.microsoft.com/office/powerpoint/2010/main" val="2289678418"/>
       </p:ext>
     </p:extLst>
   </p:cSld>
@@ -5580,7 +7419,7 @@
           <p:cNvPr id="2" name="标题 1">
             <a:extLst>
               <a:ext uri="{FF2B5EF4-FFF2-40B4-BE49-F238E27FC236}">
-                <a16:creationId xmlns:a16="http://schemas.microsoft.com/office/drawing/2014/main" id="{9B331DDC-2D88-1A1C-A00C-22B4E7B9E5EB}"/>
+                <a16:creationId xmlns:a16="http://schemas.microsoft.com/office/drawing/2014/main" id="{0A55BE32-06A6-4E06-2499-6EF55A6A49E2}"/>
               </a:ext>
             </a:extLst>
           </p:cNvPr>
@@ -5597,9 +7436,591 @@
           <a:lstStyle/>
           <a:p>
             <a:r>
-              <a:rPr lang="en-US" altLang="zh-CN" dirty="0"/>
-              <a:t>Realtek</a:t>
-            </a:r>
+              <a:rPr lang="zh-CN" altLang="en-US" dirty="0"/>
+              <a:t>瑞昱产品线概览</a:t>
+            </a:r>
+          </a:p>
+        </p:txBody>
+      </p:sp>
+      <p:sp>
+        <p:nvSpPr>
+          <p:cNvPr id="3" name="内容占位符 2">
+            <a:extLst>
+              <a:ext uri="{FF2B5EF4-FFF2-40B4-BE49-F238E27FC236}">
+                <a16:creationId xmlns:a16="http://schemas.microsoft.com/office/drawing/2014/main" id="{88213330-483C-1815-97CC-756C058DFAC9}"/>
+              </a:ext>
+            </a:extLst>
+          </p:cNvPr>
+          <p:cNvSpPr>
+            <a:spLocks noGrp="1"/>
+          </p:cNvSpPr>
+          <p:nvPr>
+            <p:ph idx="1"/>
+          </p:nvPr>
+        </p:nvSpPr>
+        <p:spPr/>
+        <p:txBody>
+          <a:bodyPr>
+            <a:normAutofit lnSpcReduction="10000"/>
+          </a:bodyPr>
+          <a:lstStyle/>
+          <a:p>
+            <a:r>
+              <a:rPr lang="zh-CN" altLang="en-US" dirty="0"/>
+              <a:t>音频编解码</a:t>
+            </a:r>
+            <a:endParaRPr lang="en-US" altLang="zh-CN" dirty="0"/>
+          </a:p>
+          <a:p>
+            <a:pPr lvl="1"/>
+            <a:r>
+              <a:rPr lang="zh-CN" altLang="en-US" b="0" i="0" dirty="0">
+                <a:solidFill>
+                  <a:srgbClr val="31424E"/>
+                </a:solidFill>
+                <a:effectLst/>
+                <a:latin typeface="PingFangSC-Regular"/>
+              </a:rPr>
+              <a:t>瑞昱作为音频编解码芯片龙头业者</a:t>
+            </a:r>
+            <a:r>
+              <a:rPr lang="en-US" altLang="zh-CN" b="0" i="0" dirty="0">
+                <a:solidFill>
+                  <a:srgbClr val="31424E"/>
+                </a:solidFill>
+                <a:effectLst/>
+                <a:latin typeface="PingFangSC-Regular"/>
+              </a:rPr>
+              <a:t>,</a:t>
+            </a:r>
+            <a:r>
+              <a:rPr lang="zh-CN" altLang="en-US" b="0" i="0" dirty="0">
+                <a:solidFill>
+                  <a:srgbClr val="31424E"/>
+                </a:solidFill>
+                <a:effectLst/>
+                <a:latin typeface="PingFangSC-Regular"/>
+              </a:rPr>
+              <a:t>市占超过</a:t>
+            </a:r>
+            <a:r>
+              <a:rPr lang="en-US" altLang="zh-CN" b="0" i="0" dirty="0">
+                <a:solidFill>
+                  <a:srgbClr val="31424E"/>
+                </a:solidFill>
+                <a:effectLst/>
+                <a:latin typeface="PingFangSC-Regular"/>
+              </a:rPr>
+              <a:t>5</a:t>
+            </a:r>
+            <a:r>
+              <a:rPr lang="zh-CN" altLang="en-US" b="0" i="0" dirty="0">
+                <a:solidFill>
+                  <a:srgbClr val="31424E"/>
+                </a:solidFill>
+                <a:effectLst/>
+                <a:latin typeface="PingFangSC-Regular"/>
+              </a:rPr>
+              <a:t>成</a:t>
+            </a:r>
+            <a:r>
+              <a:rPr lang="en-US" altLang="zh-CN" b="0" i="0" dirty="0">
+                <a:solidFill>
+                  <a:srgbClr val="31424E"/>
+                </a:solidFill>
+                <a:effectLst/>
+                <a:latin typeface="PingFangSC-Regular"/>
+              </a:rPr>
+              <a:t>,</a:t>
+            </a:r>
+            <a:r>
+              <a:rPr lang="zh-CN" altLang="en-US" b="0" i="0" dirty="0">
+                <a:solidFill>
+                  <a:srgbClr val="31424E"/>
+                </a:solidFill>
+                <a:effectLst/>
+                <a:latin typeface="PingFangSC-Regular"/>
+              </a:rPr>
+              <a:t>布局涵盖</a:t>
+            </a:r>
+            <a:r>
+              <a:rPr lang="en-US" altLang="zh-CN" b="0" i="0" dirty="0">
+                <a:solidFill>
+                  <a:srgbClr val="31424E"/>
+                </a:solidFill>
+                <a:effectLst/>
+                <a:latin typeface="PingFangSC-Regular"/>
+              </a:rPr>
+              <a:t>PC</a:t>
+            </a:r>
+            <a:r>
+              <a:rPr lang="zh-CN" altLang="en-US" b="0" i="0" dirty="0">
+                <a:solidFill>
+                  <a:srgbClr val="31424E"/>
+                </a:solidFill>
+                <a:effectLst/>
+                <a:latin typeface="PingFangSC-Regular"/>
+              </a:rPr>
+              <a:t>、笔电等领域</a:t>
+            </a:r>
+            <a:r>
+              <a:rPr lang="en-US" altLang="zh-CN" b="0" i="0" dirty="0">
+                <a:solidFill>
+                  <a:srgbClr val="31424E"/>
+                </a:solidFill>
+                <a:effectLst/>
+                <a:latin typeface="PingFangSC-Regular"/>
+              </a:rPr>
+              <a:t>,</a:t>
+            </a:r>
+          </a:p>
+          <a:p>
+            <a:pPr lvl="1"/>
+            <a:r>
+              <a:rPr lang="zh-CN" altLang="en-US" b="0" i="0" dirty="0">
+                <a:solidFill>
+                  <a:srgbClr val="31424E"/>
+                </a:solidFill>
+                <a:effectLst/>
+                <a:latin typeface="PingFangSC-Regular"/>
+              </a:rPr>
+              <a:t>瑞昱自</a:t>
+            </a:r>
+            <a:r>
+              <a:rPr lang="en-US" altLang="zh-CN" b="0" i="0" dirty="0">
+                <a:solidFill>
+                  <a:srgbClr val="31424E"/>
+                </a:solidFill>
+                <a:effectLst/>
+                <a:latin typeface="PingFangSC-Regular"/>
+              </a:rPr>
+              <a:t>20</a:t>
+            </a:r>
+            <a:r>
+              <a:rPr lang="zh-CN" altLang="en-US" b="0" i="0" dirty="0">
+                <a:solidFill>
+                  <a:srgbClr val="31424E"/>
+                </a:solidFill>
+                <a:effectLst/>
+                <a:latin typeface="PingFangSC-Regular"/>
+              </a:rPr>
+              <a:t>年第三季以来</a:t>
+            </a:r>
+            <a:r>
+              <a:rPr lang="en-US" altLang="zh-CN" b="0" i="0" dirty="0">
+                <a:solidFill>
+                  <a:srgbClr val="31424E"/>
+                </a:solidFill>
+                <a:effectLst/>
+                <a:latin typeface="PingFangSC-Regular"/>
+              </a:rPr>
+              <a:t>,</a:t>
+            </a:r>
+            <a:r>
+              <a:rPr lang="zh-CN" altLang="en-US" b="0" i="0" dirty="0">
+                <a:solidFill>
+                  <a:srgbClr val="31424E"/>
+                </a:solidFill>
+                <a:effectLst/>
+                <a:latin typeface="PingFangSC-Regular"/>
+              </a:rPr>
+              <a:t>受到晶圆、封测产能紧张</a:t>
+            </a:r>
+            <a:r>
+              <a:rPr lang="en-US" altLang="zh-CN" b="0" i="0" dirty="0">
+                <a:solidFill>
+                  <a:srgbClr val="31424E"/>
+                </a:solidFill>
+                <a:effectLst/>
+                <a:latin typeface="PingFangSC-Regular"/>
+              </a:rPr>
+              <a:t>,</a:t>
+            </a:r>
+            <a:r>
+              <a:rPr lang="zh-CN" altLang="en-US" b="0" i="0" dirty="0">
+                <a:solidFill>
+                  <a:srgbClr val="31424E"/>
+                </a:solidFill>
+                <a:effectLst/>
+                <a:latin typeface="PingFangSC-Regular"/>
+              </a:rPr>
+              <a:t>内部订定供货顺序</a:t>
+            </a:r>
+            <a:r>
+              <a:rPr lang="en-US" altLang="zh-CN" b="0" i="0" dirty="0">
+                <a:solidFill>
+                  <a:srgbClr val="31424E"/>
+                </a:solidFill>
+                <a:effectLst/>
+                <a:latin typeface="PingFangSC-Regular"/>
+              </a:rPr>
+              <a:t>,</a:t>
+            </a:r>
+            <a:r>
+              <a:rPr lang="zh-CN" altLang="en-US" b="0" i="0" dirty="0">
+                <a:solidFill>
+                  <a:srgbClr val="31424E"/>
+                </a:solidFill>
+                <a:effectLst/>
+                <a:latin typeface="PingFangSC-Regular"/>
+              </a:rPr>
+              <a:t>依照各产品线、客户情况调配产能</a:t>
+            </a:r>
+            <a:r>
+              <a:rPr lang="en-US" altLang="zh-CN" b="0" i="0" dirty="0">
+                <a:solidFill>
+                  <a:srgbClr val="31424E"/>
+                </a:solidFill>
+                <a:effectLst/>
+                <a:latin typeface="PingFangSC-Regular"/>
+              </a:rPr>
+              <a:t>,</a:t>
+            </a:r>
+            <a:r>
+              <a:rPr lang="zh-CN" altLang="en-US" b="0" i="0" dirty="0">
+                <a:solidFill>
+                  <a:srgbClr val="31424E"/>
+                </a:solidFill>
+                <a:effectLst/>
+                <a:latin typeface="PingFangSC-Regular"/>
+              </a:rPr>
+              <a:t>音频编解码芯片尽管搭上笔电出货潮</a:t>
+            </a:r>
+            <a:r>
+              <a:rPr lang="en-US" altLang="zh-CN" b="0" i="0" dirty="0">
+                <a:solidFill>
+                  <a:srgbClr val="31424E"/>
+                </a:solidFill>
+                <a:effectLst/>
+                <a:latin typeface="PingFangSC-Regular"/>
+              </a:rPr>
+              <a:t>,</a:t>
+            </a:r>
+            <a:r>
+              <a:rPr lang="zh-CN" altLang="en-US" b="0" i="0" dirty="0">
+                <a:solidFill>
+                  <a:srgbClr val="31424E"/>
+                </a:solidFill>
+                <a:effectLst/>
+                <a:latin typeface="PingFangSC-Regular"/>
+              </a:rPr>
+              <a:t>但已不在前五大产品线上</a:t>
+            </a:r>
+            <a:r>
+              <a:rPr lang="en-US" altLang="zh-CN" b="0" i="0" dirty="0">
+                <a:solidFill>
+                  <a:srgbClr val="31424E"/>
+                </a:solidFill>
+                <a:effectLst/>
+                <a:latin typeface="PingFangSC-Regular"/>
+              </a:rPr>
+              <a:t>,</a:t>
+            </a:r>
+            <a:r>
+              <a:rPr lang="zh-CN" altLang="en-US" b="0" i="0" dirty="0">
+                <a:solidFill>
+                  <a:srgbClr val="31424E"/>
+                </a:solidFill>
+                <a:effectLst/>
+                <a:latin typeface="PingFangSC-Regular"/>
+              </a:rPr>
+              <a:t>因此出现排挤效应。</a:t>
+            </a:r>
+            <a:endParaRPr lang="en-US" altLang="zh-CN" b="0" i="0" dirty="0">
+              <a:solidFill>
+                <a:srgbClr val="31424E"/>
+              </a:solidFill>
+              <a:effectLst/>
+              <a:latin typeface="PingFangSC-Regular"/>
+            </a:endParaRPr>
+          </a:p>
+          <a:p>
+            <a:pPr lvl="1"/>
+            <a:r>
+              <a:rPr lang="zh-CN" altLang="en-US" b="0" i="0" dirty="0">
+                <a:solidFill>
+                  <a:srgbClr val="31424E"/>
+                </a:solidFill>
+                <a:effectLst/>
+                <a:latin typeface="PingFangSC-Regular"/>
+              </a:rPr>
+              <a:t>个人</a:t>
+            </a:r>
+            <a:r>
+              <a:rPr lang="en-US" altLang="zh-CN" b="0" i="0" dirty="0">
+                <a:solidFill>
+                  <a:srgbClr val="31424E"/>
+                </a:solidFill>
+                <a:effectLst/>
+                <a:latin typeface="PingFangSC-Regular"/>
+              </a:rPr>
+              <a:t>PC</a:t>
+            </a:r>
+            <a:r>
+              <a:rPr lang="zh-CN" altLang="en-US" b="0" i="0" dirty="0">
+                <a:solidFill>
+                  <a:srgbClr val="31424E"/>
+                </a:solidFill>
+                <a:effectLst/>
+                <a:latin typeface="PingFangSC-Regular"/>
+              </a:rPr>
+              <a:t>市场方面，近日，</a:t>
+            </a:r>
+            <a:r>
+              <a:rPr lang="en-US" altLang="zh-CN" b="0" i="0" dirty="0">
+                <a:solidFill>
+                  <a:srgbClr val="FF0000"/>
+                </a:solidFill>
+                <a:effectLst/>
+                <a:latin typeface="PingFangSC-Regular"/>
+              </a:rPr>
+              <a:t>IDC</a:t>
+            </a:r>
+            <a:r>
+              <a:rPr lang="zh-CN" altLang="en-US" b="0" i="0" dirty="0">
+                <a:solidFill>
+                  <a:srgbClr val="31424E"/>
+                </a:solidFill>
+                <a:effectLst/>
+                <a:latin typeface="PingFangSC-Regular"/>
+              </a:rPr>
+              <a:t>公布全球个人计算设备季度追踪初步结果显示，继二季度市场收缩</a:t>
+            </a:r>
+            <a:r>
+              <a:rPr lang="en-US" altLang="zh-CN" b="0" i="0" dirty="0">
+                <a:solidFill>
+                  <a:srgbClr val="31424E"/>
+                </a:solidFill>
+                <a:effectLst/>
+                <a:latin typeface="PingFangSC-Regular"/>
+              </a:rPr>
+              <a:t>15</a:t>
+            </a:r>
+            <a:r>
+              <a:rPr lang="zh-CN" altLang="en-US" b="0" i="0" dirty="0">
+                <a:solidFill>
+                  <a:srgbClr val="31424E"/>
+                </a:solidFill>
+                <a:effectLst/>
+                <a:latin typeface="PingFangSC-Regular"/>
+              </a:rPr>
+              <a:t>．</a:t>
+            </a:r>
+            <a:r>
+              <a:rPr lang="en-US" altLang="zh-CN" b="0" i="0" dirty="0">
+                <a:solidFill>
+                  <a:srgbClr val="31424E"/>
+                </a:solidFill>
+                <a:effectLst/>
+                <a:latin typeface="PingFangSC-Regular"/>
+              </a:rPr>
+              <a:t>3</a:t>
+            </a:r>
+            <a:r>
+              <a:rPr lang="zh-CN" altLang="en-US" b="0" i="0" dirty="0">
+                <a:solidFill>
+                  <a:srgbClr val="31424E"/>
+                </a:solidFill>
+                <a:effectLst/>
+                <a:latin typeface="PingFangSC-Regular"/>
+              </a:rPr>
+              <a:t>％后，三季度全球</a:t>
+            </a:r>
+            <a:r>
+              <a:rPr lang="en-US" altLang="zh-CN" b="0" i="0" dirty="0">
+                <a:solidFill>
+                  <a:srgbClr val="31424E"/>
+                </a:solidFill>
+                <a:effectLst/>
+                <a:latin typeface="PingFangSC-Regular"/>
+              </a:rPr>
+              <a:t>PC</a:t>
+            </a:r>
+            <a:r>
+              <a:rPr lang="zh-CN" altLang="en-US" b="0" i="0" dirty="0">
+                <a:solidFill>
+                  <a:srgbClr val="31424E"/>
+                </a:solidFill>
+                <a:effectLst/>
+                <a:latin typeface="PingFangSC-Regular"/>
+              </a:rPr>
+              <a:t>发货量再度同比收缩</a:t>
+            </a:r>
+            <a:r>
+              <a:rPr lang="en-US" altLang="zh-CN" b="0" i="0" dirty="0">
+                <a:solidFill>
+                  <a:srgbClr val="31424E"/>
+                </a:solidFill>
+                <a:effectLst/>
+                <a:latin typeface="PingFangSC-Regular"/>
+              </a:rPr>
+              <a:t>15</a:t>
+            </a:r>
+            <a:r>
+              <a:rPr lang="zh-CN" altLang="en-US" b="0" i="0" dirty="0">
+                <a:solidFill>
+                  <a:srgbClr val="31424E"/>
+                </a:solidFill>
+                <a:effectLst/>
+                <a:latin typeface="PingFangSC-Regular"/>
+              </a:rPr>
+              <a:t>．</a:t>
+            </a:r>
+            <a:r>
+              <a:rPr lang="en-US" altLang="zh-CN" b="0" i="0" dirty="0">
+                <a:solidFill>
+                  <a:srgbClr val="31424E"/>
+                </a:solidFill>
+                <a:effectLst/>
+                <a:latin typeface="PingFangSC-Regular"/>
+              </a:rPr>
+              <a:t>0</a:t>
+            </a:r>
+            <a:r>
+              <a:rPr lang="zh-CN" altLang="en-US" b="0" i="0" dirty="0">
+                <a:solidFill>
+                  <a:srgbClr val="31424E"/>
+                </a:solidFill>
+                <a:effectLst/>
+                <a:latin typeface="PingFangSC-Regular"/>
+              </a:rPr>
+              <a:t>％至</a:t>
+            </a:r>
+            <a:r>
+              <a:rPr lang="en-US" altLang="zh-CN" b="0" i="0" dirty="0">
+                <a:solidFill>
+                  <a:srgbClr val="31424E"/>
+                </a:solidFill>
+                <a:effectLst/>
+                <a:latin typeface="PingFangSC-Regular"/>
+              </a:rPr>
+              <a:t>7420</a:t>
+            </a:r>
+            <a:r>
+              <a:rPr lang="zh-CN" altLang="en-US" b="0" i="0" dirty="0">
+                <a:solidFill>
+                  <a:srgbClr val="31424E"/>
+                </a:solidFill>
+                <a:effectLst/>
+                <a:latin typeface="PingFangSC-Regular"/>
+              </a:rPr>
+              <a:t>万台。业内普遍估计，市场要到</a:t>
+            </a:r>
+            <a:r>
+              <a:rPr lang="en-US" altLang="zh-CN" b="0" i="0" dirty="0">
+                <a:solidFill>
+                  <a:srgbClr val="31424E"/>
+                </a:solidFill>
+                <a:effectLst/>
+                <a:latin typeface="PingFangSC-Regular"/>
+              </a:rPr>
+              <a:t>2023</a:t>
+            </a:r>
+            <a:r>
+              <a:rPr lang="zh-CN" altLang="en-US" b="0" i="0" dirty="0">
+                <a:solidFill>
+                  <a:srgbClr val="31424E"/>
+                </a:solidFill>
+                <a:effectLst/>
+                <a:latin typeface="PingFangSC-Regular"/>
+              </a:rPr>
+              <a:t>年第二季度才会稳定下来。美国一级品牌商指出，他们的库存仍为两个月。</a:t>
+            </a:r>
+            <a:endParaRPr lang="en-US" altLang="zh-CN" b="0" i="0" dirty="0">
+              <a:solidFill>
+                <a:srgbClr val="31424E"/>
+              </a:solidFill>
+              <a:effectLst/>
+              <a:latin typeface="PingFangSC-Regular"/>
+            </a:endParaRPr>
+          </a:p>
+          <a:p>
+            <a:pPr lvl="1"/>
+            <a:r>
+              <a:rPr lang="zh-CN" altLang="en-US" b="0" i="0" dirty="0">
+                <a:solidFill>
+                  <a:srgbClr val="31424E"/>
+                </a:solidFill>
+                <a:effectLst/>
+                <a:latin typeface="PingFangSC-Regular"/>
+              </a:rPr>
+              <a:t>从产品线来说，以太网芯片受到</a:t>
+            </a:r>
+            <a:r>
+              <a:rPr lang="en-US" altLang="zh-CN" b="0" i="0" dirty="0">
+                <a:solidFill>
+                  <a:srgbClr val="31424E"/>
+                </a:solidFill>
+                <a:effectLst/>
+                <a:latin typeface="PingFangSC-Regular"/>
+              </a:rPr>
+              <a:t>PC</a:t>
+            </a:r>
+            <a:r>
+              <a:rPr lang="zh-CN" altLang="en-US" b="0" i="0" dirty="0">
+                <a:solidFill>
+                  <a:srgbClr val="31424E"/>
+                </a:solidFill>
+                <a:effectLst/>
+                <a:latin typeface="PingFangSC-Regular"/>
+              </a:rPr>
+              <a:t>产品大幅下滑，消费性电子需求疲软，第三季销售明显下降。瑞昱预期高库存水位会持续到今年底，明年才会开始逐步往下降并恢复到正常水位</a:t>
+            </a:r>
+            <a:endParaRPr lang="zh-CN" altLang="en-US" dirty="0"/>
+          </a:p>
+        </p:txBody>
+      </p:sp>
+    </p:spTree>
+    <p:extLst>
+      <p:ext uri="{BB962C8B-B14F-4D97-AF65-F5344CB8AC3E}">
+        <p14:creationId xmlns:p14="http://schemas.microsoft.com/office/powerpoint/2010/main" val="3077496882"/>
+      </p:ext>
+    </p:extLst>
+  </p:cSld>
+  <p:clrMapOvr>
+    <a:masterClrMapping/>
+  </p:clrMapOvr>
+</p:sld>
+</file>
+
+<file path=ppt/slides/slide6.xml><?xml version="1.0" encoding="utf-8"?>
+<p:sld xmlns:a="http://schemas.openxmlformats.org/drawingml/2006/main" xmlns:r="http://schemas.openxmlformats.org/officeDocument/2006/relationships" xmlns:p="http://schemas.openxmlformats.org/presentationml/2006/main">
+  <p:cSld>
+    <p:spTree>
+      <p:nvGrpSpPr>
+        <p:cNvPr id="1" name=""/>
+        <p:cNvGrpSpPr/>
+        <p:nvPr/>
+      </p:nvGrpSpPr>
+      <p:grpSpPr>
+        <a:xfrm>
+          <a:off x="0" y="0"/>
+          <a:ext cx="0" cy="0"/>
+          <a:chOff x="0" y="0"/>
+          <a:chExt cx="0" cy="0"/>
+        </a:xfrm>
+      </p:grpSpPr>
+      <p:sp>
+        <p:nvSpPr>
+          <p:cNvPr id="2" name="标题 1">
+            <a:extLst>
+              <a:ext uri="{FF2B5EF4-FFF2-40B4-BE49-F238E27FC236}">
+                <a16:creationId xmlns:a16="http://schemas.microsoft.com/office/drawing/2014/main" id="{9B331DDC-2D88-1A1C-A00C-22B4E7B9E5EB}"/>
+              </a:ext>
+            </a:extLst>
+          </p:cNvPr>
+          <p:cNvSpPr>
+            <a:spLocks noGrp="1"/>
+          </p:cNvSpPr>
+          <p:nvPr>
+            <p:ph type="title"/>
+          </p:nvPr>
+        </p:nvSpPr>
+        <p:spPr/>
+        <p:txBody>
+          <a:bodyPr/>
+          <a:lstStyle/>
+          <a:p>
             <a:r>
               <a:rPr lang="zh-CN" altLang="en-US" dirty="0"/>
               <a:t>不同产品线的收入占比</a:t>
@@ -5635,8 +8056,8 @@
         </p:blipFill>
         <p:spPr>
           <a:xfrm>
-            <a:off x="8237548" y="578687"/>
-            <a:ext cx="3954452" cy="3776725"/>
+            <a:off x="5455233" y="1580841"/>
+            <a:ext cx="2710757" cy="2588926"/>
           </a:xfrm>
           <a:prstGeom prst="rect">
             <a:avLst/>
@@ -5803,188 +8224,6 @@
 </p:sld>
 </file>
 
-<file path=ppt/slides/slide6.xml><?xml version="1.0" encoding="utf-8"?>
-<p:sld xmlns:a="http://schemas.openxmlformats.org/drawingml/2006/main" xmlns:r="http://schemas.openxmlformats.org/officeDocument/2006/relationships" xmlns:p="http://schemas.openxmlformats.org/presentationml/2006/main">
-  <p:cSld>
-    <p:spTree>
-      <p:nvGrpSpPr>
-        <p:cNvPr id="1" name=""/>
-        <p:cNvGrpSpPr/>
-        <p:nvPr/>
-      </p:nvGrpSpPr>
-      <p:grpSpPr>
-        <a:xfrm>
-          <a:off x="0" y="0"/>
-          <a:ext cx="0" cy="0"/>
-          <a:chOff x="0" y="0"/>
-          <a:chExt cx="0" cy="0"/>
-        </a:xfrm>
-      </p:grpSpPr>
-      <p:sp>
-        <p:nvSpPr>
-          <p:cNvPr id="2" name="标题 1">
-            <a:extLst>
-              <a:ext uri="{FF2B5EF4-FFF2-40B4-BE49-F238E27FC236}">
-                <a16:creationId xmlns:a16="http://schemas.microsoft.com/office/drawing/2014/main" id="{5D91B373-4DA1-3F20-B3B7-5C29897E4235}"/>
-              </a:ext>
-            </a:extLst>
-          </p:cNvPr>
-          <p:cNvSpPr>
-            <a:spLocks noGrp="1"/>
-          </p:cNvSpPr>
-          <p:nvPr>
-            <p:ph type="title"/>
-          </p:nvPr>
-        </p:nvSpPr>
-        <p:spPr/>
-        <p:txBody>
-          <a:bodyPr/>
-          <a:lstStyle/>
-          <a:p>
-            <a:r>
-              <a:rPr lang="en-US" altLang="zh-CN" dirty="0"/>
-              <a:t>TWS </a:t>
-            </a:r>
-            <a:r>
-              <a:rPr lang="zh-CN" altLang="en-US" dirty="0"/>
-              <a:t>产品线</a:t>
-            </a:r>
-          </a:p>
-        </p:txBody>
-      </p:sp>
-      <p:sp>
-        <p:nvSpPr>
-          <p:cNvPr id="3" name="内容占位符 2">
-            <a:extLst>
-              <a:ext uri="{FF2B5EF4-FFF2-40B4-BE49-F238E27FC236}">
-                <a16:creationId xmlns:a16="http://schemas.microsoft.com/office/drawing/2014/main" id="{3D774364-BA90-57E4-D0F4-B02A8A6B9241}"/>
-              </a:ext>
-            </a:extLst>
-          </p:cNvPr>
-          <p:cNvSpPr>
-            <a:spLocks noGrp="1"/>
-          </p:cNvSpPr>
-          <p:nvPr>
-            <p:ph idx="1"/>
-          </p:nvPr>
-        </p:nvSpPr>
-        <p:spPr>
-          <a:xfrm>
-            <a:off x="838200" y="1825625"/>
-            <a:ext cx="5257800" cy="4351338"/>
-          </a:xfrm>
-        </p:spPr>
-        <p:txBody>
-          <a:bodyPr/>
-          <a:lstStyle/>
-          <a:p>
-            <a:endParaRPr lang="zh-CN" altLang="en-US" dirty="0"/>
-          </a:p>
-        </p:txBody>
-      </p:sp>
-      <p:grpSp>
-        <p:nvGrpSpPr>
-          <p:cNvPr id="7" name="组合 6">
-            <a:extLst>
-              <a:ext uri="{FF2B5EF4-FFF2-40B4-BE49-F238E27FC236}">
-                <a16:creationId xmlns:a16="http://schemas.microsoft.com/office/drawing/2014/main" id="{A6011B77-515C-D91E-A597-D97F210696CC}"/>
-              </a:ext>
-            </a:extLst>
-          </p:cNvPr>
-          <p:cNvGrpSpPr/>
-          <p:nvPr/>
-        </p:nvGrpSpPr>
-        <p:grpSpPr>
-          <a:xfrm>
-            <a:off x="8010161" y="0"/>
-            <a:ext cx="4181839" cy="2920416"/>
-            <a:chOff x="8010161" y="0"/>
-            <a:chExt cx="4181839" cy="2920416"/>
-          </a:xfrm>
-        </p:grpSpPr>
-        <p:pic>
-          <p:nvPicPr>
-            <p:cNvPr id="5" name="图片 4">
-              <a:extLst>
-                <a:ext uri="{FF2B5EF4-FFF2-40B4-BE49-F238E27FC236}">
-                  <a16:creationId xmlns:a16="http://schemas.microsoft.com/office/drawing/2014/main" id="{E67B22C9-2271-A175-18A0-73AEC5BDF838}"/>
-                </a:ext>
-              </a:extLst>
-            </p:cNvPr>
-            <p:cNvPicPr>
-              <a:picLocks noChangeAspect="1"/>
-            </p:cNvPicPr>
-            <p:nvPr/>
-          </p:nvPicPr>
-          <p:blipFill>
-            <a:blip r:embed="rId2"/>
-            <a:stretch>
-              <a:fillRect/>
-            </a:stretch>
-          </p:blipFill>
-          <p:spPr>
-            <a:xfrm>
-              <a:off x="8010161" y="0"/>
-              <a:ext cx="4181839" cy="2920416"/>
-            </a:xfrm>
-            <a:prstGeom prst="rect">
-              <a:avLst/>
-            </a:prstGeom>
-          </p:spPr>
-        </p:pic>
-        <p:sp>
-          <p:nvSpPr>
-            <p:cNvPr id="6" name="文本框 5">
-              <a:extLst>
-                <a:ext uri="{FF2B5EF4-FFF2-40B4-BE49-F238E27FC236}">
-                  <a16:creationId xmlns:a16="http://schemas.microsoft.com/office/drawing/2014/main" id="{8690658D-582E-6C77-8BB3-5B921AD620A1}"/>
-                </a:ext>
-              </a:extLst>
-            </p:cNvPr>
-            <p:cNvSpPr txBox="1"/>
-            <p:nvPr/>
-          </p:nvSpPr>
-          <p:spPr>
-            <a:xfrm>
-              <a:off x="8010161" y="2612639"/>
-              <a:ext cx="1452642" cy="307777"/>
-            </a:xfrm>
-            <a:prstGeom prst="rect">
-              <a:avLst/>
-            </a:prstGeom>
-            <a:noFill/>
-          </p:spPr>
-          <p:txBody>
-            <a:bodyPr wrap="none" rtlCol="0">
-              <a:spAutoFit/>
-            </a:bodyPr>
-            <a:lstStyle/>
-            <a:p>
-              <a:r>
-                <a:rPr lang="en-US" altLang="zh-CN" sz="1400" b="1" dirty="0"/>
-                <a:t>TWS</a:t>
-              </a:r>
-              <a:r>
-                <a:rPr lang="zh-CN" altLang="en-US" sz="1400" b="1" dirty="0"/>
-                <a:t>出货量对比</a:t>
-              </a:r>
-            </a:p>
-          </p:txBody>
-        </p:sp>
-      </p:grpSp>
-    </p:spTree>
-    <p:extLst>
-      <p:ext uri="{BB962C8B-B14F-4D97-AF65-F5344CB8AC3E}">
-        <p14:creationId xmlns:p14="http://schemas.microsoft.com/office/powerpoint/2010/main" val="4057805692"/>
-      </p:ext>
-    </p:extLst>
-  </p:cSld>
-  <p:clrMapOvr>
-    <a:masterClrMapping/>
-  </p:clrMapOvr>
-</p:sld>
-</file>
-
 <file path=ppt/slides/slide7.xml><?xml version="1.0" encoding="utf-8"?>
 <p:sld xmlns:a="http://schemas.openxmlformats.org/drawingml/2006/main" xmlns:r="http://schemas.openxmlformats.org/officeDocument/2006/relationships" xmlns:p="http://schemas.openxmlformats.org/presentationml/2006/main">
   <p:cSld>
@@ -6007,7 +8246,7 @@
           <p:cNvPr id="2" name="标题 1">
             <a:extLst>
               <a:ext uri="{FF2B5EF4-FFF2-40B4-BE49-F238E27FC236}">
-                <a16:creationId xmlns:a16="http://schemas.microsoft.com/office/drawing/2014/main" id="{44E17A92-7DFE-AE61-0EAC-74B408C896D5}"/>
+                <a16:creationId xmlns:a16="http://schemas.microsoft.com/office/drawing/2014/main" id="{9F503F54-AB57-4AFF-2C4B-5AA15A1392C1}"/>
               </a:ext>
             </a:extLst>
           </p:cNvPr>
@@ -6025,7 +8264,7 @@
           <a:p>
             <a:r>
               <a:rPr lang="zh-CN" altLang="en-US" dirty="0"/>
-              <a:t>零散信息</a:t>
+              <a:t>相关产品线情况</a:t>
             </a:r>
           </a:p>
         </p:txBody>
@@ -6035,7 +8274,7 @@
           <p:cNvPr id="3" name="内容占位符 2">
             <a:extLst>
               <a:ext uri="{FF2B5EF4-FFF2-40B4-BE49-F238E27FC236}">
-                <a16:creationId xmlns:a16="http://schemas.microsoft.com/office/drawing/2014/main" id="{EF88DD60-AB20-4D76-39B7-7B1C8BF99697}"/>
+                <a16:creationId xmlns:a16="http://schemas.microsoft.com/office/drawing/2014/main" id="{6A3F4699-1CB3-6603-26C3-D86811A06FEB}"/>
               </a:ext>
             </a:extLst>
           </p:cNvPr>
@@ -6048,573 +8287,170 @@
         </p:nvSpPr>
         <p:spPr/>
         <p:txBody>
-          <a:bodyPr>
-            <a:normAutofit/>
-          </a:bodyPr>
+          <a:bodyPr/>
           <a:lstStyle/>
           <a:p>
             <a:r>
-              <a:rPr lang="en-US" altLang="zh-CN" sz="1400" dirty="0">
-                <a:solidFill>
-                  <a:srgbClr val="333333"/>
-                </a:solidFill>
-                <a:latin typeface="Microsoft yahei" panose="020B0503020204020204" pitchFamily="34" charset="-122"/>
-                <a:ea typeface="Microsoft yahei" panose="020B0503020204020204" pitchFamily="34" charset="-122"/>
-              </a:rPr>
-              <a:t>18</a:t>
-            </a:r>
-            <a:r>
-              <a:rPr lang="zh-CN" altLang="en-US" sz="1400" dirty="0">
-                <a:solidFill>
-                  <a:srgbClr val="333333"/>
-                </a:solidFill>
-                <a:latin typeface="Microsoft yahei" panose="020B0503020204020204" pitchFamily="34" charset="-122"/>
-                <a:ea typeface="Microsoft yahei" panose="020B0503020204020204" pitchFamily="34" charset="-122"/>
-              </a:rPr>
-              <a:t>年：瑞昱为国内网通芯片大厂，若依去年产品营收比重而言，</a:t>
-            </a:r>
-            <a:r>
-              <a:rPr lang="en-US" altLang="zh-CN" sz="1400" dirty="0">
-                <a:solidFill>
-                  <a:srgbClr val="333333"/>
-                </a:solidFill>
-                <a:latin typeface="Microsoft yahei" panose="020B0503020204020204" pitchFamily="34" charset="-122"/>
-                <a:ea typeface="Microsoft yahei" panose="020B0503020204020204" pitchFamily="34" charset="-122"/>
-              </a:rPr>
+              <a:rPr lang="zh-CN" altLang="en-US" dirty="0"/>
+              <a:t>音频编解码器</a:t>
+            </a:r>
+            <a:endParaRPr lang="en-US" altLang="zh-CN" dirty="0"/>
+          </a:p>
+          <a:p>
+            <a:pPr lvl="1"/>
+            <a:r>
+              <a:rPr lang="en-US" altLang="zh-CN" dirty="0"/>
               <a:t>PC</a:t>
             </a:r>
             <a:r>
-              <a:rPr lang="zh-CN" altLang="en-US" sz="1400" dirty="0">
-                <a:solidFill>
-                  <a:srgbClr val="333333"/>
-                </a:solidFill>
-                <a:latin typeface="Microsoft yahei" panose="020B0503020204020204" pitchFamily="34" charset="-122"/>
-                <a:ea typeface="Microsoft yahei" panose="020B0503020204020204" pitchFamily="34" charset="-122"/>
-              </a:rPr>
-              <a:t>相关约占</a:t>
-            </a:r>
-            <a:r>
-              <a:rPr lang="en-US" altLang="zh-CN" sz="1400" dirty="0">
-                <a:solidFill>
-                  <a:srgbClr val="333333"/>
-                </a:solidFill>
-                <a:latin typeface="Microsoft yahei" panose="020B0503020204020204" pitchFamily="34" charset="-122"/>
-                <a:ea typeface="Microsoft yahei" panose="020B0503020204020204" pitchFamily="34" charset="-122"/>
-              </a:rPr>
-              <a:t>30~35%</a:t>
-            </a:r>
-            <a:r>
-              <a:rPr lang="zh-CN" altLang="en-US" sz="1400" dirty="0">
-                <a:solidFill>
-                  <a:srgbClr val="333333"/>
-                </a:solidFill>
-                <a:latin typeface="Microsoft yahei" panose="020B0503020204020204" pitchFamily="34" charset="-122"/>
-                <a:ea typeface="Microsoft yahei" panose="020B0503020204020204" pitchFamily="34" charset="-122"/>
-              </a:rPr>
-              <a:t>、非</a:t>
-            </a:r>
-            <a:r>
-              <a:rPr lang="en-US" altLang="zh-CN" sz="1400" dirty="0">
-                <a:solidFill>
-                  <a:srgbClr val="333333"/>
-                </a:solidFill>
-                <a:latin typeface="Microsoft yahei" panose="020B0503020204020204" pitchFamily="34" charset="-122"/>
-                <a:ea typeface="Microsoft yahei" panose="020B0503020204020204" pitchFamily="34" charset="-122"/>
-              </a:rPr>
+              <a:rPr lang="zh-CN" altLang="en-US" dirty="0"/>
+              <a:t>音频</a:t>
+            </a:r>
+            <a:endParaRPr lang="en-US" altLang="zh-CN" dirty="0"/>
+          </a:p>
+          <a:p>
+            <a:pPr lvl="2"/>
+            <a:r>
+              <a:rPr lang="zh-CN" altLang="en-US" dirty="0"/>
+              <a:t>销量占比：</a:t>
+            </a:r>
+            <a:r>
+              <a:rPr lang="en-US" altLang="zh-CN" dirty="0"/>
+              <a:t>20</a:t>
+            </a:r>
+            <a:r>
+              <a:rPr lang="zh-CN" altLang="en-US" dirty="0"/>
+              <a:t>年</a:t>
+            </a:r>
+            <a:r>
+              <a:rPr lang="en-US" altLang="zh-CN" dirty="0"/>
+              <a:t>2%</a:t>
+            </a:r>
+            <a:r>
+              <a:rPr lang="zh-CN" altLang="en-US" dirty="0"/>
+              <a:t>，</a:t>
+            </a:r>
+            <a:r>
+              <a:rPr lang="en-US" altLang="zh-CN" dirty="0"/>
+              <a:t>21</a:t>
+            </a:r>
+            <a:r>
+              <a:rPr lang="zh-CN" altLang="en-US" dirty="0"/>
+              <a:t>年</a:t>
+            </a:r>
+            <a:r>
+              <a:rPr lang="en-US" altLang="zh-CN" dirty="0"/>
+              <a:t>3%</a:t>
+            </a:r>
+          </a:p>
+          <a:p>
+            <a:pPr lvl="2"/>
+            <a:r>
+              <a:rPr lang="zh-CN" altLang="en-US" dirty="0"/>
+              <a:t>竞争对手：</a:t>
+            </a:r>
+            <a:r>
+              <a:rPr lang="en-US" altLang="zh-CN" dirty="0"/>
+              <a:t>Cirrus Logic(10%)</a:t>
+            </a:r>
+            <a:r>
+              <a:rPr lang="zh-CN" altLang="en-US" dirty="0"/>
+              <a:t>、</a:t>
+            </a:r>
+            <a:r>
+              <a:rPr lang="en-US" altLang="zh-CN" dirty="0"/>
+              <a:t>Tempo-Semi (10%) </a:t>
+            </a:r>
+            <a:r>
+              <a:rPr lang="zh-CN" altLang="en-US" dirty="0"/>
+              <a:t>、</a:t>
+            </a:r>
+            <a:r>
+              <a:rPr lang="en-US" altLang="zh-CN" dirty="0"/>
+              <a:t>NXP (5%) </a:t>
+            </a:r>
+            <a:r>
+              <a:rPr lang="zh-CN" altLang="en-US" dirty="0"/>
+              <a:t>、</a:t>
+            </a:r>
+            <a:r>
+              <a:rPr lang="en-US" altLang="zh-CN" dirty="0"/>
+              <a:t>ADI (5%)</a:t>
+            </a:r>
+          </a:p>
+          <a:p>
+            <a:pPr lvl="1"/>
+            <a:r>
+              <a:rPr lang="zh-CN" altLang="en-US" dirty="0"/>
+              <a:t>消费类音频</a:t>
+            </a:r>
+            <a:endParaRPr lang="en-US" altLang="zh-CN" dirty="0"/>
+          </a:p>
+          <a:p>
+            <a:pPr lvl="1"/>
+            <a:endParaRPr lang="en-US" altLang="zh-CN" dirty="0"/>
+          </a:p>
+          <a:p>
+            <a:pPr lvl="1"/>
+            <a:r>
+              <a:rPr lang="zh-CN" altLang="en-US" dirty="0"/>
+              <a:t>应用产品：</a:t>
+            </a:r>
+            <a:endParaRPr lang="en-US" altLang="zh-CN" dirty="0"/>
+          </a:p>
+          <a:p>
+            <a:pPr lvl="2"/>
+            <a:r>
+              <a:rPr lang="en-US" altLang="zh-CN" dirty="0"/>
+              <a:t>TV</a:t>
+            </a:r>
+            <a:r>
+              <a:rPr lang="zh-CN" altLang="en-US" dirty="0"/>
+              <a:t>：中国厂商占据了 </a:t>
+            </a:r>
+            <a:r>
+              <a:rPr lang="en-US" altLang="zh-CN" dirty="0"/>
+              <a:t>50%</a:t>
+            </a:r>
+            <a:r>
+              <a:rPr lang="zh-CN" altLang="en-US" dirty="0"/>
+              <a:t>以上的份额，联发科电视芯片市占率处于全球第一的位置，份额大约在 </a:t>
+            </a:r>
+            <a:r>
+              <a:rPr lang="en-US" altLang="zh-CN" dirty="0"/>
+              <a:t>50%</a:t>
+            </a:r>
+            <a:r>
+              <a:rPr lang="zh-CN" altLang="en-US" dirty="0"/>
+              <a:t>左右、</a:t>
+            </a:r>
+            <a:r>
+              <a:rPr lang="en-US" altLang="zh-CN" dirty="0"/>
               <a:t>PC</a:t>
             </a:r>
             <a:r>
-              <a:rPr lang="zh-CN" altLang="en-US" sz="1400" dirty="0">
-                <a:solidFill>
-                  <a:srgbClr val="333333"/>
-                </a:solidFill>
-                <a:latin typeface="Microsoft yahei" panose="020B0503020204020204" pitchFamily="34" charset="-122"/>
-                <a:ea typeface="Microsoft yahei" panose="020B0503020204020204" pitchFamily="34" charset="-122"/>
-              </a:rPr>
-              <a:t>相关约占</a:t>
-            </a:r>
-            <a:r>
-              <a:rPr lang="en-US" altLang="zh-CN" sz="1400" dirty="0">
-                <a:solidFill>
-                  <a:srgbClr val="333333"/>
-                </a:solidFill>
-                <a:latin typeface="Microsoft yahei" panose="020B0503020204020204" pitchFamily="34" charset="-122"/>
-                <a:ea typeface="Microsoft yahei" panose="020B0503020204020204" pitchFamily="34" charset="-122"/>
-              </a:rPr>
-              <a:t>65~70%</a:t>
-            </a:r>
-            <a:r>
-              <a:rPr lang="zh-CN" altLang="en-US" sz="1400" dirty="0">
-                <a:solidFill>
-                  <a:srgbClr val="333333"/>
-                </a:solidFill>
-                <a:latin typeface="Microsoft yahei" panose="020B0503020204020204" pitchFamily="34" charset="-122"/>
-                <a:ea typeface="Microsoft yahei" panose="020B0503020204020204" pitchFamily="34" charset="-122"/>
-              </a:rPr>
-              <a:t>。</a:t>
-            </a:r>
-            <a:endParaRPr lang="en-US" altLang="zh-CN" sz="1400" dirty="0">
-              <a:solidFill>
-                <a:srgbClr val="333333"/>
-              </a:solidFill>
-              <a:latin typeface="Microsoft yahei" panose="020B0503020204020204" pitchFamily="34" charset="-122"/>
-              <a:ea typeface="Microsoft yahei" panose="020B0503020204020204" pitchFamily="34" charset="-122"/>
-            </a:endParaRPr>
-          </a:p>
-          <a:p>
-            <a:r>
-              <a:rPr lang="zh-CN" altLang="en-US" sz="1400" dirty="0">
-                <a:solidFill>
-                  <a:srgbClr val="333333"/>
-                </a:solidFill>
-                <a:latin typeface="Microsoft yahei" panose="020B0503020204020204" pitchFamily="34" charset="-122"/>
-                <a:ea typeface="Microsoft yahei" panose="020B0503020204020204" pitchFamily="34" charset="-122"/>
-              </a:rPr>
-              <a:t>非</a:t>
-            </a:r>
-            <a:r>
-              <a:rPr lang="en-US" altLang="zh-CN" sz="1400" dirty="0">
-                <a:solidFill>
-                  <a:srgbClr val="333333"/>
-                </a:solidFill>
-                <a:latin typeface="Microsoft yahei" panose="020B0503020204020204" pitchFamily="34" charset="-122"/>
-                <a:ea typeface="Microsoft yahei" panose="020B0503020204020204" pitchFamily="34" charset="-122"/>
-              </a:rPr>
-              <a:t>PC</a:t>
-            </a:r>
-            <a:r>
-              <a:rPr lang="zh-CN" altLang="en-US" sz="1400" dirty="0">
-                <a:solidFill>
-                  <a:srgbClr val="333333"/>
-                </a:solidFill>
-                <a:latin typeface="Microsoft yahei" panose="020B0503020204020204" pitchFamily="34" charset="-122"/>
-                <a:ea typeface="Microsoft yahei" panose="020B0503020204020204" pitchFamily="34" charset="-122"/>
-              </a:rPr>
-              <a:t>相关，主要包含网通与多媒体产品。网通产品包含</a:t>
-            </a:r>
-            <a:r>
-              <a:rPr lang="en-US" altLang="zh-CN" sz="1400" dirty="0" err="1">
-                <a:solidFill>
-                  <a:srgbClr val="333333"/>
-                </a:solidFill>
-                <a:latin typeface="Microsoft yahei" panose="020B0503020204020204" pitchFamily="34" charset="-122"/>
-                <a:ea typeface="Microsoft yahei" panose="020B0503020204020204" pitchFamily="34" charset="-122"/>
-              </a:rPr>
-              <a:t>WiFi</a:t>
-            </a:r>
-            <a:r>
-              <a:rPr lang="zh-CN" altLang="en-US" sz="1400" dirty="0">
-                <a:solidFill>
-                  <a:srgbClr val="333333"/>
-                </a:solidFill>
-                <a:latin typeface="Microsoft yahei" panose="020B0503020204020204" pitchFamily="34" charset="-122"/>
-                <a:ea typeface="Microsoft yahei" panose="020B0503020204020204" pitchFamily="34" charset="-122"/>
-              </a:rPr>
-              <a:t>芯片、以太网络 </a:t>
-            </a:r>
-            <a:r>
-              <a:rPr lang="en-US" altLang="zh-CN" sz="1400" dirty="0">
-                <a:solidFill>
-                  <a:srgbClr val="333333"/>
-                </a:solidFill>
-                <a:latin typeface="Microsoft yahei" panose="020B0503020204020204" pitchFamily="34" charset="-122"/>
-                <a:ea typeface="Microsoft yahei" panose="020B0503020204020204" pitchFamily="34" charset="-122"/>
-              </a:rPr>
-              <a:t>(Ethernet)</a:t>
-            </a:r>
-            <a:r>
-              <a:rPr lang="zh-CN" altLang="en-US" sz="1400" dirty="0">
-                <a:solidFill>
-                  <a:srgbClr val="333333"/>
-                </a:solidFill>
-                <a:latin typeface="Microsoft yahei" panose="020B0503020204020204" pitchFamily="34" charset="-122"/>
-                <a:ea typeface="Microsoft yahei" panose="020B0503020204020204" pitchFamily="34" charset="-122"/>
-              </a:rPr>
-              <a:t>芯片、宽频接取设备芯片、</a:t>
-            </a:r>
-            <a:r>
-              <a:rPr lang="en-US" altLang="zh-CN" sz="1400" dirty="0">
-                <a:solidFill>
-                  <a:srgbClr val="333333"/>
-                </a:solidFill>
-                <a:latin typeface="Microsoft yahei" panose="020B0503020204020204" pitchFamily="34" charset="-122"/>
-                <a:ea typeface="Microsoft yahei" panose="020B0503020204020204" pitchFamily="34" charset="-122"/>
-              </a:rPr>
-              <a:t>Gateway</a:t>
-            </a:r>
-            <a:r>
-              <a:rPr lang="zh-CN" altLang="en-US" sz="1400" dirty="0">
-                <a:solidFill>
-                  <a:srgbClr val="333333"/>
-                </a:solidFill>
-                <a:latin typeface="Microsoft yahei" panose="020B0503020204020204" pitchFamily="34" charset="-122"/>
-                <a:ea typeface="Microsoft yahei" panose="020B0503020204020204" pitchFamily="34" charset="-122"/>
-              </a:rPr>
-              <a:t>控制芯片、</a:t>
-            </a:r>
-            <a:r>
-              <a:rPr lang="en-US" altLang="zh-CN" sz="1400" dirty="0">
-                <a:solidFill>
-                  <a:srgbClr val="333333"/>
-                </a:solidFill>
-                <a:latin typeface="Microsoft yahei" panose="020B0503020204020204" pitchFamily="34" charset="-122"/>
-                <a:ea typeface="Microsoft yahei" panose="020B0503020204020204" pitchFamily="34" charset="-122"/>
-              </a:rPr>
-              <a:t>Switch</a:t>
-            </a:r>
-            <a:r>
-              <a:rPr lang="zh-CN" altLang="en-US" sz="1400" dirty="0">
-                <a:solidFill>
-                  <a:srgbClr val="333333"/>
-                </a:solidFill>
-                <a:latin typeface="Microsoft yahei" panose="020B0503020204020204" pitchFamily="34" charset="-122"/>
-                <a:ea typeface="Microsoft yahei" panose="020B0503020204020204" pitchFamily="34" charset="-122"/>
-              </a:rPr>
-              <a:t>控制芯片等，占瑞昱整体营收比重逾半。</a:t>
-            </a:r>
-            <a:endParaRPr lang="en-US" altLang="zh-CN" sz="1400" dirty="0">
-              <a:solidFill>
-                <a:srgbClr val="333333"/>
-              </a:solidFill>
-              <a:latin typeface="Microsoft yahei" panose="020B0503020204020204" pitchFamily="34" charset="-122"/>
-              <a:ea typeface="Microsoft yahei" panose="020B0503020204020204" pitchFamily="34" charset="-122"/>
-            </a:endParaRPr>
-          </a:p>
-          <a:p>
-            <a:endParaRPr lang="en-US" altLang="zh-CN" sz="1400" dirty="0">
-              <a:solidFill>
-                <a:srgbClr val="333333"/>
-              </a:solidFill>
-              <a:latin typeface="Microsoft yahei" panose="020B0503020204020204" pitchFamily="34" charset="-122"/>
-              <a:ea typeface="Microsoft yahei" panose="020B0503020204020204" pitchFamily="34" charset="-122"/>
-            </a:endParaRPr>
-          </a:p>
-          <a:p>
-            <a:r>
-              <a:rPr lang="zh-CN" altLang="en-US" sz="1400" dirty="0">
-                <a:solidFill>
-                  <a:srgbClr val="333333"/>
-                </a:solidFill>
-                <a:latin typeface="Microsoft yahei" panose="020B0503020204020204" pitchFamily="34" charset="-122"/>
-                <a:ea typeface="Microsoft yahei" panose="020B0503020204020204" pitchFamily="34" charset="-122"/>
-              </a:rPr>
-              <a:t>由于瑞昱部分</a:t>
-            </a:r>
-            <a:r>
-              <a:rPr lang="en-US" altLang="zh-CN" sz="1400" dirty="0" err="1">
-                <a:solidFill>
-                  <a:srgbClr val="333333"/>
-                </a:solidFill>
-                <a:latin typeface="Microsoft yahei" panose="020B0503020204020204" pitchFamily="34" charset="-122"/>
-                <a:ea typeface="Microsoft yahei" panose="020B0503020204020204" pitchFamily="34" charset="-122"/>
-              </a:rPr>
-              <a:t>WiFi</a:t>
-            </a:r>
-            <a:r>
-              <a:rPr lang="zh-CN" altLang="en-US" sz="1400" dirty="0">
-                <a:solidFill>
-                  <a:srgbClr val="333333"/>
-                </a:solidFill>
-                <a:latin typeface="Microsoft yahei" panose="020B0503020204020204" pitchFamily="34" charset="-122"/>
-                <a:ea typeface="Microsoft yahei" panose="020B0503020204020204" pitchFamily="34" charset="-122"/>
-              </a:rPr>
-              <a:t>芯片</a:t>
-            </a:r>
-            <a:r>
-              <a:rPr lang="zh-CN" altLang="en-US" sz="1400" dirty="0">
-                <a:solidFill>
-                  <a:srgbClr val="FF0000"/>
-                </a:solidFill>
-                <a:latin typeface="Microsoft yahei" panose="020B0503020204020204" pitchFamily="34" charset="-122"/>
-                <a:ea typeface="Microsoft yahei" panose="020B0503020204020204" pitchFamily="34" charset="-122"/>
-              </a:rPr>
-              <a:t>有用到美国厂商的</a:t>
-            </a:r>
-            <a:r>
-              <a:rPr lang="en-US" altLang="zh-CN" sz="1400" dirty="0">
-                <a:solidFill>
-                  <a:srgbClr val="FF0000"/>
-                </a:solidFill>
-                <a:latin typeface="Microsoft yahei" panose="020B0503020204020204" pitchFamily="34" charset="-122"/>
-                <a:ea typeface="Microsoft yahei" panose="020B0503020204020204" pitchFamily="34" charset="-122"/>
-              </a:rPr>
-              <a:t>IP</a:t>
-            </a:r>
-            <a:r>
-              <a:rPr lang="zh-CN" altLang="en-US" sz="1400" dirty="0">
-                <a:solidFill>
-                  <a:srgbClr val="333333"/>
-                </a:solidFill>
-                <a:latin typeface="Microsoft yahei" panose="020B0503020204020204" pitchFamily="34" charset="-122"/>
-                <a:ea typeface="Microsoft yahei" panose="020B0503020204020204" pitchFamily="34" charset="-122"/>
-              </a:rPr>
-              <a:t>，因此客户中兴可能在美国禁售令延烧下，影响到瑞昱的芯片出货量，对此瑞昱表示，目前</a:t>
-            </a:r>
-            <a:r>
-              <a:rPr lang="en-US" altLang="zh-CN" sz="1400" dirty="0">
-                <a:solidFill>
-                  <a:srgbClr val="333333"/>
-                </a:solidFill>
-                <a:latin typeface="Microsoft yahei" panose="020B0503020204020204" pitchFamily="34" charset="-122"/>
-                <a:ea typeface="Microsoft yahei" panose="020B0503020204020204" pitchFamily="34" charset="-122"/>
-              </a:rPr>
-              <a:t>4</a:t>
-            </a:r>
-            <a:r>
-              <a:rPr lang="zh-CN" altLang="en-US" sz="1400" dirty="0">
-                <a:solidFill>
-                  <a:srgbClr val="333333"/>
-                </a:solidFill>
-                <a:latin typeface="Microsoft yahei" panose="020B0503020204020204" pitchFamily="34" charset="-122"/>
-                <a:ea typeface="Microsoft yahei" panose="020B0503020204020204" pitchFamily="34" charset="-122"/>
-              </a:rPr>
-              <a:t>、 </a:t>
-            </a:r>
-            <a:r>
-              <a:rPr lang="en-US" altLang="zh-CN" sz="1400" dirty="0">
-                <a:solidFill>
-                  <a:srgbClr val="333333"/>
-                </a:solidFill>
-                <a:latin typeface="Microsoft yahei" panose="020B0503020204020204" pitchFamily="34" charset="-122"/>
-                <a:ea typeface="Microsoft yahei" panose="020B0503020204020204" pitchFamily="34" charset="-122"/>
-              </a:rPr>
-              <a:t>5</a:t>
-            </a:r>
-            <a:r>
-              <a:rPr lang="zh-CN" altLang="en-US" sz="1400" dirty="0">
-                <a:solidFill>
-                  <a:srgbClr val="333333"/>
-                </a:solidFill>
-                <a:latin typeface="Microsoft yahei" panose="020B0503020204020204" pitchFamily="34" charset="-122"/>
-                <a:ea typeface="Microsoft yahei" panose="020B0503020204020204" pitchFamily="34" charset="-122"/>
-              </a:rPr>
-              <a:t>月看起来第</a:t>
-            </a:r>
-            <a:r>
-              <a:rPr lang="en-US" altLang="zh-CN" sz="1400" dirty="0">
-                <a:solidFill>
-                  <a:srgbClr val="333333"/>
-                </a:solidFill>
-                <a:latin typeface="Microsoft yahei" panose="020B0503020204020204" pitchFamily="34" charset="-122"/>
-                <a:ea typeface="Microsoft yahei" panose="020B0503020204020204" pitchFamily="34" charset="-122"/>
-              </a:rPr>
-              <a:t>1</a:t>
-            </a:r>
-            <a:r>
-              <a:rPr lang="zh-CN" altLang="en-US" sz="1400" dirty="0">
-                <a:solidFill>
-                  <a:srgbClr val="333333"/>
-                </a:solidFill>
-                <a:latin typeface="Microsoft yahei" panose="020B0503020204020204" pitchFamily="34" charset="-122"/>
-                <a:ea typeface="Microsoft yahei" panose="020B0503020204020204" pitchFamily="34" charset="-122"/>
-              </a:rPr>
-              <a:t>季动能仍延续，</a:t>
-            </a:r>
-            <a:r>
-              <a:rPr lang="en-US" altLang="zh-CN" sz="1400" dirty="0">
-                <a:solidFill>
-                  <a:srgbClr val="333333"/>
-                </a:solidFill>
-                <a:latin typeface="Microsoft yahei" panose="020B0503020204020204" pitchFamily="34" charset="-122"/>
-                <a:ea typeface="Microsoft yahei" panose="020B0503020204020204" pitchFamily="34" charset="-122"/>
-              </a:rPr>
-              <a:t>6</a:t>
-            </a:r>
-            <a:r>
-              <a:rPr lang="zh-CN" altLang="en-US" sz="1400" dirty="0">
-                <a:solidFill>
-                  <a:srgbClr val="333333"/>
-                </a:solidFill>
-                <a:latin typeface="Microsoft yahei" panose="020B0503020204020204" pitchFamily="34" charset="-122"/>
-                <a:ea typeface="Microsoft yahei" panose="020B0503020204020204" pitchFamily="34" charset="-122"/>
-              </a:rPr>
-              <a:t>月须持续观察禁售令的政策。</a:t>
-            </a:r>
-            <a:endParaRPr lang="en-US" altLang="zh-CN" sz="1400" dirty="0">
-              <a:solidFill>
-                <a:srgbClr val="333333"/>
-              </a:solidFill>
-              <a:latin typeface="Microsoft yahei" panose="020B0503020204020204" pitchFamily="34" charset="-122"/>
-              <a:ea typeface="Microsoft yahei" panose="020B0503020204020204" pitchFamily="34" charset="-122"/>
-            </a:endParaRPr>
-          </a:p>
-          <a:p>
-            <a:endParaRPr lang="en-US" altLang="zh-CN" sz="1400" dirty="0">
-              <a:solidFill>
-                <a:srgbClr val="333333"/>
-              </a:solidFill>
-              <a:latin typeface="Microsoft yahei" panose="020B0503020204020204" pitchFamily="34" charset="-122"/>
-              <a:ea typeface="Microsoft yahei" panose="020B0503020204020204" pitchFamily="34" charset="-122"/>
-            </a:endParaRPr>
-          </a:p>
-          <a:p>
-            <a:r>
-              <a:rPr lang="en-US" altLang="zh-CN" sz="1400" dirty="0">
-                <a:solidFill>
-                  <a:srgbClr val="333333"/>
-                </a:solidFill>
-                <a:latin typeface="Microsoft yahei" panose="020B0503020204020204" pitchFamily="34" charset="-122"/>
-                <a:ea typeface="Microsoft yahei" panose="020B0503020204020204" pitchFamily="34" charset="-122"/>
-              </a:rPr>
-              <a:t>2018:</a:t>
-            </a:r>
-            <a:r>
-              <a:rPr lang="zh-CN" altLang="en-US" sz="1400" dirty="0">
-                <a:solidFill>
-                  <a:srgbClr val="333333"/>
-                </a:solidFill>
-                <a:latin typeface="Microsoft yahei" panose="020B0503020204020204" pitchFamily="34" charset="-122"/>
-                <a:ea typeface="Microsoft yahei" panose="020B0503020204020204" pitchFamily="34" charset="-122"/>
-              </a:rPr>
-              <a:t>在</a:t>
-            </a:r>
-            <a:r>
-              <a:rPr lang="en-US" altLang="zh-CN" sz="1400" dirty="0">
-                <a:solidFill>
-                  <a:srgbClr val="333333"/>
-                </a:solidFill>
-                <a:latin typeface="Microsoft yahei" panose="020B0503020204020204" pitchFamily="34" charset="-122"/>
-                <a:ea typeface="Microsoft yahei" panose="020B0503020204020204" pitchFamily="34" charset="-122"/>
-              </a:rPr>
-              <a:t>PC</a:t>
-            </a:r>
-            <a:r>
-              <a:rPr lang="zh-CN" altLang="en-US" sz="1400" dirty="0">
-                <a:solidFill>
-                  <a:srgbClr val="333333"/>
-                </a:solidFill>
-                <a:latin typeface="Microsoft yahei" panose="020B0503020204020204" pitchFamily="34" charset="-122"/>
-                <a:ea typeface="Microsoft yahei" panose="020B0503020204020204" pitchFamily="34" charset="-122"/>
-              </a:rPr>
-              <a:t>相关产品部分，主要包含</a:t>
-            </a:r>
-            <a:r>
-              <a:rPr lang="en-US" altLang="zh-CN" sz="1400" dirty="0">
-                <a:solidFill>
-                  <a:srgbClr val="333333"/>
-                </a:solidFill>
-                <a:latin typeface="Microsoft yahei" panose="020B0503020204020204" pitchFamily="34" charset="-122"/>
-                <a:ea typeface="Microsoft yahei" panose="020B0503020204020204" pitchFamily="34" charset="-122"/>
-              </a:rPr>
-              <a:t>Audio codec (</a:t>
-            </a:r>
-            <a:r>
-              <a:rPr lang="zh-CN" altLang="en-US" sz="1400" dirty="0">
-                <a:solidFill>
-                  <a:srgbClr val="333333"/>
-                </a:solidFill>
-                <a:latin typeface="Microsoft yahei" panose="020B0503020204020204" pitchFamily="34" charset="-122"/>
-                <a:ea typeface="Microsoft yahei" panose="020B0503020204020204" pitchFamily="34" charset="-122"/>
-              </a:rPr>
-              <a:t>音频编解码器</a:t>
-            </a:r>
-            <a:r>
-              <a:rPr lang="en-US" altLang="zh-CN" sz="1400" dirty="0">
-                <a:solidFill>
-                  <a:srgbClr val="333333"/>
-                </a:solidFill>
-                <a:latin typeface="Microsoft yahei" panose="020B0503020204020204" pitchFamily="34" charset="-122"/>
-                <a:ea typeface="Microsoft yahei" panose="020B0503020204020204" pitchFamily="34" charset="-122"/>
-              </a:rPr>
-              <a:t>)</a:t>
-            </a:r>
-            <a:r>
-              <a:rPr lang="zh-CN" altLang="en-US" sz="1400" dirty="0">
-                <a:solidFill>
-                  <a:srgbClr val="333333"/>
-                </a:solidFill>
-                <a:latin typeface="Microsoft yahei" panose="020B0503020204020204" pitchFamily="34" charset="-122"/>
-                <a:ea typeface="Microsoft yahei" panose="020B0503020204020204" pitchFamily="34" charset="-122"/>
-              </a:rPr>
-              <a:t>、</a:t>
-            </a:r>
-            <a:r>
-              <a:rPr lang="en-US" altLang="zh-CN" sz="1400" dirty="0">
-                <a:solidFill>
-                  <a:srgbClr val="333333"/>
-                </a:solidFill>
-                <a:latin typeface="Microsoft yahei" panose="020B0503020204020204" pitchFamily="34" charset="-122"/>
-                <a:ea typeface="Microsoft yahei" panose="020B0503020204020204" pitchFamily="34" charset="-122"/>
-              </a:rPr>
-              <a:t>PC cam</a:t>
-            </a:r>
-            <a:r>
-              <a:rPr lang="zh-CN" altLang="en-US" sz="1400" dirty="0">
-                <a:solidFill>
-                  <a:srgbClr val="333333"/>
-                </a:solidFill>
-                <a:latin typeface="Microsoft yahei" panose="020B0503020204020204" pitchFamily="34" charset="-122"/>
-                <a:ea typeface="Microsoft yahei" panose="020B0503020204020204" pitchFamily="34" charset="-122"/>
-              </a:rPr>
-              <a:t>等相关芯片。去年</a:t>
-            </a:r>
-            <a:r>
-              <a:rPr lang="en-US" altLang="zh-CN" sz="1400" dirty="0">
-                <a:solidFill>
-                  <a:srgbClr val="333333"/>
-                </a:solidFill>
-                <a:latin typeface="Microsoft yahei" panose="020B0503020204020204" pitchFamily="34" charset="-122"/>
-                <a:ea typeface="Microsoft yahei" panose="020B0503020204020204" pitchFamily="34" charset="-122"/>
-              </a:rPr>
-              <a:t>Audio</a:t>
-            </a:r>
-            <a:r>
-              <a:rPr lang="zh-CN" altLang="en-US" sz="1400" dirty="0">
-                <a:solidFill>
-                  <a:srgbClr val="333333"/>
-                </a:solidFill>
-                <a:latin typeface="Microsoft yahei" panose="020B0503020204020204" pitchFamily="34" charset="-122"/>
-                <a:ea typeface="Microsoft yahei" panose="020B0503020204020204" pitchFamily="34" charset="-122"/>
-              </a:rPr>
-              <a:t>产品线于蓝牙耳机应用明显成长，而今年新产品</a:t>
-            </a:r>
-            <a:r>
-              <a:rPr lang="en-US" altLang="zh-CN" sz="1400" dirty="0">
-                <a:solidFill>
-                  <a:srgbClr val="333333"/>
-                </a:solidFill>
-                <a:latin typeface="Microsoft yahei" panose="020B0503020204020204" pitchFamily="34" charset="-122"/>
-                <a:ea typeface="Microsoft yahei" panose="020B0503020204020204" pitchFamily="34" charset="-122"/>
-              </a:rPr>
-              <a:t>USB Type-c</a:t>
-            </a:r>
-            <a:r>
-              <a:rPr lang="zh-CN" altLang="en-US" sz="1400" dirty="0">
-                <a:solidFill>
-                  <a:srgbClr val="333333"/>
-                </a:solidFill>
-                <a:latin typeface="Microsoft yahei" panose="020B0503020204020204" pitchFamily="34" charset="-122"/>
-                <a:ea typeface="Microsoft yahei" panose="020B0503020204020204" pitchFamily="34" charset="-122"/>
-              </a:rPr>
-              <a:t>也望开始贡献营收，今年底可望倍数成长，但</a:t>
-            </a:r>
-            <a:r>
-              <a:rPr lang="en-US" altLang="zh-CN" sz="1400" dirty="0">
-                <a:solidFill>
-                  <a:srgbClr val="333333"/>
-                </a:solidFill>
-                <a:latin typeface="Microsoft yahei" panose="020B0503020204020204" pitchFamily="34" charset="-122"/>
-                <a:ea typeface="Microsoft yahei" panose="020B0503020204020204" pitchFamily="34" charset="-122"/>
-              </a:rPr>
-              <a:t>ASP</a:t>
-            </a:r>
-            <a:r>
-              <a:rPr lang="zh-CN" altLang="en-US" sz="1400" dirty="0">
-                <a:solidFill>
-                  <a:srgbClr val="333333"/>
-                </a:solidFill>
-                <a:latin typeface="Microsoft yahei" panose="020B0503020204020204" pitchFamily="34" charset="-122"/>
-                <a:ea typeface="Microsoft yahei" panose="020B0503020204020204" pitchFamily="34" charset="-122"/>
-              </a:rPr>
-              <a:t>也受到竞争者压力明显。</a:t>
-            </a:r>
+              <a:rPr lang="zh-CN" altLang="en-US" dirty="0"/>
+              <a:t>、笔电、</a:t>
+            </a:r>
+            <a:endParaRPr lang="en-US" altLang="zh-CN" dirty="0"/>
+          </a:p>
+          <a:p>
+            <a:r>
+              <a:rPr lang="zh-CN" altLang="en-US" dirty="0"/>
+              <a:t>蓝牙</a:t>
+            </a:r>
+            <a:endParaRPr lang="en-US" altLang="zh-CN" dirty="0"/>
+          </a:p>
+          <a:p>
+            <a:pPr lvl="1"/>
+            <a:endParaRPr lang="zh-CN" altLang="en-US" dirty="0"/>
           </a:p>
         </p:txBody>
       </p:sp>
     </p:spTree>
     <p:extLst>
       <p:ext uri="{BB962C8B-B14F-4D97-AF65-F5344CB8AC3E}">
-        <p14:creationId xmlns:p14="http://schemas.microsoft.com/office/powerpoint/2010/main" val="2316473608"/>
+        <p14:creationId xmlns:p14="http://schemas.microsoft.com/office/powerpoint/2010/main" val="1653366859"/>
       </p:ext>
     </p:extLst>
   </p:cSld>
@@ -6646,7 +8482,7 @@
           <p:cNvPr id="2" name="标题 1">
             <a:extLst>
               <a:ext uri="{FF2B5EF4-FFF2-40B4-BE49-F238E27FC236}">
-                <a16:creationId xmlns:a16="http://schemas.microsoft.com/office/drawing/2014/main" id="{8A7501C0-3D6B-8495-D49A-985EB7CA47D6}"/>
+                <a16:creationId xmlns:a16="http://schemas.microsoft.com/office/drawing/2014/main" id="{BEAF98A0-7370-0D33-7C78-970F412FE7CD}"/>
               </a:ext>
             </a:extLst>
           </p:cNvPr>
@@ -6664,83 +8500,243 @@
           <a:p>
             <a:r>
               <a:rPr lang="zh-CN" altLang="en-US" dirty="0"/>
-              <a:t>中国台湾电子公司月度营收情况 </a:t>
+              <a:t>相关产品线</a:t>
             </a:r>
             <a:r>
               <a:rPr lang="en-US" altLang="zh-CN" dirty="0"/>
-              <a:t>– </a:t>
+              <a:t>—HD Audio</a:t>
             </a:r>
             <a:r>
               <a:rPr lang="zh-CN" altLang="en-US" dirty="0"/>
-              <a:t>数字</a:t>
-            </a:r>
+              <a:t>音频技术规范 </a:t>
+            </a:r>
+          </a:p>
+        </p:txBody>
+      </p:sp>
+      <p:sp>
+        <p:nvSpPr>
+          <p:cNvPr id="3" name="内容占位符 2">
+            <a:extLst>
+              <a:ext uri="{FF2B5EF4-FFF2-40B4-BE49-F238E27FC236}">
+                <a16:creationId xmlns:a16="http://schemas.microsoft.com/office/drawing/2014/main" id="{A805F199-452D-834B-8B38-6F9D37E27589}"/>
+              </a:ext>
+            </a:extLst>
+          </p:cNvPr>
+          <p:cNvSpPr>
+            <a:spLocks noGrp="1"/>
+          </p:cNvSpPr>
+          <p:nvPr>
+            <p:ph idx="1"/>
+          </p:nvPr>
+        </p:nvSpPr>
+        <p:spPr/>
+        <p:txBody>
+          <a:bodyPr>
+            <a:normAutofit/>
+          </a:bodyPr>
+          <a:lstStyle/>
+          <a:p>
             <a:r>
               <a:rPr lang="en-US" altLang="zh-CN" dirty="0"/>
-              <a:t>IC</a:t>
-            </a:r>
-            <a:endParaRPr lang="zh-CN" altLang="en-US" dirty="0"/>
-          </a:p>
-        </p:txBody>
-      </p:sp>
-      <p:sp>
-        <p:nvSpPr>
-          <p:cNvPr id="3" name="内容占位符 2">
-            <a:extLst>
-              <a:ext uri="{FF2B5EF4-FFF2-40B4-BE49-F238E27FC236}">
-                <a16:creationId xmlns:a16="http://schemas.microsoft.com/office/drawing/2014/main" id="{8D83EA51-B487-ABE6-E9E1-DE33DE38B765}"/>
-              </a:ext>
-            </a:extLst>
-          </p:cNvPr>
-          <p:cNvSpPr>
-            <a:spLocks noGrp="1"/>
-          </p:cNvSpPr>
-          <p:nvPr>
-            <p:ph idx="1"/>
-          </p:nvPr>
-        </p:nvSpPr>
-        <p:spPr/>
-        <p:txBody>
-          <a:bodyPr/>
-          <a:lstStyle/>
-          <a:p>
-            <a:endParaRPr lang="zh-CN" altLang="en-US"/>
-          </a:p>
-        </p:txBody>
-      </p:sp>
-      <p:pic>
-        <p:nvPicPr>
-          <p:cNvPr id="5" name="图片 4">
-            <a:extLst>
-              <a:ext uri="{FF2B5EF4-FFF2-40B4-BE49-F238E27FC236}">
-                <a16:creationId xmlns:a16="http://schemas.microsoft.com/office/drawing/2014/main" id="{ABCE41C1-DA3F-57D9-53FB-01C05847E7D6}"/>
-              </a:ext>
-            </a:extLst>
-          </p:cNvPr>
-          <p:cNvPicPr>
-            <a:picLocks noChangeAspect="1"/>
-          </p:cNvPicPr>
-          <p:nvPr/>
-        </p:nvPicPr>
-        <p:blipFill>
-          <a:blip r:embed="rId2"/>
-          <a:stretch>
-            <a:fillRect/>
-          </a:stretch>
-        </p:blipFill>
-        <p:spPr>
-          <a:xfrm>
-            <a:off x="838200" y="1825625"/>
-            <a:ext cx="7125694" cy="2962688"/>
-          </a:xfrm>
-          <a:prstGeom prst="rect">
-            <a:avLst/>
-          </a:prstGeom>
-        </p:spPr>
-      </p:pic>
+              <a:t>HD Audio</a:t>
+            </a:r>
+          </a:p>
+          <a:p>
+            <a:pPr lvl="1"/>
+            <a:r>
+              <a:rPr lang="en-US" altLang="zh-CN" dirty="0"/>
+              <a:t>High Definition Audio Codecs</a:t>
+            </a:r>
+          </a:p>
+          <a:p>
+            <a:r>
+              <a:rPr lang="zh-CN" altLang="en-US" dirty="0"/>
+              <a:t>符合</a:t>
+            </a:r>
+            <a:r>
+              <a:rPr lang="en-US" altLang="zh-CN" dirty="0"/>
+              <a:t>HD Audio</a:t>
+            </a:r>
+            <a:r>
+              <a:rPr lang="zh-CN" altLang="en-US" dirty="0"/>
+              <a:t>规范的芯片：</a:t>
+            </a:r>
+            <a:endParaRPr lang="en-US" altLang="zh-CN" dirty="0"/>
+          </a:p>
+          <a:p>
+            <a:pPr lvl="1"/>
+            <a:r>
+              <a:rPr lang="en-US" altLang="zh-CN" dirty="0"/>
+              <a:t>Realtek</a:t>
+            </a:r>
+            <a:r>
+              <a:rPr lang="zh-CN" altLang="en-US" dirty="0"/>
+              <a:t>瑞昱：</a:t>
+            </a:r>
+            <a:r>
+              <a:rPr lang="en-US" altLang="zh-CN" dirty="0"/>
+              <a:t>ALC880</a:t>
+            </a:r>
+            <a:r>
+              <a:rPr lang="zh-CN" altLang="en-US" dirty="0"/>
+              <a:t>、</a:t>
+            </a:r>
+            <a:r>
+              <a:rPr lang="en-US" altLang="zh-CN" dirty="0"/>
+              <a:t>ALC882</a:t>
+            </a:r>
+            <a:r>
+              <a:rPr lang="zh-CN" altLang="en-US" dirty="0"/>
+              <a:t>、</a:t>
+            </a:r>
+            <a:r>
+              <a:rPr lang="en-US" altLang="zh-CN" dirty="0"/>
+              <a:t>ALC883</a:t>
+            </a:r>
+            <a:r>
+              <a:rPr lang="zh-CN" altLang="en-US" dirty="0"/>
+              <a:t>、</a:t>
+            </a:r>
+            <a:r>
+              <a:rPr lang="en-US" altLang="zh-CN" dirty="0"/>
+              <a:t>ALC885</a:t>
+            </a:r>
+            <a:r>
+              <a:rPr lang="zh-CN" altLang="en-US" dirty="0"/>
+              <a:t>、</a:t>
+            </a:r>
+            <a:r>
+              <a:rPr lang="en-US" altLang="zh-CN" dirty="0"/>
+              <a:t>ALC888</a:t>
+            </a:r>
+            <a:r>
+              <a:rPr lang="zh-CN" altLang="en-US" dirty="0"/>
+              <a:t>、</a:t>
+            </a:r>
+            <a:r>
+              <a:rPr lang="en-US" altLang="zh-CN" dirty="0"/>
+              <a:t>ALC260</a:t>
+            </a:r>
+            <a:r>
+              <a:rPr lang="zh-CN" altLang="en-US" dirty="0"/>
+              <a:t>、</a:t>
+            </a:r>
+            <a:r>
+              <a:rPr lang="en-US" altLang="zh-CN" dirty="0"/>
+              <a:t>ALC262</a:t>
+            </a:r>
+            <a:r>
+              <a:rPr lang="zh-CN" altLang="en-US" dirty="0"/>
+              <a:t>、</a:t>
+            </a:r>
+            <a:r>
+              <a:rPr lang="en-US" altLang="zh-CN" dirty="0"/>
+              <a:t>ALC268</a:t>
+            </a:r>
+            <a:r>
+              <a:rPr lang="zh-CN" altLang="en-US" dirty="0"/>
+              <a:t>、</a:t>
+            </a:r>
+            <a:r>
+              <a:rPr lang="en-US" altLang="zh-CN" dirty="0"/>
+              <a:t>ALC861</a:t>
+            </a:r>
+            <a:r>
+              <a:rPr lang="zh-CN" altLang="en-US" dirty="0"/>
+              <a:t>等</a:t>
+            </a:r>
+            <a:endParaRPr lang="en-US" altLang="zh-CN" dirty="0"/>
+          </a:p>
+          <a:p>
+            <a:pPr lvl="1"/>
+            <a:r>
+              <a:rPr lang="zh-CN" altLang="en-US" dirty="0"/>
+              <a:t>其他厂商：</a:t>
+            </a:r>
+            <a:r>
+              <a:rPr lang="en-US" altLang="zh-CN" dirty="0" err="1"/>
+              <a:t>Cmedia</a:t>
+            </a:r>
+            <a:r>
+              <a:rPr lang="zh-CN" altLang="en-US" dirty="0"/>
+              <a:t>、</a:t>
+            </a:r>
+            <a:r>
+              <a:rPr lang="en-US" altLang="zh-CN" dirty="0"/>
+              <a:t>ADI</a:t>
+            </a:r>
+            <a:r>
+              <a:rPr lang="zh-CN" altLang="en-US" dirty="0"/>
+              <a:t>、</a:t>
+            </a:r>
+            <a:r>
+              <a:rPr lang="en-US" altLang="zh-CN" dirty="0"/>
+              <a:t> </a:t>
+            </a:r>
+            <a:r>
+              <a:rPr lang="en-US" altLang="zh-CN" dirty="0" err="1"/>
+              <a:t>Sigmatel</a:t>
+            </a:r>
+            <a:r>
+              <a:rPr lang="zh-CN" altLang="en-US" dirty="0"/>
+              <a:t>、</a:t>
+            </a:r>
+            <a:r>
+              <a:rPr lang="en-US" altLang="zh-CN" dirty="0"/>
+              <a:t>VIA</a:t>
+            </a:r>
+          </a:p>
+          <a:p>
+            <a:r>
+              <a:rPr lang="zh-CN" altLang="en-US" dirty="0"/>
+              <a:t>主要应用</a:t>
+            </a:r>
+            <a:endParaRPr lang="en-US" altLang="zh-CN" dirty="0"/>
+          </a:p>
+          <a:p>
+            <a:pPr lvl="1"/>
+            <a:r>
+              <a:rPr lang="zh-CN" altLang="en-US" dirty="0"/>
+              <a:t>笔记本电脑</a:t>
+            </a:r>
+            <a:endParaRPr lang="en-US" altLang="zh-CN" dirty="0"/>
+          </a:p>
+          <a:p>
+            <a:pPr lvl="1"/>
+            <a:r>
+              <a:rPr lang="en-US" altLang="zh-CN" b="0" i="0" dirty="0">
+                <a:solidFill>
+                  <a:srgbClr val="666666"/>
+                </a:solidFill>
+                <a:effectLst/>
+                <a:latin typeface="Ubuntu" panose="020B0504030602030204" pitchFamily="34" charset="0"/>
+              </a:rPr>
+              <a:t>PCI</a:t>
+            </a:r>
+            <a:r>
+              <a:rPr lang="zh-CN" altLang="en-US" b="0" i="0">
+                <a:solidFill>
+                  <a:srgbClr val="666666"/>
+                </a:solidFill>
+                <a:effectLst/>
+                <a:latin typeface="Ubuntu" panose="020B0504030602030204" pitchFamily="34" charset="0"/>
+              </a:rPr>
+              <a:t>声卡？？</a:t>
+            </a:r>
+            <a:endParaRPr lang="en-US" altLang="zh-CN" dirty="0"/>
+          </a:p>
+          <a:p>
+            <a:r>
+              <a:rPr lang="zh-CN" altLang="en-US" dirty="0"/>
+              <a:t>出货占比</a:t>
+            </a:r>
+          </a:p>
+        </p:txBody>
+      </p:sp>
     </p:spTree>
     <p:extLst>
       <p:ext uri="{BB962C8B-B14F-4D97-AF65-F5344CB8AC3E}">
-        <p14:creationId xmlns:p14="http://schemas.microsoft.com/office/powerpoint/2010/main" val="3921843933"/>
+        <p14:creationId xmlns:p14="http://schemas.microsoft.com/office/powerpoint/2010/main" val="4275385750"/>
       </p:ext>
     </p:extLst>
   </p:cSld>
@@ -6772,7 +8768,7 @@
           <p:cNvPr id="2" name="标题 1">
             <a:extLst>
               <a:ext uri="{FF2B5EF4-FFF2-40B4-BE49-F238E27FC236}">
-                <a16:creationId xmlns:a16="http://schemas.microsoft.com/office/drawing/2014/main" id="{D401DBA5-853A-8BC1-075D-BB031ECEB4C0}"/>
+                <a16:creationId xmlns:a16="http://schemas.microsoft.com/office/drawing/2014/main" id="{16A22911-6A67-F1F4-1359-653E55AF475E}"/>
               </a:ext>
             </a:extLst>
           </p:cNvPr>
@@ -6790,50 +8786,48 @@
           <a:p>
             <a:r>
               <a:rPr lang="zh-CN" altLang="en-US" dirty="0"/>
-              <a:t>小米是国内使用瑞昱较多的品牌</a:t>
-            </a:r>
-          </a:p>
-        </p:txBody>
-      </p:sp>
-      <p:pic>
-        <p:nvPicPr>
-          <p:cNvPr id="5" name="内容占位符 4">
-            <a:extLst>
-              <a:ext uri="{FF2B5EF4-FFF2-40B4-BE49-F238E27FC236}">
-                <a16:creationId xmlns:a16="http://schemas.microsoft.com/office/drawing/2014/main" id="{02456E23-CF2F-651A-36F9-4CF156E73FEB}"/>
-              </a:ext>
-            </a:extLst>
-          </p:cNvPr>
-          <p:cNvPicPr>
-            <a:picLocks noGrp="1" noChangeAspect="1"/>
-          </p:cNvPicPr>
+              <a:t>相关产品线</a:t>
+            </a:r>
+            <a:r>
+              <a:rPr lang="en-US" altLang="zh-CN" dirty="0"/>
+              <a:t>—AC'97</a:t>
+            </a:r>
+            <a:r>
+              <a:rPr lang="zh-CN" altLang="en-US" dirty="0"/>
+              <a:t>音频技术规范</a:t>
+            </a:r>
+          </a:p>
+        </p:txBody>
+      </p:sp>
+      <p:sp>
+        <p:nvSpPr>
+          <p:cNvPr id="3" name="内容占位符 2">
+            <a:extLst>
+              <a:ext uri="{FF2B5EF4-FFF2-40B4-BE49-F238E27FC236}">
+                <a16:creationId xmlns:a16="http://schemas.microsoft.com/office/drawing/2014/main" id="{3837AD90-D308-2A6C-CD59-68928B1CDA45}"/>
+              </a:ext>
+            </a:extLst>
+          </p:cNvPr>
+          <p:cNvSpPr>
+            <a:spLocks noGrp="1"/>
+          </p:cNvSpPr>
           <p:nvPr>
             <p:ph idx="1"/>
           </p:nvPr>
-        </p:nvPicPr>
-        <p:blipFill>
-          <a:blip r:embed="rId2">
-            <a:extLst>
-              <a:ext uri="{28A0092B-C50C-407E-A947-70E740481C1C}">
-                <a14:useLocalDpi xmlns:a14="http://schemas.microsoft.com/office/drawing/2010/main" val="0"/>
-              </a:ext>
-            </a:extLst>
-          </a:blip>
-          <a:stretch>
-            <a:fillRect/>
-          </a:stretch>
-        </p:blipFill>
-        <p:spPr>
-          <a:xfrm>
-            <a:off x="2558383" y="1825625"/>
-            <a:ext cx="7075234" cy="4351338"/>
-          </a:xfrm>
-        </p:spPr>
-      </p:pic>
+        </p:nvSpPr>
+        <p:spPr/>
+        <p:txBody>
+          <a:bodyPr/>
+          <a:lstStyle/>
+          <a:p>
+            <a:endParaRPr lang="zh-CN" altLang="en-US"/>
+          </a:p>
+        </p:txBody>
+      </p:sp>
     </p:spTree>
     <p:extLst>
       <p:ext uri="{BB962C8B-B14F-4D97-AF65-F5344CB8AC3E}">
-        <p14:creationId xmlns:p14="http://schemas.microsoft.com/office/powerpoint/2010/main" val="2613768486"/>
+        <p14:creationId xmlns:p14="http://schemas.microsoft.com/office/powerpoint/2010/main" val="1971980735"/>
       </p:ext>
     </p:extLst>
   </p:cSld>

--- a/2023/02产品/SNC8x/01)竞品分析/00)竞品芯片分析/品牌产品路线分析/Realtek/Realtek产品线分析.pptx
+++ b/2023/02产品/SNC8x/01)竞品分析/00)竞品芯片分析/品牌产品路线分析/Realtek/Realtek产品线分析.pptx
@@ -212,7 +212,7 @@
           <a:p>
             <a:fld id="{28EA0F69-1204-4BA0-B38F-9FCC649F2CF7}" type="datetimeFigureOut">
               <a:rPr lang="zh-CN" altLang="en-US" smtClean="0"/>
-              <a:t>2023/5/17</a:t>
+              <a:t>2023/5/19</a:t>
             </a:fld>
             <a:endParaRPr lang="zh-CN" altLang="en-US"/>
           </a:p>
@@ -1183,7 +1183,7 @@
           <a:p>
             <a:fld id="{F0D76D53-A3B4-4B96-A8CF-9D3A30CCA9B8}" type="datetimeFigureOut">
               <a:rPr lang="zh-CN" altLang="en-US" smtClean="0"/>
-              <a:t>2023/5/17</a:t>
+              <a:t>2023/5/19</a:t>
             </a:fld>
             <a:endParaRPr lang="zh-CN" altLang="en-US"/>
           </a:p>
@@ -1381,7 +1381,7 @@
           <a:p>
             <a:fld id="{F0D76D53-A3B4-4B96-A8CF-9D3A30CCA9B8}" type="datetimeFigureOut">
               <a:rPr lang="zh-CN" altLang="en-US" smtClean="0"/>
-              <a:t>2023/5/17</a:t>
+              <a:t>2023/5/19</a:t>
             </a:fld>
             <a:endParaRPr lang="zh-CN" altLang="en-US"/>
           </a:p>
@@ -1589,7 +1589,7 @@
           <a:p>
             <a:fld id="{F0D76D53-A3B4-4B96-A8CF-9D3A30CCA9B8}" type="datetimeFigureOut">
               <a:rPr lang="zh-CN" altLang="en-US" smtClean="0"/>
-              <a:t>2023/5/17</a:t>
+              <a:t>2023/5/19</a:t>
             </a:fld>
             <a:endParaRPr lang="zh-CN" altLang="en-US"/>
           </a:p>
@@ -1787,7 +1787,7 @@
           <a:p>
             <a:fld id="{F0D76D53-A3B4-4B96-A8CF-9D3A30CCA9B8}" type="datetimeFigureOut">
               <a:rPr lang="zh-CN" altLang="en-US" smtClean="0"/>
-              <a:t>2023/5/17</a:t>
+              <a:t>2023/5/19</a:t>
             </a:fld>
             <a:endParaRPr lang="zh-CN" altLang="en-US"/>
           </a:p>
@@ -2062,7 +2062,7 @@
           <a:p>
             <a:fld id="{F0D76D53-A3B4-4B96-A8CF-9D3A30CCA9B8}" type="datetimeFigureOut">
               <a:rPr lang="zh-CN" altLang="en-US" smtClean="0"/>
-              <a:t>2023/5/17</a:t>
+              <a:t>2023/5/19</a:t>
             </a:fld>
             <a:endParaRPr lang="zh-CN" altLang="en-US"/>
           </a:p>
@@ -2327,7 +2327,7 @@
           <a:p>
             <a:fld id="{F0D76D53-A3B4-4B96-A8CF-9D3A30CCA9B8}" type="datetimeFigureOut">
               <a:rPr lang="zh-CN" altLang="en-US" smtClean="0"/>
-              <a:t>2023/5/17</a:t>
+              <a:t>2023/5/19</a:t>
             </a:fld>
             <a:endParaRPr lang="zh-CN" altLang="en-US"/>
           </a:p>
@@ -2739,7 +2739,7 @@
           <a:p>
             <a:fld id="{F0D76D53-A3B4-4B96-A8CF-9D3A30CCA9B8}" type="datetimeFigureOut">
               <a:rPr lang="zh-CN" altLang="en-US" smtClean="0"/>
-              <a:t>2023/5/17</a:t>
+              <a:t>2023/5/19</a:t>
             </a:fld>
             <a:endParaRPr lang="zh-CN" altLang="en-US"/>
           </a:p>
@@ -2880,7 +2880,7 @@
           <a:p>
             <a:fld id="{F0D76D53-A3B4-4B96-A8CF-9D3A30CCA9B8}" type="datetimeFigureOut">
               <a:rPr lang="zh-CN" altLang="en-US" smtClean="0"/>
-              <a:t>2023/5/17</a:t>
+              <a:t>2023/5/19</a:t>
             </a:fld>
             <a:endParaRPr lang="zh-CN" altLang="en-US"/>
           </a:p>
@@ -2993,7 +2993,7 @@
           <a:p>
             <a:fld id="{F0D76D53-A3B4-4B96-A8CF-9D3A30CCA9B8}" type="datetimeFigureOut">
               <a:rPr lang="zh-CN" altLang="en-US" smtClean="0"/>
-              <a:t>2023/5/17</a:t>
+              <a:t>2023/5/19</a:t>
             </a:fld>
             <a:endParaRPr lang="zh-CN" altLang="en-US"/>
           </a:p>
@@ -3304,7 +3304,7 @@
           <a:p>
             <a:fld id="{F0D76D53-A3B4-4B96-A8CF-9D3A30CCA9B8}" type="datetimeFigureOut">
               <a:rPr lang="zh-CN" altLang="en-US" smtClean="0"/>
-              <a:t>2023/5/17</a:t>
+              <a:t>2023/5/19</a:t>
             </a:fld>
             <a:endParaRPr lang="zh-CN" altLang="en-US"/>
           </a:p>
@@ -3592,7 +3592,7 @@
           <a:p>
             <a:fld id="{F0D76D53-A3B4-4B96-A8CF-9D3A30CCA9B8}" type="datetimeFigureOut">
               <a:rPr lang="zh-CN" altLang="en-US" smtClean="0"/>
-              <a:t>2023/5/17</a:t>
+              <a:t>2023/5/19</a:t>
             </a:fld>
             <a:endParaRPr lang="zh-CN" altLang="en-US"/>
           </a:p>
@@ -3833,7 +3833,7 @@
           <a:p>
             <a:fld id="{F0D76D53-A3B4-4B96-A8CF-9D3A30CCA9B8}" type="datetimeFigureOut">
               <a:rPr lang="zh-CN" altLang="en-US" smtClean="0"/>
-              <a:t>2023/5/17</a:t>
+              <a:t>2023/5/19</a:t>
             </a:fld>
             <a:endParaRPr lang="zh-CN" altLang="en-US"/>
           </a:p>
@@ -8387,7 +8387,7 @@
             <a:endParaRPr lang="en-US" altLang="zh-CN" dirty="0"/>
           </a:p>
           <a:p>
-            <a:pPr lvl="1"/>
+            <a:pPr lvl="2"/>
             <a:endParaRPr lang="en-US" altLang="zh-CN" dirty="0"/>
           </a:p>
           <a:p>
